--- a/Barroc Intens.pptx
+++ b/Barroc Intens.pptx
@@ -6,21 +6,18 @@
   </p:sldMasterIdLst>
   <p:sldIdLst>
     <p:sldId id="256" r:id="rId2"/>
-    <p:sldId id="271" r:id="rId3"/>
-    <p:sldId id="270" r:id="rId4"/>
-    <p:sldId id="257" r:id="rId5"/>
-    <p:sldId id="258" r:id="rId6"/>
-    <p:sldId id="259" r:id="rId7"/>
-    <p:sldId id="260" r:id="rId8"/>
-    <p:sldId id="261" r:id="rId9"/>
-    <p:sldId id="262" r:id="rId10"/>
-    <p:sldId id="263" r:id="rId11"/>
-    <p:sldId id="264" r:id="rId12"/>
-    <p:sldId id="265" r:id="rId13"/>
-    <p:sldId id="266" r:id="rId14"/>
-    <p:sldId id="267" r:id="rId15"/>
-    <p:sldId id="268" r:id="rId16"/>
-    <p:sldId id="272" r:id="rId17"/>
+    <p:sldId id="270" r:id="rId3"/>
+    <p:sldId id="257" r:id="rId4"/>
+    <p:sldId id="259" r:id="rId5"/>
+    <p:sldId id="260" r:id="rId6"/>
+    <p:sldId id="261" r:id="rId7"/>
+    <p:sldId id="262" r:id="rId8"/>
+    <p:sldId id="264" r:id="rId9"/>
+    <p:sldId id="265" r:id="rId10"/>
+    <p:sldId id="266" r:id="rId11"/>
+    <p:sldId id="267" r:id="rId12"/>
+    <p:sldId id="273" r:id="rId13"/>
+    <p:sldId id="272" r:id="rId14"/>
   </p:sldIdLst>
   <p:sldSz cx="12192000" cy="6858000"/>
   <p:notesSz cx="6858000" cy="9144000"/>
@@ -119,6 +116,11 @@
       </a:defRPr>
     </a:lvl9pPr>
   </p:defaultTextStyle>
+  <p:extLst>
+    <p:ext uri="{EFAFB233-063F-42B5-8137-9DF3F51BA10A}">
+      <p15:sldGuideLst xmlns:p15="http://schemas.microsoft.com/office/powerpoint/2012/main"/>
+    </p:ext>
+  </p:extLst>
 </p:presentation>
 </file>
 
@@ -366,7 +368,7 @@
           <a:p>
             <a:fld id="{9184DA70-C731-4C70-880D-CCD4705E623C}" type="datetime1">
               <a:rPr lang="en-US" smtClean="0"/>
-              <a:t>2/4/2025</a:t>
+              <a:t>2/6/2025</a:t>
             </a:fld>
             <a:endParaRPr lang="en-US" dirty="0"/>
           </a:p>
@@ -554,7 +556,7 @@
           <a:p>
             <a:fld id="{B612A279-0833-481D-8C56-F67FD0AC6C50}" type="datetime1">
               <a:rPr lang="en-US" smtClean="0"/>
-              <a:t>2/4/2025</a:t>
+              <a:t>2/6/2025</a:t>
             </a:fld>
             <a:endParaRPr lang="en-US" dirty="0"/>
           </a:p>
@@ -796,7 +798,7 @@
           <a:p>
             <a:fld id="{6587DA83-5663-4C9C-B9AA-0B40A3DAFF81}" type="datetime1">
               <a:rPr lang="en-US" smtClean="0"/>
-              <a:t>2/4/2025</a:t>
+              <a:t>2/6/2025</a:t>
             </a:fld>
             <a:endParaRPr lang="en-US" dirty="0"/>
           </a:p>
@@ -984,7 +986,7 @@
           <a:p>
             <a:fld id="{4BE1D723-8F53-4F53-90B0-1982A396982E}" type="datetime1">
               <a:rPr lang="en-US" smtClean="0"/>
-              <a:t>2/4/2025</a:t>
+              <a:t>2/6/2025</a:t>
             </a:fld>
             <a:endParaRPr lang="en-US" dirty="0"/>
           </a:p>
@@ -1357,7 +1359,7 @@
           <a:p>
             <a:fld id="{97669AF7-7BEB-44E4-9852-375E34362B5B}" type="datetime1">
               <a:rPr lang="en-US" smtClean="0"/>
-              <a:t>2/4/2025</a:t>
+              <a:t>2/6/2025</a:t>
             </a:fld>
             <a:endParaRPr lang="en-US" dirty="0"/>
           </a:p>
@@ -1612,7 +1614,7 @@
           <a:p>
             <a:fld id="{BAAAC38D-0552-4C82-B593-E6124DFADBE2}" type="datetime1">
               <a:rPr lang="en-US" smtClean="0"/>
-              <a:t>2/4/2025</a:t>
+              <a:t>2/6/2025</a:t>
             </a:fld>
             <a:endParaRPr lang="en-US" dirty="0"/>
           </a:p>
@@ -2009,7 +2011,7 @@
           <a:p>
             <a:fld id="{D9DF0F1C-5577-4ACB-BB62-DF8F3C494C7E}" type="datetime1">
               <a:rPr lang="en-US" smtClean="0"/>
-              <a:t>2/4/2025</a:t>
+              <a:t>2/6/2025</a:t>
             </a:fld>
             <a:endParaRPr lang="en-US" dirty="0"/>
           </a:p>
@@ -2145,7 +2147,7 @@
           <a:p>
             <a:fld id="{1775B394-D9F9-4F0C-B15D-605F45CB9E9F}" type="datetime1">
               <a:rPr lang="en-US" smtClean="0"/>
-              <a:t>2/4/2025</a:t>
+              <a:t>2/6/2025</a:t>
             </a:fld>
             <a:endParaRPr lang="en-US" dirty="0"/>
           </a:p>
@@ -2302,7 +2304,7 @@
           <a:p>
             <a:fld id="{39667345-2558-425A-8533-9BFDBCE15005}" type="datetime1">
               <a:rPr lang="en-US" smtClean="0"/>
-              <a:t>2/4/2025</a:t>
+              <a:t>2/6/2025</a:t>
             </a:fld>
             <a:endParaRPr lang="en-US" dirty="0"/>
           </a:p>
@@ -2631,7 +2633,7 @@
           <a:p>
             <a:fld id="{92BEA474-078D-4E9B-9B14-09A87B19DC46}" type="datetime1">
               <a:rPr lang="en-US" smtClean="0"/>
-              <a:t>2/4/2025</a:t>
+              <a:t>2/6/2025</a:t>
             </a:fld>
             <a:endParaRPr lang="en-US" dirty="0"/>
           </a:p>
@@ -2981,7 +2983,7 @@
           <a:p>
             <a:fld id="{4907D986-8816-4272-A432-0437A28A9828}" type="datetime1">
               <a:rPr lang="en-US" smtClean="0"/>
-              <a:t>2/4/2025</a:t>
+              <a:t>2/6/2025</a:t>
             </a:fld>
             <a:endParaRPr lang="en-US" dirty="0"/>
           </a:p>
@@ -3242,7 +3244,7 @@
           <a:p>
             <a:fld id="{62D6E202-B606-4609-B914-27C9371A1F6D}" type="datetime1">
               <a:rPr lang="en-US" smtClean="0"/>
-              <a:t>2/4/2025</a:t>
+              <a:t>2/6/2025</a:t>
             </a:fld>
             <a:endParaRPr lang="en-US" dirty="0"/>
           </a:p>
@@ -4046,53 +4048,6 @@
           </a:fontRef>
         </p:style>
       </p:cxnSp>
-      <p:pic>
-        <p:nvPicPr>
-          <p:cNvPr id="4" name="Picture 2" descr="Creator of Garry's Mod: the situation with the DMCA complaint over Skibidi  Toilet has been successfully resolved | WN Hub">
-            <a:extLst>
-              <a:ext uri="{FF2B5EF4-FFF2-40B4-BE49-F238E27FC236}">
-                <a16:creationId xmlns:a16="http://schemas.microsoft.com/office/drawing/2014/main" id="{0A4F7E4E-20DA-E62E-6F14-5380E3AA996E}"/>
-              </a:ext>
-            </a:extLst>
-          </p:cNvPr>
-          <p:cNvPicPr>
-            <a:picLocks noChangeAspect="1" noChangeArrowheads="1"/>
-          </p:cNvPicPr>
-          <p:nvPr/>
-        </p:nvPicPr>
-        <p:blipFill>
-          <a:blip r:embed="rId3">
-            <a:extLst>
-              <a:ext uri="{28A0092B-C50C-407E-A947-70E740481C1C}">
-                <a14:useLocalDpi xmlns:a14="http://schemas.microsoft.com/office/drawing/2010/main" val="0"/>
-              </a:ext>
-            </a:extLst>
-          </a:blip>
-          <a:srcRect/>
-          <a:stretch>
-            <a:fillRect/>
-          </a:stretch>
-        </p:blipFill>
-        <p:spPr bwMode="auto">
-          <a:xfrm>
-            <a:off x="5405437" y="2201782"/>
-            <a:ext cx="141288" cy="111205"/>
-          </a:xfrm>
-          <a:prstGeom prst="rect">
-            <a:avLst/>
-          </a:prstGeom>
-          <a:noFill/>
-          <a:extLst>
-            <a:ext uri="{909E8E84-426E-40DD-AFC4-6F175D3DCCD1}">
-              <a14:hiddenFill xmlns:a14="http://schemas.microsoft.com/office/drawing/2010/main">
-                <a:solidFill>
-                  <a:srgbClr val="FFFFFF"/>
-                </a:solidFill>
-              </a14:hiddenFill>
-            </a:ext>
-          </a:extLst>
-        </p:spPr>
-      </p:pic>
     </p:spTree>
     <p:extLst>
       <p:ext uri="{BB962C8B-B14F-4D97-AF65-F5344CB8AC3E}">
@@ -4109,6 +4064,14 @@
 <file path=ppt/slides/slide10.xml><?xml version="1.0" encoding="utf-8"?>
 <p:sld xmlns:a="http://schemas.openxmlformats.org/drawingml/2006/main" xmlns:r="http://schemas.openxmlformats.org/officeDocument/2006/relationships" xmlns:p="http://schemas.openxmlformats.org/presentationml/2006/main">
   <p:cSld>
+    <p:bg>
+      <p:bgPr>
+        <a:solidFill>
+          <a:schemeClr val="bg1"/>
+        </a:solidFill>
+        <a:effectLst/>
+      </p:bgPr>
+    </p:bg>
     <p:spTree>
       <p:nvGrpSpPr>
         <p:cNvPr id="1" name=""/>
@@ -4123,12 +4086,134 @@
           <a:chExt cx="0" cy="0"/>
         </a:xfrm>
       </p:grpSpPr>
+      <p:sp useBgFill="1">
+        <p:nvSpPr>
+          <p:cNvPr id="10" name="Rectangle 9">
+            <a:extLst>
+              <a:ext uri="{FF2B5EF4-FFF2-40B4-BE49-F238E27FC236}">
+                <a16:creationId xmlns:a16="http://schemas.microsoft.com/office/drawing/2014/main" id="{0AB6E427-3F73-4C06-A5D5-AE52C3883B50}"/>
+              </a:ext>
+              <a:ext uri="{C183D7F6-B498-43B3-948B-1728B52AA6E4}">
+                <adec:decorative xmlns:adec="http://schemas.microsoft.com/office/drawing/2017/decorative" val="1"/>
+              </a:ext>
+            </a:extLst>
+          </p:cNvPr>
+          <p:cNvSpPr>
+            <a:spLocks noGrp="1" noRot="1" noChangeAspect="1" noMove="1" noResize="1" noEditPoints="1" noAdjustHandles="1" noChangeArrowheads="1" noChangeShapeType="1" noTextEdit="1"/>
+          </p:cNvSpPr>
+          <p:nvPr>
+            <p:extLst>
+              <p:ext uri="{386F3935-93C4-4BCD-93E2-E3B085C9AB24}">
+                <p16:designElem xmlns:p16="http://schemas.microsoft.com/office/powerpoint/2015/main" val="1"/>
+              </p:ext>
+            </p:extLst>
+          </p:nvPr>
+        </p:nvSpPr>
+        <p:spPr>
+          <a:xfrm>
+            <a:off x="5685" y="0"/>
+            <a:ext cx="12186315" cy="6858000"/>
+          </a:xfrm>
+          <a:prstGeom prst="rect">
+            <a:avLst/>
+          </a:prstGeom>
+          <a:ln>
+            <a:noFill/>
+          </a:ln>
+        </p:spPr>
+        <p:style>
+          <a:lnRef idx="2">
+            <a:schemeClr val="accent6">
+              <a:shade val="50000"/>
+            </a:schemeClr>
+          </a:lnRef>
+          <a:fillRef idx="1001">
+            <a:schemeClr val="lt1"/>
+          </a:fillRef>
+          <a:effectRef idx="0">
+            <a:schemeClr val="accent6"/>
+          </a:effectRef>
+          <a:fontRef idx="minor">
+            <a:schemeClr val="lt1"/>
+          </a:fontRef>
+        </p:style>
+        <p:txBody>
+          <a:bodyPr rtlCol="0" anchor="ctr"/>
+          <a:lstStyle/>
+          <a:p>
+            <a:pPr algn="ctr"/>
+            <a:endParaRPr lang="en-US"/>
+          </a:p>
+        </p:txBody>
+      </p:sp>
+      <p:sp>
+        <p:nvSpPr>
+          <p:cNvPr id="12" name="Rectangle 11">
+            <a:extLst>
+              <a:ext uri="{FF2B5EF4-FFF2-40B4-BE49-F238E27FC236}">
+                <a16:creationId xmlns:a16="http://schemas.microsoft.com/office/drawing/2014/main" id="{D8C9BDAA-0390-4B39-9B5C-BC95E5120DA4}"/>
+              </a:ext>
+              <a:ext uri="{C183D7F6-B498-43B3-948B-1728B52AA6E4}">
+                <adec:decorative xmlns:adec="http://schemas.microsoft.com/office/drawing/2017/decorative" val="1"/>
+              </a:ext>
+            </a:extLst>
+          </p:cNvPr>
+          <p:cNvSpPr>
+            <a:spLocks noGrp="1" noRot="1" noChangeAspect="1" noMove="1" noResize="1" noEditPoints="1" noAdjustHandles="1" noChangeArrowheads="1" noChangeShapeType="1" noTextEdit="1"/>
+          </p:cNvSpPr>
+          <p:nvPr>
+            <p:extLst>
+              <p:ext uri="{386F3935-93C4-4BCD-93E2-E3B085C9AB24}">
+                <p16:designElem xmlns:p16="http://schemas.microsoft.com/office/powerpoint/2015/main" val="1"/>
+              </p:ext>
+            </p:extLst>
+          </p:nvPr>
+        </p:nvSpPr>
+        <p:spPr>
+          <a:xfrm>
+            <a:off x="16" y="0"/>
+            <a:ext cx="4059919" cy="6858000"/>
+          </a:xfrm>
+          <a:prstGeom prst="rect">
+            <a:avLst/>
+          </a:prstGeom>
+          <a:solidFill>
+            <a:srgbClr val="262626"/>
+          </a:solidFill>
+          <a:ln>
+            <a:noFill/>
+          </a:ln>
+        </p:spPr>
+        <p:style>
+          <a:lnRef idx="2">
+            <a:schemeClr val="accent1">
+              <a:shade val="50000"/>
+            </a:schemeClr>
+          </a:lnRef>
+          <a:fillRef idx="1">
+            <a:schemeClr val="accent1"/>
+          </a:fillRef>
+          <a:effectRef idx="0">
+            <a:schemeClr val="accent1"/>
+          </a:effectRef>
+          <a:fontRef idx="minor">
+            <a:schemeClr val="lt1"/>
+          </a:fontRef>
+        </p:style>
+        <p:txBody>
+          <a:bodyPr/>
+          <a:lstStyle/>
+          <a:p>
+            <a:endParaRPr lang="en-US"/>
+          </a:p>
+        </p:txBody>
+      </p:sp>
       <p:sp>
         <p:nvSpPr>
           <p:cNvPr id="2" name="Title 1">
             <a:extLst>
               <a:ext uri="{FF2B5EF4-FFF2-40B4-BE49-F238E27FC236}">
-                <a16:creationId xmlns:a16="http://schemas.microsoft.com/office/drawing/2014/main" id="{7B3904C9-2929-4F19-04BC-4BE159D145BF}"/>
+                <a16:creationId xmlns:a16="http://schemas.microsoft.com/office/drawing/2014/main" id="{BD5CD92C-C51B-208F-9F97-9E21E14B5157}"/>
               </a:ext>
             </a:extLst>
           </p:cNvPr>
@@ -4139,38 +4224,107 @@
             <p:ph type="title"/>
           </p:nvPr>
         </p:nvSpPr>
-        <p:spPr/>
-        <p:txBody>
-          <a:bodyPr/>
-          <a:lstStyle/>
-          <a:p>
-            <a:r>
-              <a:rPr lang="nl-NL" sz="1800" b="1" kern="100" dirty="0">
+        <p:spPr>
+          <a:xfrm>
+            <a:off x="492370" y="516836"/>
+            <a:ext cx="3084844" cy="1961086"/>
+          </a:xfrm>
+        </p:spPr>
+        <p:txBody>
+          <a:bodyPr>
+            <a:normAutofit/>
+          </a:bodyPr>
+          <a:lstStyle/>
+          <a:p>
+            <a:r>
+              <a:rPr lang="nl-NL" sz="2500" b="1" kern="100" dirty="0">
+                <a:solidFill>
+                  <a:srgbClr val="FFFFFF"/>
+                </a:solidFill>
                 <a:effectLst/>
                 <a:latin typeface="Aptos" panose="020B0004020202020204" pitchFamily="34" charset="0"/>
                 <a:ea typeface="Aptos" panose="020B0004020202020204" pitchFamily="34" charset="0"/>
                 <a:cs typeface="Times New Roman" panose="02020603050405020304" pitchFamily="18" charset="0"/>
               </a:rPr>
-              <a:t>7. Via systeem factuur opstellen voor aansluitkosten</a:t>
+              <a:t>8. Inkoop moet producten kunnen aanmaken, bewerken en verwijderen</a:t>
             </a:r>
             <a:br>
-              <a:rPr lang="en-US" sz="1800" kern="100" dirty="0">
+              <a:rPr lang="en-US" sz="2500" kern="100" dirty="0">
+                <a:solidFill>
+                  <a:srgbClr val="FFFFFF"/>
+                </a:solidFill>
                 <a:effectLst/>
                 <a:latin typeface="Aptos" panose="020B0004020202020204" pitchFamily="34" charset="0"/>
                 <a:ea typeface="Aptos" panose="020B0004020202020204" pitchFamily="34" charset="0"/>
                 <a:cs typeface="Times New Roman" panose="02020603050405020304" pitchFamily="18" charset="0"/>
               </a:rPr>
             </a:br>
-            <a:endParaRPr lang="en-US" dirty="0"/>
-          </a:p>
-        </p:txBody>
-      </p:sp>
+            <a:endParaRPr lang="en-US" sz="2500" dirty="0">
+              <a:solidFill>
+                <a:srgbClr val="FFFFFF"/>
+              </a:solidFill>
+            </a:endParaRPr>
+          </a:p>
+        </p:txBody>
+      </p:sp>
+      <p:cxnSp>
+        <p:nvCxnSpPr>
+          <p:cNvPr id="14" name="Straight Connector 13">
+            <a:extLst>
+              <a:ext uri="{FF2B5EF4-FFF2-40B4-BE49-F238E27FC236}">
+                <a16:creationId xmlns:a16="http://schemas.microsoft.com/office/drawing/2014/main" id="{E04A321A-A039-4720-87B4-66A4210E0D57}"/>
+              </a:ext>
+              <a:ext uri="{C183D7F6-B498-43B3-948B-1728B52AA6E4}">
+                <adec:decorative xmlns:adec="http://schemas.microsoft.com/office/drawing/2017/decorative" val="1"/>
+              </a:ext>
+            </a:extLst>
+          </p:cNvPr>
+          <p:cNvCxnSpPr>
+            <a:cxnSpLocks noGrp="1" noRot="1" noChangeAspect="1" noMove="1" noResize="1" noEditPoints="1" noAdjustHandles="1" noChangeArrowheads="1" noChangeShapeType="1"/>
+          </p:cNvCxnSpPr>
+          <p:nvPr>
+            <p:extLst>
+              <p:ext uri="{386F3935-93C4-4BCD-93E2-E3B085C9AB24}">
+                <p16:designElem xmlns:p16="http://schemas.microsoft.com/office/powerpoint/2015/main" val="1"/>
+              </p:ext>
+            </p:extLst>
+          </p:nvPr>
+        </p:nvCxnSpPr>
+        <p:spPr>
+          <a:xfrm>
+            <a:off x="571752" y="2638787"/>
+            <a:ext cx="2743200" cy="0"/>
+          </a:xfrm>
+          <a:prstGeom prst="line">
+            <a:avLst/>
+          </a:prstGeom>
+          <a:ln w="19050">
+            <a:solidFill>
+              <a:schemeClr val="accent1"/>
+            </a:solidFill>
+          </a:ln>
+        </p:spPr>
+        <p:style>
+          <a:lnRef idx="1">
+            <a:schemeClr val="accent1"/>
+          </a:lnRef>
+          <a:fillRef idx="0">
+            <a:schemeClr val="accent1"/>
+          </a:fillRef>
+          <a:effectRef idx="0">
+            <a:schemeClr val="accent1"/>
+          </a:effectRef>
+          <a:fontRef idx="minor">
+            <a:schemeClr val="tx1"/>
+          </a:fontRef>
+        </p:style>
+      </p:cxnSp>
       <p:sp>
         <p:nvSpPr>
           <p:cNvPr id="3" name="Content Placeholder 2">
             <a:extLst>
               <a:ext uri="{FF2B5EF4-FFF2-40B4-BE49-F238E27FC236}">
-                <a16:creationId xmlns:a16="http://schemas.microsoft.com/office/drawing/2014/main" id="{61971E1D-D3B1-06B3-35A2-53CA19D70E77}"/>
+                <a16:creationId xmlns:a16="http://schemas.microsoft.com/office/drawing/2014/main" id="{32C5507B-1BB1-8AE9-3EB5-C770548E1B24}"/>
               </a:ext>
             </a:extLst>
           </p:cNvPr>
@@ -4181,19 +4335,60 @@
             <p:ph idx="1"/>
           </p:nvPr>
         </p:nvSpPr>
-        <p:spPr/>
-        <p:txBody>
-          <a:bodyPr/>
-          <a:lstStyle/>
-          <a:p>
-            <a:endParaRPr lang="en-US"/>
-          </a:p>
-        </p:txBody>
-      </p:sp>
+        <p:spPr>
+          <a:xfrm>
+            <a:off x="571752" y="2799654"/>
+            <a:ext cx="3005462" cy="3189665"/>
+          </a:xfrm>
+        </p:spPr>
+        <p:txBody>
+          <a:bodyPr>
+            <a:normAutofit/>
+          </a:bodyPr>
+          <a:lstStyle/>
+          <a:p>
+            <a:endParaRPr lang="en-US" sz="1800">
+              <a:solidFill>
+                <a:srgbClr val="FFFFFF"/>
+              </a:solidFill>
+            </a:endParaRPr>
+          </a:p>
+        </p:txBody>
+      </p:sp>
+      <p:pic>
+        <p:nvPicPr>
+          <p:cNvPr id="5" name="Picture 4">
+            <a:extLst>
+              <a:ext uri="{FF2B5EF4-FFF2-40B4-BE49-F238E27FC236}">
+                <a16:creationId xmlns:a16="http://schemas.microsoft.com/office/drawing/2014/main" id="{71E89196-0AEB-D0DA-3049-CE323C9C322D}"/>
+              </a:ext>
+            </a:extLst>
+          </p:cNvPr>
+          <p:cNvPicPr>
+            <a:picLocks noChangeAspect="1"/>
+          </p:cNvPicPr>
+          <p:nvPr/>
+        </p:nvPicPr>
+        <p:blipFill>
+          <a:blip r:embed="rId2"/>
+          <a:stretch>
+            <a:fillRect/>
+          </a:stretch>
+        </p:blipFill>
+        <p:spPr>
+          <a:xfrm>
+            <a:off x="4742017" y="1517040"/>
+            <a:ext cx="6798082" cy="3823920"/>
+          </a:xfrm>
+          <a:prstGeom prst="rect">
+            <a:avLst/>
+          </a:prstGeom>
+        </p:spPr>
+      </p:pic>
     </p:spTree>
     <p:extLst>
       <p:ext uri="{BB962C8B-B14F-4D97-AF65-F5344CB8AC3E}">
-        <p14:creationId xmlns:p14="http://schemas.microsoft.com/office/powerpoint/2010/main" val="3947948812"/>
+        <p14:creationId xmlns:p14="http://schemas.microsoft.com/office/powerpoint/2010/main" val="2571641973"/>
       </p:ext>
     </p:extLst>
   </p:cSld>
@@ -4355,7 +4550,7 @@
           <p:cNvPr id="2" name="Title 1">
             <a:extLst>
               <a:ext uri="{FF2B5EF4-FFF2-40B4-BE49-F238E27FC236}">
-                <a16:creationId xmlns:a16="http://schemas.microsoft.com/office/drawing/2014/main" id="{DFFDFBF5-02C3-5450-7DBD-DEEBECE81A69}"/>
+                <a16:creationId xmlns:a16="http://schemas.microsoft.com/office/drawing/2014/main" id="{8EADB3E4-E14D-4C7C-0A95-B6A667CAF8FD}"/>
               </a:ext>
             </a:extLst>
           </p:cNvPr>
@@ -4379,7 +4574,7 @@
           <a:lstStyle/>
           <a:p>
             <a:r>
-              <a:rPr lang="nl-NL" sz="2500" b="1" kern="100">
+              <a:rPr lang="nl-NL" sz="2200" b="1" kern="100" dirty="0">
                 <a:solidFill>
                   <a:srgbClr val="FFFFFF"/>
                 </a:solidFill>
@@ -4388,10 +4583,10 @@
                 <a:ea typeface="Aptos" panose="020B0004020202020204" pitchFamily="34" charset="0"/>
                 <a:cs typeface="Times New Roman" panose="02020603050405020304" pitchFamily="18" charset="0"/>
               </a:rPr>
-              <a:t>8. Kunnen aanvinken of bedrijf door handmatige BKR-check is gekomen</a:t>
+              <a:t>9. Hoofdmedewerker van Maintenance moet ingekomen storingsaanvragen kunnen bekijken</a:t>
             </a:r>
             <a:br>
-              <a:rPr lang="en-US" sz="2500" kern="100">
+              <a:rPr lang="en-US" sz="2200" kern="100" dirty="0">
                 <a:solidFill>
                   <a:srgbClr val="FFFFFF"/>
                 </a:solidFill>
@@ -4401,7 +4596,7 @@
                 <a:cs typeface="Times New Roman" panose="02020603050405020304" pitchFamily="18" charset="0"/>
               </a:rPr>
             </a:br>
-            <a:endParaRPr lang="en-US" sz="2500">
+            <a:endParaRPr lang="en-US" sz="2200" dirty="0">
               <a:solidFill>
                 <a:srgbClr val="FFFFFF"/>
               </a:solidFill>
@@ -4466,7 +4661,7 @@
           <p:cNvPr id="3" name="Content Placeholder 2">
             <a:extLst>
               <a:ext uri="{FF2B5EF4-FFF2-40B4-BE49-F238E27FC236}">
-                <a16:creationId xmlns:a16="http://schemas.microsoft.com/office/drawing/2014/main" id="{48085F9A-F632-FDBC-9B15-2557AFA8290B}"/>
+                <a16:creationId xmlns:a16="http://schemas.microsoft.com/office/drawing/2014/main" id="{1EE91954-2641-C5D5-26B5-5CD73D9BBC02}"/>
               </a:ext>
             </a:extLst>
           </p:cNvPr>
@@ -4502,7 +4697,7 @@
           <p:cNvPr id="5" name="Picture 4">
             <a:extLst>
               <a:ext uri="{FF2B5EF4-FFF2-40B4-BE49-F238E27FC236}">
-                <a16:creationId xmlns:a16="http://schemas.microsoft.com/office/drawing/2014/main" id="{3F03B1A6-AA7F-D6CE-BDDF-F5D02D98D46D}"/>
+                <a16:creationId xmlns:a16="http://schemas.microsoft.com/office/drawing/2014/main" id="{59A3A8EC-55F1-81A0-ABC2-110BC25D08C8}"/>
               </a:ext>
             </a:extLst>
           </p:cNvPr>
@@ -4530,7 +4725,7 @@
     </p:spTree>
     <p:extLst>
       <p:ext uri="{BB962C8B-B14F-4D97-AF65-F5344CB8AC3E}">
-        <p14:creationId xmlns:p14="http://schemas.microsoft.com/office/powerpoint/2010/main" val="3820510323"/>
+        <p14:creationId xmlns:p14="http://schemas.microsoft.com/office/powerpoint/2010/main" val="403355547"/>
       </p:ext>
     </p:extLst>
   </p:cSld>
@@ -4553,7 +4748,13 @@
     </p:bg>
     <p:spTree>
       <p:nvGrpSpPr>
-        <p:cNvPr id="1" name=""/>
+        <p:cNvPr id="1" name="">
+          <a:extLst>
+            <a:ext uri="{FF2B5EF4-FFF2-40B4-BE49-F238E27FC236}">
+              <a16:creationId xmlns:a16="http://schemas.microsoft.com/office/drawing/2014/main" id="{C0DC9DB3-F22C-D2A2-7C86-946F1AED167A}"/>
+            </a:ext>
+          </a:extLst>
+        </p:cNvPr>
         <p:cNvGrpSpPr/>
         <p:nvPr/>
       </p:nvGrpSpPr>
@@ -4565,12 +4766,12 @@
           <a:chExt cx="0" cy="0"/>
         </a:xfrm>
       </p:grpSpPr>
-      <p:sp useBgFill="1">
-        <p:nvSpPr>
-          <p:cNvPr id="10" name="Rectangle 9">
-            <a:extLst>
-              <a:ext uri="{FF2B5EF4-FFF2-40B4-BE49-F238E27FC236}">
-                <a16:creationId xmlns:a16="http://schemas.microsoft.com/office/drawing/2014/main" id="{0AB6E427-3F73-4C06-A5D5-AE52C3883B50}"/>
+      <p:sp>
+        <p:nvSpPr>
+          <p:cNvPr id="32" name="Rectangle 31">
+            <a:extLst>
+              <a:ext uri="{FF2B5EF4-FFF2-40B4-BE49-F238E27FC236}">
+                <a16:creationId xmlns:a16="http://schemas.microsoft.com/office/drawing/2014/main" id="{39E3965E-AC41-4711-9D10-E25ABB132D86}"/>
               </a:ext>
               <a:ext uri="{C183D7F6-B498-43B3-948B-1728B52AA6E4}">
                 <adec:decorative xmlns:adec="http://schemas.microsoft.com/office/drawing/2017/decorative" val="1"/>
@@ -4590,68 +4791,8 @@
         </p:nvSpPr>
         <p:spPr>
           <a:xfrm>
-            <a:off x="5685" y="0"/>
-            <a:ext cx="12186315" cy="6858000"/>
-          </a:xfrm>
-          <a:prstGeom prst="rect">
-            <a:avLst/>
-          </a:prstGeom>
-          <a:ln>
-            <a:noFill/>
-          </a:ln>
-        </p:spPr>
-        <p:style>
-          <a:lnRef idx="2">
-            <a:schemeClr val="accent6">
-              <a:shade val="50000"/>
-            </a:schemeClr>
-          </a:lnRef>
-          <a:fillRef idx="1001">
-            <a:schemeClr val="lt1"/>
-          </a:fillRef>
-          <a:effectRef idx="0">
-            <a:schemeClr val="accent6"/>
-          </a:effectRef>
-          <a:fontRef idx="minor">
-            <a:schemeClr val="lt1"/>
-          </a:fontRef>
-        </p:style>
-        <p:txBody>
-          <a:bodyPr rtlCol="0" anchor="ctr"/>
-          <a:lstStyle/>
-          <a:p>
-            <a:pPr algn="ctr"/>
-            <a:endParaRPr lang="en-US"/>
-          </a:p>
-        </p:txBody>
-      </p:sp>
-      <p:sp>
-        <p:nvSpPr>
-          <p:cNvPr id="12" name="Rectangle 11">
-            <a:extLst>
-              <a:ext uri="{FF2B5EF4-FFF2-40B4-BE49-F238E27FC236}">
-                <a16:creationId xmlns:a16="http://schemas.microsoft.com/office/drawing/2014/main" id="{D8C9BDAA-0390-4B39-9B5C-BC95E5120DA4}"/>
-              </a:ext>
-              <a:ext uri="{C183D7F6-B498-43B3-948B-1728B52AA6E4}">
-                <adec:decorative xmlns:adec="http://schemas.microsoft.com/office/drawing/2017/decorative" val="1"/>
-              </a:ext>
-            </a:extLst>
-          </p:cNvPr>
-          <p:cNvSpPr>
-            <a:spLocks noGrp="1" noRot="1" noChangeAspect="1" noMove="1" noResize="1" noEditPoints="1" noAdjustHandles="1" noChangeArrowheads="1" noChangeShapeType="1" noTextEdit="1"/>
-          </p:cNvSpPr>
-          <p:nvPr>
-            <p:extLst>
-              <p:ext uri="{386F3935-93C4-4BCD-93E2-E3B085C9AB24}">
-                <p16:designElem xmlns:p16="http://schemas.microsoft.com/office/powerpoint/2015/main" val="1"/>
-              </p:ext>
-            </p:extLst>
-          </p:nvPr>
-        </p:nvSpPr>
-        <p:spPr>
-          <a:xfrm>
-            <a:off x="16" y="0"/>
-            <a:ext cx="4059919" cy="6858000"/>
+            <a:off x="3175" y="6400800"/>
+            <a:ext cx="12188825" cy="457200"/>
           </a:xfrm>
           <a:prstGeom prst="rect">
             <a:avLst/>
@@ -4687,71 +4828,12 @@
           </a:p>
         </p:txBody>
       </p:sp>
-      <p:sp>
-        <p:nvSpPr>
-          <p:cNvPr id="2" name="Title 1">
-            <a:extLst>
-              <a:ext uri="{FF2B5EF4-FFF2-40B4-BE49-F238E27FC236}">
-                <a16:creationId xmlns:a16="http://schemas.microsoft.com/office/drawing/2014/main" id="{D124DDAA-6A74-7BEB-431A-1497A7880AFC}"/>
-              </a:ext>
-            </a:extLst>
-          </p:cNvPr>
-          <p:cNvSpPr>
-            <a:spLocks noGrp="1"/>
-          </p:cNvSpPr>
-          <p:nvPr>
-            <p:ph type="title"/>
-          </p:nvPr>
-        </p:nvSpPr>
-        <p:spPr>
-          <a:xfrm>
-            <a:off x="492370" y="516836"/>
-            <a:ext cx="3084844" cy="1961086"/>
-          </a:xfrm>
-        </p:spPr>
-        <p:txBody>
-          <a:bodyPr>
-            <a:normAutofit/>
-          </a:bodyPr>
-          <a:lstStyle/>
-          <a:p>
-            <a:r>
-              <a:rPr lang="nl-NL" sz="2500" b="1" kern="100">
-                <a:solidFill>
-                  <a:srgbClr val="FFFFFF"/>
-                </a:solidFill>
-                <a:effectLst/>
-                <a:latin typeface="Aptos" panose="020B0004020202020204" pitchFamily="34" charset="0"/>
-                <a:ea typeface="Aptos" panose="020B0004020202020204" pitchFamily="34" charset="0"/>
-                <a:cs typeface="Times New Roman" panose="02020603050405020304" pitchFamily="18" charset="0"/>
-              </a:rPr>
-              <a:t>9. Sales moet aantekeningen en afspraken kunnen vastleggen bij klant</a:t>
-            </a:r>
-            <a:br>
-              <a:rPr lang="en-US" sz="2500" kern="100">
-                <a:solidFill>
-                  <a:srgbClr val="FFFFFF"/>
-                </a:solidFill>
-                <a:effectLst/>
-                <a:latin typeface="Aptos" panose="020B0004020202020204" pitchFamily="34" charset="0"/>
-                <a:ea typeface="Aptos" panose="020B0004020202020204" pitchFamily="34" charset="0"/>
-                <a:cs typeface="Times New Roman" panose="02020603050405020304" pitchFamily="18" charset="0"/>
-              </a:rPr>
-            </a:br>
-            <a:endParaRPr lang="en-US" sz="2500">
-              <a:solidFill>
-                <a:srgbClr val="FFFFFF"/>
-              </a:solidFill>
-            </a:endParaRPr>
-          </a:p>
-        </p:txBody>
-      </p:sp>
       <p:cxnSp>
         <p:nvCxnSpPr>
-          <p:cNvPr id="14" name="Straight Connector 13">
-            <a:extLst>
-              <a:ext uri="{FF2B5EF4-FFF2-40B4-BE49-F238E27FC236}">
-                <a16:creationId xmlns:a16="http://schemas.microsoft.com/office/drawing/2014/main" id="{E04A321A-A039-4720-87B4-66A4210E0D57}"/>
+          <p:cNvPr id="34" name="Straight Connector 33">
+            <a:extLst>
+              <a:ext uri="{FF2B5EF4-FFF2-40B4-BE49-F238E27FC236}">
+                <a16:creationId xmlns:a16="http://schemas.microsoft.com/office/drawing/2014/main" id="{1F5DC8C3-BA5F-4EED-BB9A-A14272BD82A1}"/>
               </a:ext>
               <a:ext uri="{C183D7F6-B498-43B3-948B-1728B52AA6E4}">
                 <adec:decorative xmlns:adec="http://schemas.microsoft.com/office/drawing/2017/decorative" val="1"/>
@@ -4771,8 +4853,324 @@
         </p:nvCxnSpPr>
         <p:spPr>
           <a:xfrm>
-            <a:off x="571752" y="2638787"/>
-            <a:ext cx="2743200" cy="0"/>
+            <a:off x="1207658" y="4474741"/>
+            <a:ext cx="9875520" cy="0"/>
+          </a:xfrm>
+          <a:prstGeom prst="line">
+            <a:avLst/>
+          </a:prstGeom>
+          <a:ln w="12700">
+            <a:solidFill>
+              <a:schemeClr val="tx1">
+                <a:lumMod val="75000"/>
+                <a:lumOff val="25000"/>
+              </a:schemeClr>
+            </a:solidFill>
+          </a:ln>
+        </p:spPr>
+        <p:style>
+          <a:lnRef idx="1">
+            <a:schemeClr val="accent1"/>
+          </a:lnRef>
+          <a:fillRef idx="0">
+            <a:schemeClr val="accent1"/>
+          </a:fillRef>
+          <a:effectRef idx="0">
+            <a:schemeClr val="accent1"/>
+          </a:effectRef>
+          <a:fontRef idx="minor">
+            <a:schemeClr val="tx1"/>
+          </a:fontRef>
+        </p:style>
+      </p:cxnSp>
+      <p:sp useBgFill="1">
+        <p:nvSpPr>
+          <p:cNvPr id="36" name="Rectangle 35">
+            <a:extLst>
+              <a:ext uri="{FF2B5EF4-FFF2-40B4-BE49-F238E27FC236}">
+                <a16:creationId xmlns:a16="http://schemas.microsoft.com/office/drawing/2014/main" id="{44A37DD3-1B84-4776-94E1-C0AAA5C0F629}"/>
+              </a:ext>
+              <a:ext uri="{C183D7F6-B498-43B3-948B-1728B52AA6E4}">
+                <adec:decorative xmlns:adec="http://schemas.microsoft.com/office/drawing/2017/decorative" val="1"/>
+              </a:ext>
+            </a:extLst>
+          </p:cNvPr>
+          <p:cNvSpPr>
+            <a:spLocks noGrp="1" noRot="1" noChangeAspect="1" noMove="1" noResize="1" noEditPoints="1" noAdjustHandles="1" noChangeArrowheads="1" noChangeShapeType="1" noTextEdit="1"/>
+          </p:cNvSpPr>
+          <p:nvPr>
+            <p:extLst>
+              <p:ext uri="{386F3935-93C4-4BCD-93E2-E3B085C9AB24}">
+                <p16:designElem xmlns:p16="http://schemas.microsoft.com/office/powerpoint/2015/main" val="1"/>
+              </p:ext>
+            </p:extLst>
+          </p:nvPr>
+        </p:nvSpPr>
+        <p:spPr>
+          <a:xfrm>
+            <a:off x="3274" y="0"/>
+            <a:ext cx="12188726" cy="6858975"/>
+          </a:xfrm>
+          <a:prstGeom prst="rect">
+            <a:avLst/>
+          </a:prstGeom>
+          <a:ln>
+            <a:noFill/>
+          </a:ln>
+        </p:spPr>
+        <p:style>
+          <a:lnRef idx="2">
+            <a:schemeClr val="accent1">
+              <a:shade val="50000"/>
+            </a:schemeClr>
+          </a:lnRef>
+          <a:fillRef idx="1">
+            <a:schemeClr val="accent1"/>
+          </a:fillRef>
+          <a:effectRef idx="0">
+            <a:schemeClr val="accent1"/>
+          </a:effectRef>
+          <a:fontRef idx="minor">
+            <a:schemeClr val="lt1"/>
+          </a:fontRef>
+        </p:style>
+        <p:txBody>
+          <a:bodyPr rtlCol="0" anchor="ctr"/>
+          <a:lstStyle/>
+          <a:p>
+            <a:pPr algn="ctr"/>
+            <a:endParaRPr lang="en-US"/>
+          </a:p>
+        </p:txBody>
+      </p:sp>
+      <p:sp>
+        <p:nvSpPr>
+          <p:cNvPr id="38" name="Rectangle 37">
+            <a:extLst>
+              <a:ext uri="{FF2B5EF4-FFF2-40B4-BE49-F238E27FC236}">
+                <a16:creationId xmlns:a16="http://schemas.microsoft.com/office/drawing/2014/main" id="{0B4FB531-34DA-4777-9BD5-5B885DC38198}"/>
+              </a:ext>
+              <a:ext uri="{C183D7F6-B498-43B3-948B-1728B52AA6E4}">
+                <adec:decorative xmlns:adec="http://schemas.microsoft.com/office/drawing/2017/decorative" val="1"/>
+              </a:ext>
+            </a:extLst>
+          </p:cNvPr>
+          <p:cNvSpPr>
+            <a:spLocks noGrp="1" noRot="1" noChangeAspect="1" noMove="1" noResize="1" noEditPoints="1" noAdjustHandles="1" noChangeArrowheads="1" noChangeShapeType="1" noTextEdit="1"/>
+          </p:cNvSpPr>
+          <p:nvPr>
+            <p:extLst>
+              <p:ext uri="{386F3935-93C4-4BCD-93E2-E3B085C9AB24}">
+                <p16:designElem xmlns:p16="http://schemas.microsoft.com/office/powerpoint/2015/main" val="1"/>
+              </p:ext>
+            </p:extLst>
+          </p:nvPr>
+        </p:nvSpPr>
+        <p:spPr bwMode="white">
+          <a:xfrm>
+            <a:off x="1507" y="4915076"/>
+            <a:ext cx="12188952" cy="1942924"/>
+          </a:xfrm>
+          <a:prstGeom prst="rect">
+            <a:avLst/>
+          </a:prstGeom>
+          <a:solidFill>
+            <a:srgbClr val="262626"/>
+          </a:solidFill>
+          <a:ln>
+            <a:noFill/>
+          </a:ln>
+        </p:spPr>
+        <p:style>
+          <a:lnRef idx="2">
+            <a:schemeClr val="accent1">
+              <a:shade val="50000"/>
+            </a:schemeClr>
+          </a:lnRef>
+          <a:fillRef idx="1">
+            <a:schemeClr val="accent1"/>
+          </a:fillRef>
+          <a:effectRef idx="0">
+            <a:schemeClr val="accent1"/>
+          </a:effectRef>
+          <a:fontRef idx="minor">
+            <a:schemeClr val="lt1"/>
+          </a:fontRef>
+        </p:style>
+        <p:txBody>
+          <a:bodyPr/>
+          <a:lstStyle/>
+          <a:p>
+            <a:endParaRPr lang="en-US"/>
+          </a:p>
+        </p:txBody>
+      </p:sp>
+      <p:sp>
+        <p:nvSpPr>
+          <p:cNvPr id="2" name="Title 1">
+            <a:extLst>
+              <a:ext uri="{FF2B5EF4-FFF2-40B4-BE49-F238E27FC236}">
+                <a16:creationId xmlns:a16="http://schemas.microsoft.com/office/drawing/2014/main" id="{AE001826-4D71-3D12-3E11-5704F2611D2C}"/>
+              </a:ext>
+            </a:extLst>
+          </p:cNvPr>
+          <p:cNvSpPr>
+            <a:spLocks noGrp="1"/>
+          </p:cNvSpPr>
+          <p:nvPr>
+            <p:ph type="title"/>
+          </p:nvPr>
+        </p:nvSpPr>
+        <p:spPr>
+          <a:xfrm>
+            <a:off x="828675" y="5120639"/>
+            <a:ext cx="7137263" cy="1280161"/>
+          </a:xfrm>
+        </p:spPr>
+        <p:txBody>
+          <a:bodyPr vert="horz" lIns="91440" tIns="45720" rIns="91440" bIns="45720" rtlCol="0" anchor="ctr">
+            <a:normAutofit/>
+          </a:bodyPr>
+          <a:lstStyle/>
+          <a:p>
+            <a:pPr algn="r">
+              <a:lnSpc>
+                <a:spcPct val="90000"/>
+              </a:lnSpc>
+            </a:pPr>
+            <a:r>
+              <a:rPr lang="en-US" sz="4800" b="1" dirty="0">
+                <a:solidFill>
+                  <a:srgbClr val="FFFFFF"/>
+                </a:solidFill>
+                <a:effectLst/>
+              </a:rPr>
+              <a:t>10. </a:t>
+            </a:r>
+            <a:r>
+              <a:rPr lang="en-US" sz="4800" b="1" dirty="0" err="1">
+                <a:solidFill>
+                  <a:srgbClr val="FFFFFF"/>
+                </a:solidFill>
+                <a:effectLst/>
+              </a:rPr>
+              <a:t>Afspraak</a:t>
+            </a:r>
+            <a:r>
+              <a:rPr lang="en-US" sz="4800" b="1" dirty="0">
+                <a:solidFill>
+                  <a:srgbClr val="FFFFFF"/>
+                </a:solidFill>
+                <a:effectLst/>
+              </a:rPr>
+              <a:t> </a:t>
+            </a:r>
+            <a:r>
+              <a:rPr lang="en-US" sz="4800" b="1" dirty="0" err="1">
+                <a:solidFill>
+                  <a:srgbClr val="FFFFFF"/>
+                </a:solidFill>
+                <a:effectLst/>
+              </a:rPr>
+              <a:t>inplannen</a:t>
+            </a:r>
+            <a:endParaRPr lang="en-US" sz="4800" dirty="0">
+              <a:solidFill>
+                <a:srgbClr val="FFFFFF"/>
+              </a:solidFill>
+            </a:endParaRPr>
+          </a:p>
+        </p:txBody>
+      </p:sp>
+      <p:pic>
+        <p:nvPicPr>
+          <p:cNvPr id="6" name="Content Placeholder 5" descr="A screenshot of a computer&#10;&#10;Description automatically generated">
+            <a:extLst>
+              <a:ext uri="{FF2B5EF4-FFF2-40B4-BE49-F238E27FC236}">
+                <a16:creationId xmlns:a16="http://schemas.microsoft.com/office/drawing/2014/main" id="{B2595023-8096-3859-9A02-992B2316E409}"/>
+              </a:ext>
+            </a:extLst>
+          </p:cNvPr>
+          <p:cNvPicPr>
+            <a:picLocks noGrp="1" noChangeAspect="1"/>
+          </p:cNvPicPr>
+          <p:nvPr>
+            <p:ph idx="1"/>
+          </p:nvPr>
+        </p:nvPicPr>
+        <p:blipFill>
+          <a:blip r:embed="rId2"/>
+          <a:stretch>
+            <a:fillRect/>
+          </a:stretch>
+        </p:blipFill>
+        <p:spPr>
+          <a:xfrm>
+            <a:off x="643468" y="1013530"/>
+            <a:ext cx="5130782" cy="2886064"/>
+          </a:xfrm>
+          <a:prstGeom prst="rect">
+            <a:avLst/>
+          </a:prstGeom>
+        </p:spPr>
+      </p:pic>
+      <p:pic>
+        <p:nvPicPr>
+          <p:cNvPr id="8" name="Picture 7" descr="A screenshot of a computer&#10;&#10;Description automatically generated">
+            <a:extLst>
+              <a:ext uri="{FF2B5EF4-FFF2-40B4-BE49-F238E27FC236}">
+                <a16:creationId xmlns:a16="http://schemas.microsoft.com/office/drawing/2014/main" id="{9D2B60D2-2F62-A146-F4CA-AE573DE4846A}"/>
+              </a:ext>
+            </a:extLst>
+          </p:cNvPr>
+          <p:cNvPicPr>
+            <a:picLocks noChangeAspect="1"/>
+          </p:cNvPicPr>
+          <p:nvPr/>
+        </p:nvPicPr>
+        <p:blipFill>
+          <a:blip r:embed="rId3"/>
+          <a:stretch>
+            <a:fillRect/>
+          </a:stretch>
+        </p:blipFill>
+        <p:spPr>
+          <a:xfrm>
+            <a:off x="6417716" y="1013531"/>
+            <a:ext cx="5130778" cy="2886062"/>
+          </a:xfrm>
+          <a:prstGeom prst="rect">
+            <a:avLst/>
+          </a:prstGeom>
+        </p:spPr>
+      </p:pic>
+      <p:cxnSp>
+        <p:nvCxnSpPr>
+          <p:cNvPr id="40" name="Straight Connector 39">
+            <a:extLst>
+              <a:ext uri="{FF2B5EF4-FFF2-40B4-BE49-F238E27FC236}">
+                <a16:creationId xmlns:a16="http://schemas.microsoft.com/office/drawing/2014/main" id="{D5B557D3-D7B4-404B-84A1-9BD182BE5B06}"/>
+              </a:ext>
+              <a:ext uri="{C183D7F6-B498-43B3-948B-1728B52AA6E4}">
+                <adec:decorative xmlns:adec="http://schemas.microsoft.com/office/drawing/2017/decorative" val="1"/>
+              </a:ext>
+            </a:extLst>
+          </p:cNvPr>
+          <p:cNvCxnSpPr>
+            <a:cxnSpLocks noGrp="1" noRot="1" noChangeAspect="1" noMove="1" noResize="1" noEditPoints="1" noAdjustHandles="1" noChangeArrowheads="1" noChangeShapeType="1"/>
+          </p:cNvCxnSpPr>
+          <p:nvPr>
+            <p:extLst>
+              <p:ext uri="{386F3935-93C4-4BCD-93E2-E3B085C9AB24}">
+                <p16:designElem xmlns:p16="http://schemas.microsoft.com/office/powerpoint/2015/main" val="1"/>
+              </p:ext>
+            </p:extLst>
+          </p:nvPr>
+        </p:nvCxnSpPr>
+        <p:spPr>
+          <a:xfrm rot="16200000">
+            <a:off x="7532813" y="5760720"/>
+            <a:ext cx="1188720" cy="0"/>
           </a:xfrm>
           <a:prstGeom prst="line">
             <a:avLst/>
@@ -4798,76 +5196,10 @@
           </a:fontRef>
         </p:style>
       </p:cxnSp>
-      <p:sp>
-        <p:nvSpPr>
-          <p:cNvPr id="3" name="Content Placeholder 2">
-            <a:extLst>
-              <a:ext uri="{FF2B5EF4-FFF2-40B4-BE49-F238E27FC236}">
-                <a16:creationId xmlns:a16="http://schemas.microsoft.com/office/drawing/2014/main" id="{1D5C4AE3-8E90-F442-C46F-343B2EBA334B}"/>
-              </a:ext>
-            </a:extLst>
-          </p:cNvPr>
-          <p:cNvSpPr>
-            <a:spLocks noGrp="1"/>
-          </p:cNvSpPr>
-          <p:nvPr>
-            <p:ph idx="1"/>
-          </p:nvPr>
-        </p:nvSpPr>
-        <p:spPr>
-          <a:xfrm>
-            <a:off x="571752" y="2799654"/>
-            <a:ext cx="3005462" cy="3189665"/>
-          </a:xfrm>
-        </p:spPr>
-        <p:txBody>
-          <a:bodyPr>
-            <a:normAutofit/>
-          </a:bodyPr>
-          <a:lstStyle/>
-          <a:p>
-            <a:endParaRPr lang="en-US" sz="1800">
-              <a:solidFill>
-                <a:srgbClr val="FFFFFF"/>
-              </a:solidFill>
-            </a:endParaRPr>
-          </a:p>
-        </p:txBody>
-      </p:sp>
-      <p:pic>
-        <p:nvPicPr>
-          <p:cNvPr id="5" name="Picture 4">
-            <a:extLst>
-              <a:ext uri="{FF2B5EF4-FFF2-40B4-BE49-F238E27FC236}">
-                <a16:creationId xmlns:a16="http://schemas.microsoft.com/office/drawing/2014/main" id="{77523966-C793-EF73-C925-F809BB560E47}"/>
-              </a:ext>
-            </a:extLst>
-          </p:cNvPr>
-          <p:cNvPicPr>
-            <a:picLocks noChangeAspect="1"/>
-          </p:cNvPicPr>
-          <p:nvPr/>
-        </p:nvPicPr>
-        <p:blipFill>
-          <a:blip r:embed="rId2"/>
-          <a:stretch>
-            <a:fillRect/>
-          </a:stretch>
-        </p:blipFill>
-        <p:spPr>
-          <a:xfrm>
-            <a:off x="4742017" y="1517040"/>
-            <a:ext cx="6798082" cy="3823920"/>
-          </a:xfrm>
-          <a:prstGeom prst="rect">
-            <a:avLst/>
-          </a:prstGeom>
-        </p:spPr>
-      </p:pic>
     </p:spTree>
     <p:extLst>
       <p:ext uri="{BB962C8B-B14F-4D97-AF65-F5344CB8AC3E}">
-        <p14:creationId xmlns:p14="http://schemas.microsoft.com/office/powerpoint/2010/main" val="4071055092"/>
+        <p14:creationId xmlns:p14="http://schemas.microsoft.com/office/powerpoint/2010/main" val="232502504"/>
       </p:ext>
     </p:extLst>
   </p:cSld>
@@ -4902,12 +5234,12 @@
           <a:chExt cx="0" cy="0"/>
         </a:xfrm>
       </p:grpSpPr>
-      <p:sp useBgFill="1">
-        <p:nvSpPr>
-          <p:cNvPr id="10" name="Rectangle 9">
-            <a:extLst>
-              <a:ext uri="{FF2B5EF4-FFF2-40B4-BE49-F238E27FC236}">
-                <a16:creationId xmlns:a16="http://schemas.microsoft.com/office/drawing/2014/main" id="{0AB6E427-3F73-4C06-A5D5-AE52C3883B50}"/>
+      <p:sp>
+        <p:nvSpPr>
+          <p:cNvPr id="2057" name="Rectangle 2056">
+            <a:extLst>
+              <a:ext uri="{FF2B5EF4-FFF2-40B4-BE49-F238E27FC236}">
+                <a16:creationId xmlns:a16="http://schemas.microsoft.com/office/drawing/2014/main" id="{E844E128-FF69-4E9F-8327-6B504B3C5AE1}"/>
               </a:ext>
               <a:ext uri="{C183D7F6-B498-43B3-948B-1728B52AA6E4}">
                 <adec:decorative xmlns:adec="http://schemas.microsoft.com/office/drawing/2017/decorative" val="1"/>
@@ -4925,76 +5257,19 @@
             </p:extLst>
           </p:nvPr>
         </p:nvSpPr>
-        <p:spPr>
-          <a:xfrm>
-            <a:off x="5685" y="0"/>
-            <a:ext cx="12186315" cy="6858000"/>
-          </a:xfrm>
-          <a:prstGeom prst="rect">
-            <a:avLst/>
-          </a:prstGeom>
-          <a:ln>
-            <a:noFill/>
-          </a:ln>
-        </p:spPr>
-        <p:style>
-          <a:lnRef idx="2">
-            <a:schemeClr val="accent6">
-              <a:shade val="50000"/>
-            </a:schemeClr>
-          </a:lnRef>
-          <a:fillRef idx="1001">
-            <a:schemeClr val="lt1"/>
-          </a:fillRef>
-          <a:effectRef idx="0">
-            <a:schemeClr val="accent6"/>
-          </a:effectRef>
-          <a:fontRef idx="minor">
-            <a:schemeClr val="lt1"/>
-          </a:fontRef>
-        </p:style>
-        <p:txBody>
-          <a:bodyPr rtlCol="0" anchor="ctr"/>
-          <a:lstStyle/>
-          <a:p>
-            <a:pPr algn="ctr"/>
-            <a:endParaRPr lang="en-US"/>
-          </a:p>
-        </p:txBody>
-      </p:sp>
-      <p:sp>
-        <p:nvSpPr>
-          <p:cNvPr id="12" name="Rectangle 11">
-            <a:extLst>
-              <a:ext uri="{FF2B5EF4-FFF2-40B4-BE49-F238E27FC236}">
-                <a16:creationId xmlns:a16="http://schemas.microsoft.com/office/drawing/2014/main" id="{D8C9BDAA-0390-4B39-9B5C-BC95E5120DA4}"/>
-              </a:ext>
-              <a:ext uri="{C183D7F6-B498-43B3-948B-1728B52AA6E4}">
-                <adec:decorative xmlns:adec="http://schemas.microsoft.com/office/drawing/2017/decorative" val="1"/>
-              </a:ext>
-            </a:extLst>
-          </p:cNvPr>
-          <p:cNvSpPr>
-            <a:spLocks noGrp="1" noRot="1" noChangeAspect="1" noMove="1" noResize="1" noEditPoints="1" noAdjustHandles="1" noChangeArrowheads="1" noChangeShapeType="1" noTextEdit="1"/>
-          </p:cNvSpPr>
-          <p:nvPr>
-            <p:extLst>
-              <p:ext uri="{386F3935-93C4-4BCD-93E2-E3B085C9AB24}">
-                <p16:designElem xmlns:p16="http://schemas.microsoft.com/office/powerpoint/2015/main" val="1"/>
-              </p:ext>
-            </p:extLst>
-          </p:nvPr>
-        </p:nvSpPr>
-        <p:spPr>
-          <a:xfrm>
-            <a:off x="16" y="0"/>
-            <a:ext cx="4059919" cy="6858000"/>
+        <p:spPr bwMode="white">
+          <a:xfrm>
+            <a:off x="15" y="0"/>
+            <a:ext cx="12191985" cy="6858000"/>
           </a:xfrm>
           <a:prstGeom prst="rect">
             <a:avLst/>
           </a:prstGeom>
           <a:solidFill>
-            <a:srgbClr val="262626"/>
+            <a:schemeClr val="bg1">
+              <a:lumMod val="85000"/>
+              <a:lumOff val="15000"/>
+            </a:schemeClr>
           </a:solidFill>
           <a:ln>
             <a:noFill/>
@@ -5029,7 +5304,7 @@
           <p:cNvPr id="2" name="Title 1">
             <a:extLst>
               <a:ext uri="{FF2B5EF4-FFF2-40B4-BE49-F238E27FC236}">
-                <a16:creationId xmlns:a16="http://schemas.microsoft.com/office/drawing/2014/main" id="{BD5CD92C-C51B-208F-9F97-9E21E14B5157}"/>
+                <a16:creationId xmlns:a16="http://schemas.microsoft.com/office/drawing/2014/main" id="{6ED36697-B3A1-9ECE-761D-3AD1C1D41EFE}"/>
               </a:ext>
             </a:extLst>
           </p:cNvPr>
@@ -5042,8 +5317,8 @@
         </p:nvSpPr>
         <p:spPr>
           <a:xfrm>
-            <a:off x="492370" y="516836"/>
-            <a:ext cx="3084844" cy="1961086"/>
+            <a:off x="643467" y="516835"/>
+            <a:ext cx="2994815" cy="1666501"/>
           </a:xfrm>
         </p:spPr>
         <p:txBody>
@@ -5053,31 +5328,16 @@
           <a:lstStyle/>
           <a:p>
             <a:r>
-              <a:rPr lang="nl-NL" sz="2500" b="1" kern="100">
+              <a:rPr lang="nl-NL" sz="4000" dirty="0">
                 <a:solidFill>
-                  <a:srgbClr val="FFFFFF"/>
+                  <a:schemeClr val="tx1"/>
                 </a:solidFill>
-                <a:effectLst/>
-                <a:latin typeface="Aptos" panose="020B0004020202020204" pitchFamily="34" charset="0"/>
-                <a:ea typeface="Aptos" panose="020B0004020202020204" pitchFamily="34" charset="0"/>
-                <a:cs typeface="Times New Roman" panose="02020603050405020304" pitchFamily="18" charset="0"/>
               </a:rPr>
-              <a:t>10. Inkoop moet producten kunnen aanmaken, bewerken en verwijderen</a:t>
-            </a:r>
-            <a:br>
-              <a:rPr lang="en-US" sz="2500" kern="100">
-                <a:solidFill>
-                  <a:srgbClr val="FFFFFF"/>
-                </a:solidFill>
-                <a:effectLst/>
-                <a:latin typeface="Aptos" panose="020B0004020202020204" pitchFamily="34" charset="0"/>
-                <a:ea typeface="Aptos" panose="020B0004020202020204" pitchFamily="34" charset="0"/>
-                <a:cs typeface="Times New Roman" panose="02020603050405020304" pitchFamily="18" charset="0"/>
-              </a:rPr>
-            </a:br>
-            <a:endParaRPr lang="en-US" sz="2500">
+              <a:t>The end</a:t>
+            </a:r>
+            <a:endParaRPr lang="en-US" sz="4000" dirty="0">
               <a:solidFill>
-                <a:srgbClr val="FFFFFF"/>
+                <a:schemeClr val="tx1"/>
               </a:solidFill>
             </a:endParaRPr>
           </a:p>
@@ -5085,10 +5345,10 @@
       </p:sp>
       <p:cxnSp>
         <p:nvCxnSpPr>
-          <p:cNvPr id="14" name="Straight Connector 13">
-            <a:extLst>
-              <a:ext uri="{FF2B5EF4-FFF2-40B4-BE49-F238E27FC236}">
-                <a16:creationId xmlns:a16="http://schemas.microsoft.com/office/drawing/2014/main" id="{E04A321A-A039-4720-87B4-66A4210E0D57}"/>
+          <p:cNvPr id="2059" name="Straight Connector 2058">
+            <a:extLst>
+              <a:ext uri="{FF2B5EF4-FFF2-40B4-BE49-F238E27FC236}">
+                <a16:creationId xmlns:a16="http://schemas.microsoft.com/office/drawing/2014/main" id="{055CEADF-09EA-423C-8C45-F94AF44D5AF0}"/>
               </a:ext>
               <a:ext uri="{C183D7F6-B498-43B3-948B-1728B52AA6E4}">
                 <adec:decorative xmlns:adec="http://schemas.microsoft.com/office/drawing/2017/decorative" val="1"/>
@@ -5108,8 +5368,8 @@
         </p:nvCxnSpPr>
         <p:spPr>
           <a:xfrm>
-            <a:off x="571752" y="2638787"/>
-            <a:ext cx="2743200" cy="0"/>
+            <a:off x="723686" y="2353592"/>
+            <a:ext cx="2834640" cy="0"/>
           </a:xfrm>
           <a:prstGeom prst="line">
             <a:avLst/>
@@ -5140,7 +5400,7 @@
           <p:cNvPr id="3" name="Content Placeholder 2">
             <a:extLst>
               <a:ext uri="{FF2B5EF4-FFF2-40B4-BE49-F238E27FC236}">
-                <a16:creationId xmlns:a16="http://schemas.microsoft.com/office/drawing/2014/main" id="{32C5507B-1BB1-8AE9-3EB5-C770548E1B24}"/>
+                <a16:creationId xmlns:a16="http://schemas.microsoft.com/office/drawing/2014/main" id="{2C02C797-EF87-CD25-4E37-4AF3E831C8A3}"/>
               </a:ext>
             </a:extLst>
           </p:cNvPr>
@@ -5153,8 +5413,8 @@
         </p:nvSpPr>
         <p:spPr>
           <a:xfrm>
-            <a:off x="571752" y="2799654"/>
-            <a:ext cx="3005462" cy="3189665"/>
+            <a:off x="539750" y="2546224"/>
+            <a:ext cx="3198439" cy="3342747"/>
           </a:xfrm>
         </p:spPr>
         <p:txBody>
@@ -5163,9 +5423,17 @@
           </a:bodyPr>
           <a:lstStyle/>
           <a:p>
-            <a:endParaRPr lang="en-US" sz="1800">
+            <a:r>
+              <a:rPr lang="nl-NL" sz="1800" dirty="0">
+                <a:solidFill>
+                  <a:schemeClr val="tx1"/>
+                </a:solidFill>
+              </a:rPr>
+              <a:t>Door Julian, Misha, Dimitri ,Colin en Marco</a:t>
+            </a:r>
+            <a:endParaRPr lang="en-US" sz="1800" dirty="0">
               <a:solidFill>
-                <a:srgbClr val="FFFFFF"/>
+                <a:schemeClr val="tx1"/>
               </a:solidFill>
             </a:endParaRPr>
           </a:p>
@@ -5173,38 +5441,278 @@
       </p:sp>
       <p:pic>
         <p:nvPicPr>
-          <p:cNvPr id="5" name="Picture 4">
-            <a:extLst>
-              <a:ext uri="{FF2B5EF4-FFF2-40B4-BE49-F238E27FC236}">
-                <a16:creationId xmlns:a16="http://schemas.microsoft.com/office/drawing/2014/main" id="{71E89196-0AEB-D0DA-3049-CE323C9C322D}"/>
+          <p:cNvPr id="2052" name="Picture 4" descr="A red and silver espresso machine&#10;&#10;Description automatically generated">
+            <a:extLst>
+              <a:ext uri="{FF2B5EF4-FFF2-40B4-BE49-F238E27FC236}">
+                <a16:creationId xmlns:a16="http://schemas.microsoft.com/office/drawing/2014/main" id="{06757612-29BD-970A-10A7-0153B9D4F0B4}"/>
               </a:ext>
             </a:extLst>
           </p:cNvPr>
           <p:cNvPicPr>
-            <a:picLocks noChangeAspect="1"/>
+            <a:picLocks noChangeAspect="1" noChangeArrowheads="1"/>
           </p:cNvPicPr>
           <p:nvPr/>
         </p:nvPicPr>
         <p:blipFill>
-          <a:blip r:embed="rId2"/>
+          <a:blip r:embed="rId2">
+            <a:extLst>
+              <a:ext uri="{28A0092B-C50C-407E-A947-70E740481C1C}">
+                <a14:useLocalDpi xmlns:a14="http://schemas.microsoft.com/office/drawing/2010/main" val="0"/>
+              </a:ext>
+            </a:extLst>
+          </a:blip>
           <a:stretch>
             <a:fillRect/>
           </a:stretch>
         </p:blipFill>
-        <p:spPr>
-          <a:xfrm>
-            <a:off x="4742017" y="1517040"/>
-            <a:ext cx="6798082" cy="3823920"/>
+        <p:spPr bwMode="auto">
+          <a:xfrm>
+            <a:off x="4059922" y="1637280"/>
+            <a:ext cx="3583439" cy="3583439"/>
           </a:xfrm>
           <a:prstGeom prst="rect">
             <a:avLst/>
           </a:prstGeom>
+          <a:noFill/>
+          <a:extLst>
+            <a:ext uri="{909E8E84-426E-40DD-AFC4-6F175D3DCCD1}">
+              <a14:hiddenFill xmlns:a14="http://schemas.microsoft.com/office/drawing/2010/main">
+                <a:solidFill>
+                  <a:srgbClr val="FFFFFF"/>
+                </a:solidFill>
+              </a14:hiddenFill>
+            </a:ext>
+          </a:extLst>
+        </p:spPr>
+      </p:pic>
+      <p:pic>
+        <p:nvPicPr>
+          <p:cNvPr id="2050" name="Picture 2" descr="A black and silver espresso machine&#10;&#10;Description automatically generated">
+            <a:extLst>
+              <a:ext uri="{FF2B5EF4-FFF2-40B4-BE49-F238E27FC236}">
+                <a16:creationId xmlns:a16="http://schemas.microsoft.com/office/drawing/2014/main" id="{D34B74DB-531B-64B4-DBB3-98DEA4B4DB50}"/>
+              </a:ext>
+            </a:extLst>
+          </p:cNvPr>
+          <p:cNvPicPr>
+            <a:picLocks noChangeAspect="1" noChangeArrowheads="1"/>
+          </p:cNvPicPr>
+          <p:nvPr/>
+        </p:nvPicPr>
+        <p:blipFill>
+          <a:blip r:embed="rId3">
+            <a:extLst>
+              <a:ext uri="{28A0092B-C50C-407E-A947-70E740481C1C}">
+                <a14:useLocalDpi xmlns:a14="http://schemas.microsoft.com/office/drawing/2010/main" val="0"/>
+              </a:ext>
+            </a:extLst>
+          </a:blip>
+          <a:stretch>
+            <a:fillRect/>
+          </a:stretch>
+        </p:blipFill>
+        <p:spPr bwMode="auto">
+          <a:xfrm>
+            <a:off x="7965094" y="1640323"/>
+            <a:ext cx="3583439" cy="3583439"/>
+          </a:xfrm>
+          <a:prstGeom prst="rect">
+            <a:avLst/>
+          </a:prstGeom>
+          <a:noFill/>
+          <a:extLst>
+            <a:ext uri="{909E8E84-426E-40DD-AFC4-6F175D3DCCD1}">
+              <a14:hiddenFill xmlns:a14="http://schemas.microsoft.com/office/drawing/2010/main">
+                <a:solidFill>
+                  <a:srgbClr val="FFFFFF"/>
+                </a:solidFill>
+              </a14:hiddenFill>
+            </a:ext>
+          </a:extLst>
         </p:spPr>
       </p:pic>
     </p:spTree>
     <p:extLst>
       <p:ext uri="{BB962C8B-B14F-4D97-AF65-F5344CB8AC3E}">
-        <p14:creationId xmlns:p14="http://schemas.microsoft.com/office/powerpoint/2010/main" val="2571641973"/>
+        <p14:creationId xmlns:p14="http://schemas.microsoft.com/office/powerpoint/2010/main" val="3747922045"/>
+      </p:ext>
+    </p:extLst>
+  </p:cSld>
+  <p:clrMapOvr>
+    <a:overrideClrMapping bg1="dk1" tx1="lt1" bg2="dk2" tx2="lt2" accent1="accent1" accent2="accent2" accent3="accent3" accent4="accent4" accent5="accent5" accent6="accent6" hlink="hlink" folHlink="folHlink"/>
+  </p:clrMapOvr>
+</p:sld>
+</file>
+
+<file path=ppt/slides/slide2.xml><?xml version="1.0" encoding="utf-8"?>
+<p:sld xmlns:a="http://schemas.openxmlformats.org/drawingml/2006/main" xmlns:r="http://schemas.openxmlformats.org/officeDocument/2006/relationships" xmlns:p="http://schemas.openxmlformats.org/presentationml/2006/main">
+  <p:cSld>
+    <p:spTree>
+      <p:nvGrpSpPr>
+        <p:cNvPr id="1" name=""/>
+        <p:cNvGrpSpPr/>
+        <p:nvPr/>
+      </p:nvGrpSpPr>
+      <p:grpSpPr>
+        <a:xfrm>
+          <a:off x="0" y="0"/>
+          <a:ext cx="0" cy="0"/>
+          <a:chOff x="0" y="0"/>
+          <a:chExt cx="0" cy="0"/>
+        </a:xfrm>
+      </p:grpSpPr>
+      <p:sp>
+        <p:nvSpPr>
+          <p:cNvPr id="2" name="Title 1">
+            <a:extLst>
+              <a:ext uri="{FF2B5EF4-FFF2-40B4-BE49-F238E27FC236}">
+                <a16:creationId xmlns:a16="http://schemas.microsoft.com/office/drawing/2014/main" id="{0F95283B-79F4-8E7E-B6FF-27A44180F67B}"/>
+              </a:ext>
+            </a:extLst>
+          </p:cNvPr>
+          <p:cNvSpPr>
+            <a:spLocks noGrp="1"/>
+          </p:cNvSpPr>
+          <p:nvPr>
+            <p:ph type="title"/>
+          </p:nvPr>
+        </p:nvSpPr>
+        <p:spPr/>
+        <p:txBody>
+          <a:bodyPr/>
+          <a:lstStyle/>
+          <a:p>
+            <a:r>
+              <a:rPr lang="nl-NL" dirty="0"/>
+              <a:t>Inhoudsopgave</a:t>
+            </a:r>
+            <a:endParaRPr lang="en-US" dirty="0"/>
+          </a:p>
+        </p:txBody>
+      </p:sp>
+      <p:sp>
+        <p:nvSpPr>
+          <p:cNvPr id="3" name="Content Placeholder 2">
+            <a:extLst>
+              <a:ext uri="{FF2B5EF4-FFF2-40B4-BE49-F238E27FC236}">
+                <a16:creationId xmlns:a16="http://schemas.microsoft.com/office/drawing/2014/main" id="{98F95C2F-C129-7027-DFC4-DC6AAC251FA3}"/>
+              </a:ext>
+            </a:extLst>
+          </p:cNvPr>
+          <p:cNvSpPr>
+            <a:spLocks noGrp="1"/>
+          </p:cNvSpPr>
+          <p:nvPr>
+            <p:ph idx="1"/>
+          </p:nvPr>
+        </p:nvSpPr>
+        <p:spPr>
+          <a:xfrm>
+            <a:off x="1097280" y="1898650"/>
+            <a:ext cx="10058400" cy="4438649"/>
+          </a:xfrm>
+        </p:spPr>
+        <p:txBody>
+          <a:bodyPr>
+            <a:normAutofit/>
+          </a:bodyPr>
+          <a:lstStyle/>
+          <a:p>
+            <a:pPr marL="0" indent="0">
+              <a:buNone/>
+            </a:pPr>
+            <a:r>
+              <a:rPr lang="nl-NL" sz="1400" dirty="0"/>
+              <a:t>1: Offerte aanvragen </a:t>
+            </a:r>
+          </a:p>
+          <a:p>
+            <a:pPr marL="0" indent="0">
+              <a:buNone/>
+            </a:pPr>
+            <a:r>
+              <a:rPr lang="nl-NL" sz="1400" dirty="0"/>
+              <a:t>2: Als medewerker kunnen inloggen</a:t>
+            </a:r>
+          </a:p>
+          <a:p>
+            <a:pPr marL="0" indent="0">
+              <a:buNone/>
+            </a:pPr>
+            <a:r>
+              <a:rPr lang="nl-NL" sz="1400" dirty="0"/>
+              <a:t>3: Medewerker behoort tot rol: Finance, Sales, Inkoop of Maintenance</a:t>
+            </a:r>
+          </a:p>
+          <a:p>
+            <a:pPr marL="0" indent="0">
+              <a:buNone/>
+            </a:pPr>
+            <a:r>
+              <a:rPr lang="nl-NL" sz="1400" dirty="0"/>
+              <a:t>4: Apart dashboard voor iedere rol</a:t>
+            </a:r>
+          </a:p>
+          <a:p>
+            <a:pPr marL="0" indent="0">
+              <a:buNone/>
+            </a:pPr>
+            <a:r>
+              <a:rPr lang="nl-NL" sz="1400" dirty="0"/>
+              <a:t>5: Als medewerker kom ik meteen op het juiste dashboard</a:t>
+            </a:r>
+          </a:p>
+          <a:p>
+            <a:pPr marL="0" indent="0">
+              <a:buNone/>
+            </a:pPr>
+            <a:r>
+              <a:rPr lang="nl-NL" sz="1400" dirty="0"/>
+              <a:t>6: Kunnen aanvinken of bedrijf door handmatige BRK-check is gekomen</a:t>
+            </a:r>
+          </a:p>
+          <a:p>
+            <a:pPr marL="0" indent="0">
+              <a:buNone/>
+            </a:pPr>
+            <a:r>
+              <a:rPr lang="nl-NL" sz="1400" dirty="0"/>
+              <a:t>7: Sales moet aantekeningen en afspraken kunnen vastleggen bij klant</a:t>
+            </a:r>
+          </a:p>
+          <a:p>
+            <a:pPr marL="0" indent="0">
+              <a:buNone/>
+            </a:pPr>
+            <a:r>
+              <a:rPr lang="nl-NL" sz="1400" dirty="0"/>
+              <a:t>8: Inkoop moet producten kunnen aanmaken, bewerken en verwijderen</a:t>
+            </a:r>
+          </a:p>
+          <a:p>
+            <a:pPr marL="0" indent="0">
+              <a:buNone/>
+            </a:pPr>
+            <a:r>
+              <a:rPr lang="nl-NL" sz="1400" dirty="0"/>
+              <a:t>9: Hoofdmedewerker van maintenance moet ingekomen storingsaanvragen kunnen bekijken</a:t>
+            </a:r>
+          </a:p>
+          <a:p>
+            <a:pPr marL="0" indent="0">
+              <a:buNone/>
+            </a:pPr>
+            <a:r>
+              <a:rPr lang="nl-NL" sz="1400" dirty="0"/>
+              <a:t>10: Afspraak inplannen</a:t>
+            </a:r>
+          </a:p>
+        </p:txBody>
+      </p:sp>
+    </p:spTree>
+    <p:extLst>
+      <p:ext uri="{BB962C8B-B14F-4D97-AF65-F5344CB8AC3E}">
+        <p14:creationId xmlns:p14="http://schemas.microsoft.com/office/powerpoint/2010/main" val="2726244462"/>
       </p:ext>
     </p:extLst>
   </p:cSld>
@@ -5214,7 +5722,7 @@
 </p:sld>
 </file>
 
-<file path=ppt/slides/slide14.xml><?xml version="1.0" encoding="utf-8"?>
+<file path=ppt/slides/slide3.xml><?xml version="1.0" encoding="utf-8"?>
 <p:sld xmlns:a="http://schemas.openxmlformats.org/drawingml/2006/main" xmlns:r="http://schemas.openxmlformats.org/officeDocument/2006/relationships" xmlns:p="http://schemas.openxmlformats.org/presentationml/2006/main">
   <p:cSld>
     <p:bg>
@@ -5241,7 +5749,7 @@
       </p:grpSpPr>
       <p:sp useBgFill="1">
         <p:nvSpPr>
-          <p:cNvPr id="10" name="Rectangle 9">
+          <p:cNvPr id="17" name="Rectangle 16">
             <a:extLst>
               <a:ext uri="{FF2B5EF4-FFF2-40B4-BE49-F238E27FC236}">
                 <a16:creationId xmlns:a16="http://schemas.microsoft.com/office/drawing/2014/main" id="{0AB6E427-3F73-4C06-A5D5-AE52C3883B50}"/>
@@ -5301,7 +5809,7 @@
       </p:sp>
       <p:sp>
         <p:nvSpPr>
-          <p:cNvPr id="12" name="Rectangle 11">
+          <p:cNvPr id="18" name="Rectangle 17">
             <a:extLst>
               <a:ext uri="{FF2B5EF4-FFF2-40B4-BE49-F238E27FC236}">
                 <a16:creationId xmlns:a16="http://schemas.microsoft.com/office/drawing/2014/main" id="{D8C9BDAA-0390-4B39-9B5C-BC95E5120DA4}"/>
@@ -5366,7 +5874,7 @@
           <p:cNvPr id="2" name="Title 1">
             <a:extLst>
               <a:ext uri="{FF2B5EF4-FFF2-40B4-BE49-F238E27FC236}">
-                <a16:creationId xmlns:a16="http://schemas.microsoft.com/office/drawing/2014/main" id="{8EADB3E4-E14D-4C7C-0A95-B6A667CAF8FD}"/>
+                <a16:creationId xmlns:a16="http://schemas.microsoft.com/office/drawing/2014/main" id="{FFA1E525-F3DD-6182-9A62-831EA72B2009}"/>
               </a:ext>
             </a:extLst>
           </p:cNvPr>
@@ -5390,7 +5898,7 @@
           <a:lstStyle/>
           <a:p>
             <a:r>
-              <a:rPr lang="nl-NL" sz="2200" b="1" kern="100">
+              <a:rPr lang="nl-NL" sz="4000" b="1" kern="100">
                 <a:solidFill>
                   <a:srgbClr val="FFFFFF"/>
                 </a:solidFill>
@@ -5399,10 +5907,10 @@
                 <a:ea typeface="Aptos" panose="020B0004020202020204" pitchFamily="34" charset="0"/>
                 <a:cs typeface="Times New Roman" panose="02020603050405020304" pitchFamily="18" charset="0"/>
               </a:rPr>
-              <a:t>11. Hoofdmedewerker van Maintenance moet ingekomen storingsaanvragen kunnen bekijken</a:t>
+              <a:t>1. Offerte aanvragen</a:t>
             </a:r>
             <a:br>
-              <a:rPr lang="en-US" sz="2200" kern="100">
+              <a:rPr lang="en-US" sz="4000" kern="100">
                 <a:solidFill>
                   <a:srgbClr val="FFFFFF"/>
                 </a:solidFill>
@@ -5412,7 +5920,7 @@
                 <a:cs typeface="Times New Roman" panose="02020603050405020304" pitchFamily="18" charset="0"/>
               </a:rPr>
             </a:br>
-            <a:endParaRPr lang="en-US" sz="2200">
+            <a:endParaRPr lang="en-US" sz="4000">
               <a:solidFill>
                 <a:srgbClr val="FFFFFF"/>
               </a:solidFill>
@@ -5422,7 +5930,7 @@
       </p:sp>
       <p:cxnSp>
         <p:nvCxnSpPr>
-          <p:cNvPr id="14" name="Straight Connector 13">
+          <p:cNvPr id="16" name="Straight Connector 15">
             <a:extLst>
               <a:ext uri="{FF2B5EF4-FFF2-40B4-BE49-F238E27FC236}">
                 <a16:creationId xmlns:a16="http://schemas.microsoft.com/office/drawing/2014/main" id="{E04A321A-A039-4720-87B4-66A4210E0D57}"/>
@@ -5477,7 +5985,7 @@
           <p:cNvPr id="3" name="Content Placeholder 2">
             <a:extLst>
               <a:ext uri="{FF2B5EF4-FFF2-40B4-BE49-F238E27FC236}">
-                <a16:creationId xmlns:a16="http://schemas.microsoft.com/office/drawing/2014/main" id="{1EE91954-2641-C5D5-26B5-5CD73D9BBC02}"/>
+                <a16:creationId xmlns:a16="http://schemas.microsoft.com/office/drawing/2014/main" id="{25403ABF-C2D7-FAA7-BE55-4F1D2EF4D2A5}"/>
               </a:ext>
             </a:extLst>
           </p:cNvPr>
@@ -5510,10 +6018,10 @@
       </p:sp>
       <p:pic>
         <p:nvPicPr>
-          <p:cNvPr id="5" name="Picture 4">
-            <a:extLst>
-              <a:ext uri="{FF2B5EF4-FFF2-40B4-BE49-F238E27FC236}">
-                <a16:creationId xmlns:a16="http://schemas.microsoft.com/office/drawing/2014/main" id="{59A3A8EC-55F1-81A0-ABC2-110BC25D08C8}"/>
+          <p:cNvPr id="7" name="Picture 6" descr="A screenshot of a computer&#10;&#10;Description automatically generated">
+            <a:extLst>
+              <a:ext uri="{FF2B5EF4-FFF2-40B4-BE49-F238E27FC236}">
+                <a16:creationId xmlns:a16="http://schemas.microsoft.com/office/drawing/2014/main" id="{6BA1F7CA-CD97-00BA-F529-F0AC95E06AF0}"/>
               </a:ext>
             </a:extLst>
           </p:cNvPr>
@@ -5541,915 +6049,7 @@
     </p:spTree>
     <p:extLst>
       <p:ext uri="{BB962C8B-B14F-4D97-AF65-F5344CB8AC3E}">
-        <p14:creationId xmlns:p14="http://schemas.microsoft.com/office/powerpoint/2010/main" val="403355547"/>
-      </p:ext>
-    </p:extLst>
-  </p:cSld>
-  <p:clrMapOvr>
-    <a:masterClrMapping/>
-  </p:clrMapOvr>
-</p:sld>
-</file>
-
-<file path=ppt/slides/slide15.xml><?xml version="1.0" encoding="utf-8"?>
-<p:sld xmlns:a="http://schemas.openxmlformats.org/drawingml/2006/main" xmlns:r="http://schemas.openxmlformats.org/officeDocument/2006/relationships" xmlns:p="http://schemas.openxmlformats.org/presentationml/2006/main">
-  <p:cSld>
-    <p:spTree>
-      <p:nvGrpSpPr>
-        <p:cNvPr id="1" name=""/>
-        <p:cNvGrpSpPr/>
-        <p:nvPr/>
-      </p:nvGrpSpPr>
-      <p:grpSpPr>
-        <a:xfrm>
-          <a:off x="0" y="0"/>
-          <a:ext cx="0" cy="0"/>
-          <a:chOff x="0" y="0"/>
-          <a:chExt cx="0" cy="0"/>
-        </a:xfrm>
-      </p:grpSpPr>
-      <p:sp>
-        <p:nvSpPr>
-          <p:cNvPr id="2" name="Title 1">
-            <a:extLst>
-              <a:ext uri="{FF2B5EF4-FFF2-40B4-BE49-F238E27FC236}">
-                <a16:creationId xmlns:a16="http://schemas.microsoft.com/office/drawing/2014/main" id="{DD55F2E6-7F03-E84B-4567-311895C268F9}"/>
-              </a:ext>
-            </a:extLst>
-          </p:cNvPr>
-          <p:cNvSpPr>
-            <a:spLocks noGrp="1"/>
-          </p:cNvSpPr>
-          <p:nvPr>
-            <p:ph type="title"/>
-          </p:nvPr>
-        </p:nvSpPr>
-        <p:spPr/>
-        <p:txBody>
-          <a:bodyPr/>
-          <a:lstStyle/>
-          <a:p>
-            <a:r>
-              <a:rPr lang="nl-NL" sz="1800" b="1" kern="100" dirty="0">
-                <a:effectLst/>
-                <a:latin typeface="Aptos" panose="020B0004020202020204" pitchFamily="34" charset="0"/>
-                <a:ea typeface="Aptos" panose="020B0004020202020204" pitchFamily="34" charset="0"/>
-                <a:cs typeface="Times New Roman" panose="02020603050405020304" pitchFamily="18" charset="0"/>
-              </a:rPr>
-              <a:t>12. Als gebruiker (klant) wil ik producten kunnen zoeken op basis van merk of beschrijving</a:t>
-            </a:r>
-            <a:br>
-              <a:rPr lang="en-US" sz="1800" kern="100" dirty="0">
-                <a:effectLst/>
-                <a:latin typeface="Aptos" panose="020B0004020202020204" pitchFamily="34" charset="0"/>
-                <a:ea typeface="Aptos" panose="020B0004020202020204" pitchFamily="34" charset="0"/>
-                <a:cs typeface="Times New Roman" panose="02020603050405020304" pitchFamily="18" charset="0"/>
-              </a:rPr>
-            </a:br>
-            <a:endParaRPr lang="en-US" dirty="0"/>
-          </a:p>
-        </p:txBody>
-      </p:sp>
-      <p:sp>
-        <p:nvSpPr>
-          <p:cNvPr id="3" name="Content Placeholder 2">
-            <a:extLst>
-              <a:ext uri="{FF2B5EF4-FFF2-40B4-BE49-F238E27FC236}">
-                <a16:creationId xmlns:a16="http://schemas.microsoft.com/office/drawing/2014/main" id="{1C320AD9-20BD-C38D-DF94-20FA8AB1EECB}"/>
-              </a:ext>
-            </a:extLst>
-          </p:cNvPr>
-          <p:cNvSpPr>
-            <a:spLocks noGrp="1"/>
-          </p:cNvSpPr>
-          <p:nvPr>
-            <p:ph idx="1"/>
-          </p:nvPr>
-        </p:nvSpPr>
-        <p:spPr/>
-        <p:txBody>
-          <a:bodyPr/>
-          <a:lstStyle/>
-          <a:p>
-            <a:endParaRPr lang="en-US" dirty="0"/>
-          </a:p>
-        </p:txBody>
-      </p:sp>
-    </p:spTree>
-    <p:extLst>
-      <p:ext uri="{BB962C8B-B14F-4D97-AF65-F5344CB8AC3E}">
-        <p14:creationId xmlns:p14="http://schemas.microsoft.com/office/powerpoint/2010/main" val="4234176392"/>
-      </p:ext>
-    </p:extLst>
-  </p:cSld>
-  <p:clrMapOvr>
-    <a:masterClrMapping/>
-  </p:clrMapOvr>
-</p:sld>
-</file>
-
-<file path=ppt/slides/slide16.xml><?xml version="1.0" encoding="utf-8"?>
-<p:sld xmlns:a="http://schemas.openxmlformats.org/drawingml/2006/main" xmlns:r="http://schemas.openxmlformats.org/officeDocument/2006/relationships" xmlns:p="http://schemas.openxmlformats.org/presentationml/2006/main">
-  <p:cSld>
-    <p:bg>
-      <p:bgPr>
-        <a:solidFill>
-          <a:schemeClr val="bg1"/>
-        </a:solidFill>
-        <a:effectLst/>
-      </p:bgPr>
-    </p:bg>
-    <p:spTree>
-      <p:nvGrpSpPr>
-        <p:cNvPr id="1" name=""/>
-        <p:cNvGrpSpPr/>
-        <p:nvPr/>
-      </p:nvGrpSpPr>
-      <p:grpSpPr>
-        <a:xfrm>
-          <a:off x="0" y="0"/>
-          <a:ext cx="0" cy="0"/>
-          <a:chOff x="0" y="0"/>
-          <a:chExt cx="0" cy="0"/>
-        </a:xfrm>
-      </p:grpSpPr>
-      <p:sp>
-        <p:nvSpPr>
-          <p:cNvPr id="2057" name="Rectangle 2056">
-            <a:extLst>
-              <a:ext uri="{FF2B5EF4-FFF2-40B4-BE49-F238E27FC236}">
-                <a16:creationId xmlns:a16="http://schemas.microsoft.com/office/drawing/2014/main" id="{E844E128-FF69-4E9F-8327-6B504B3C5AE1}"/>
-              </a:ext>
-              <a:ext uri="{C183D7F6-B498-43B3-948B-1728B52AA6E4}">
-                <adec:decorative xmlns:adec="http://schemas.microsoft.com/office/drawing/2017/decorative" val="1"/>
-              </a:ext>
-            </a:extLst>
-          </p:cNvPr>
-          <p:cNvSpPr>
-            <a:spLocks noGrp="1" noRot="1" noChangeAspect="1" noMove="1" noResize="1" noEditPoints="1" noAdjustHandles="1" noChangeArrowheads="1" noChangeShapeType="1" noTextEdit="1"/>
-          </p:cNvSpPr>
-          <p:nvPr>
-            <p:extLst>
-              <p:ext uri="{386F3935-93C4-4BCD-93E2-E3B085C9AB24}">
-                <p16:designElem xmlns:p16="http://schemas.microsoft.com/office/powerpoint/2015/main" val="1"/>
-              </p:ext>
-            </p:extLst>
-          </p:nvPr>
-        </p:nvSpPr>
-        <p:spPr bwMode="white">
-          <a:xfrm>
-            <a:off x="15" y="0"/>
-            <a:ext cx="12191985" cy="6858000"/>
-          </a:xfrm>
-          <a:prstGeom prst="rect">
-            <a:avLst/>
-          </a:prstGeom>
-          <a:solidFill>
-            <a:schemeClr val="bg1">
-              <a:lumMod val="85000"/>
-              <a:lumOff val="15000"/>
-            </a:schemeClr>
-          </a:solidFill>
-          <a:ln>
-            <a:noFill/>
-          </a:ln>
-        </p:spPr>
-        <p:style>
-          <a:lnRef idx="2">
-            <a:schemeClr val="accent1">
-              <a:shade val="50000"/>
-            </a:schemeClr>
-          </a:lnRef>
-          <a:fillRef idx="1">
-            <a:schemeClr val="accent1"/>
-          </a:fillRef>
-          <a:effectRef idx="0">
-            <a:schemeClr val="accent1"/>
-          </a:effectRef>
-          <a:fontRef idx="minor">
-            <a:schemeClr val="lt1"/>
-          </a:fontRef>
-        </p:style>
-        <p:txBody>
-          <a:bodyPr/>
-          <a:lstStyle/>
-          <a:p>
-            <a:endParaRPr lang="en-US"/>
-          </a:p>
-        </p:txBody>
-      </p:sp>
-      <p:sp>
-        <p:nvSpPr>
-          <p:cNvPr id="2" name="Title 1">
-            <a:extLst>
-              <a:ext uri="{FF2B5EF4-FFF2-40B4-BE49-F238E27FC236}">
-                <a16:creationId xmlns:a16="http://schemas.microsoft.com/office/drawing/2014/main" id="{6ED36697-B3A1-9ECE-761D-3AD1C1D41EFE}"/>
-              </a:ext>
-            </a:extLst>
-          </p:cNvPr>
-          <p:cNvSpPr>
-            <a:spLocks noGrp="1"/>
-          </p:cNvSpPr>
-          <p:nvPr>
-            <p:ph type="title"/>
-          </p:nvPr>
-        </p:nvSpPr>
-        <p:spPr>
-          <a:xfrm>
-            <a:off x="643467" y="516835"/>
-            <a:ext cx="2994815" cy="1666501"/>
-          </a:xfrm>
-        </p:spPr>
-        <p:txBody>
-          <a:bodyPr>
-            <a:normAutofit/>
-          </a:bodyPr>
-          <a:lstStyle/>
-          <a:p>
-            <a:r>
-              <a:rPr lang="nl-NL" sz="4000" dirty="0">
-                <a:solidFill>
-                  <a:schemeClr val="tx1"/>
-                </a:solidFill>
-              </a:rPr>
-              <a:t>The end</a:t>
-            </a:r>
-            <a:endParaRPr lang="en-US" sz="4000" dirty="0">
-              <a:solidFill>
-                <a:schemeClr val="tx1"/>
-              </a:solidFill>
-            </a:endParaRPr>
-          </a:p>
-        </p:txBody>
-      </p:sp>
-      <p:cxnSp>
-        <p:nvCxnSpPr>
-          <p:cNvPr id="2059" name="Straight Connector 2058">
-            <a:extLst>
-              <a:ext uri="{FF2B5EF4-FFF2-40B4-BE49-F238E27FC236}">
-                <a16:creationId xmlns:a16="http://schemas.microsoft.com/office/drawing/2014/main" id="{055CEADF-09EA-423C-8C45-F94AF44D5AF0}"/>
-              </a:ext>
-              <a:ext uri="{C183D7F6-B498-43B3-948B-1728B52AA6E4}">
-                <adec:decorative xmlns:adec="http://schemas.microsoft.com/office/drawing/2017/decorative" val="1"/>
-              </a:ext>
-            </a:extLst>
-          </p:cNvPr>
-          <p:cNvCxnSpPr>
-            <a:cxnSpLocks noGrp="1" noRot="1" noChangeAspect="1" noMove="1" noResize="1" noEditPoints="1" noAdjustHandles="1" noChangeArrowheads="1" noChangeShapeType="1"/>
-          </p:cNvCxnSpPr>
-          <p:nvPr>
-            <p:extLst>
-              <p:ext uri="{386F3935-93C4-4BCD-93E2-E3B085C9AB24}">
-                <p16:designElem xmlns:p16="http://schemas.microsoft.com/office/powerpoint/2015/main" val="1"/>
-              </p:ext>
-            </p:extLst>
-          </p:nvPr>
-        </p:nvCxnSpPr>
-        <p:spPr>
-          <a:xfrm>
-            <a:off x="723686" y="2353592"/>
-            <a:ext cx="2834640" cy="0"/>
-          </a:xfrm>
-          <a:prstGeom prst="line">
-            <a:avLst/>
-          </a:prstGeom>
-          <a:ln w="19050">
-            <a:solidFill>
-              <a:schemeClr val="accent1"/>
-            </a:solidFill>
-          </a:ln>
-        </p:spPr>
-        <p:style>
-          <a:lnRef idx="1">
-            <a:schemeClr val="accent1"/>
-          </a:lnRef>
-          <a:fillRef idx="0">
-            <a:schemeClr val="accent1"/>
-          </a:fillRef>
-          <a:effectRef idx="0">
-            <a:schemeClr val="accent1"/>
-          </a:effectRef>
-          <a:fontRef idx="minor">
-            <a:schemeClr val="tx1"/>
-          </a:fontRef>
-        </p:style>
-      </p:cxnSp>
-      <p:sp>
-        <p:nvSpPr>
-          <p:cNvPr id="3" name="Content Placeholder 2">
-            <a:extLst>
-              <a:ext uri="{FF2B5EF4-FFF2-40B4-BE49-F238E27FC236}">
-                <a16:creationId xmlns:a16="http://schemas.microsoft.com/office/drawing/2014/main" id="{2C02C797-EF87-CD25-4E37-4AF3E831C8A3}"/>
-              </a:ext>
-            </a:extLst>
-          </p:cNvPr>
-          <p:cNvSpPr>
-            <a:spLocks noGrp="1"/>
-          </p:cNvSpPr>
-          <p:nvPr>
-            <p:ph idx="1"/>
-          </p:nvPr>
-        </p:nvSpPr>
-        <p:spPr>
-          <a:xfrm>
-            <a:off x="539750" y="2546224"/>
-            <a:ext cx="3198439" cy="3342747"/>
-          </a:xfrm>
-        </p:spPr>
-        <p:txBody>
-          <a:bodyPr>
-            <a:normAutofit/>
-          </a:bodyPr>
-          <a:lstStyle/>
-          <a:p>
-            <a:r>
-              <a:rPr lang="nl-NL" sz="1800" dirty="0">
-                <a:solidFill>
-                  <a:schemeClr val="tx1"/>
-                </a:solidFill>
-              </a:rPr>
-              <a:t>Door Julian, Misha, Dimitri ,Colin en Marco</a:t>
-            </a:r>
-            <a:endParaRPr lang="en-US" sz="1800" dirty="0">
-              <a:solidFill>
-                <a:schemeClr val="tx1"/>
-              </a:solidFill>
-            </a:endParaRPr>
-          </a:p>
-        </p:txBody>
-      </p:sp>
-      <p:pic>
-        <p:nvPicPr>
-          <p:cNvPr id="2052" name="Picture 4" descr="A red and silver espresso machine&#10;&#10;Description automatically generated">
-            <a:extLst>
-              <a:ext uri="{FF2B5EF4-FFF2-40B4-BE49-F238E27FC236}">
-                <a16:creationId xmlns:a16="http://schemas.microsoft.com/office/drawing/2014/main" id="{06757612-29BD-970A-10A7-0153B9D4F0B4}"/>
-              </a:ext>
-            </a:extLst>
-          </p:cNvPr>
-          <p:cNvPicPr>
-            <a:picLocks noChangeAspect="1" noChangeArrowheads="1"/>
-          </p:cNvPicPr>
-          <p:nvPr/>
-        </p:nvPicPr>
-        <p:blipFill>
-          <a:blip r:embed="rId2">
-            <a:extLst>
-              <a:ext uri="{28A0092B-C50C-407E-A947-70E740481C1C}">
-                <a14:useLocalDpi xmlns:a14="http://schemas.microsoft.com/office/drawing/2010/main" val="0"/>
-              </a:ext>
-            </a:extLst>
-          </a:blip>
-          <a:stretch>
-            <a:fillRect/>
-          </a:stretch>
-        </p:blipFill>
-        <p:spPr bwMode="auto">
-          <a:xfrm>
-            <a:off x="4059922" y="1637280"/>
-            <a:ext cx="3583439" cy="3583439"/>
-          </a:xfrm>
-          <a:prstGeom prst="rect">
-            <a:avLst/>
-          </a:prstGeom>
-          <a:noFill/>
-          <a:extLst>
-            <a:ext uri="{909E8E84-426E-40DD-AFC4-6F175D3DCCD1}">
-              <a14:hiddenFill xmlns:a14="http://schemas.microsoft.com/office/drawing/2010/main">
-                <a:solidFill>
-                  <a:srgbClr val="FFFFFF"/>
-                </a:solidFill>
-              </a14:hiddenFill>
-            </a:ext>
-          </a:extLst>
-        </p:spPr>
-      </p:pic>
-      <p:pic>
-        <p:nvPicPr>
-          <p:cNvPr id="2050" name="Picture 2" descr="A black and silver espresso machine&#10;&#10;Description automatically generated">
-            <a:extLst>
-              <a:ext uri="{FF2B5EF4-FFF2-40B4-BE49-F238E27FC236}">
-                <a16:creationId xmlns:a16="http://schemas.microsoft.com/office/drawing/2014/main" id="{D34B74DB-531B-64B4-DBB3-98DEA4B4DB50}"/>
-              </a:ext>
-            </a:extLst>
-          </p:cNvPr>
-          <p:cNvPicPr>
-            <a:picLocks noChangeAspect="1" noChangeArrowheads="1"/>
-          </p:cNvPicPr>
-          <p:nvPr/>
-        </p:nvPicPr>
-        <p:blipFill>
-          <a:blip r:embed="rId3">
-            <a:extLst>
-              <a:ext uri="{28A0092B-C50C-407E-A947-70E740481C1C}">
-                <a14:useLocalDpi xmlns:a14="http://schemas.microsoft.com/office/drawing/2010/main" val="0"/>
-              </a:ext>
-            </a:extLst>
-          </a:blip>
-          <a:stretch>
-            <a:fillRect/>
-          </a:stretch>
-        </p:blipFill>
-        <p:spPr bwMode="auto">
-          <a:xfrm>
-            <a:off x="7965094" y="1640323"/>
-            <a:ext cx="3583439" cy="3583439"/>
-          </a:xfrm>
-          <a:prstGeom prst="rect">
-            <a:avLst/>
-          </a:prstGeom>
-          <a:noFill/>
-          <a:extLst>
-            <a:ext uri="{909E8E84-426E-40DD-AFC4-6F175D3DCCD1}">
-              <a14:hiddenFill xmlns:a14="http://schemas.microsoft.com/office/drawing/2010/main">
-                <a:solidFill>
-                  <a:srgbClr val="FFFFFF"/>
-                </a:solidFill>
-              </a14:hiddenFill>
-            </a:ext>
-          </a:extLst>
-        </p:spPr>
-      </p:pic>
-    </p:spTree>
-    <p:extLst>
-      <p:ext uri="{BB962C8B-B14F-4D97-AF65-F5344CB8AC3E}">
-        <p14:creationId xmlns:p14="http://schemas.microsoft.com/office/powerpoint/2010/main" val="3747922045"/>
-      </p:ext>
-    </p:extLst>
-  </p:cSld>
-  <p:clrMapOvr>
-    <a:overrideClrMapping bg1="dk1" tx1="lt1" bg2="dk2" tx2="lt2" accent1="accent1" accent2="accent2" accent3="accent3" accent4="accent4" accent5="accent5" accent6="accent6" hlink="hlink" folHlink="folHlink"/>
-  </p:clrMapOvr>
-</p:sld>
-</file>
-
-<file path=ppt/slides/slide2.xml><?xml version="1.0" encoding="utf-8"?>
-<p:sld xmlns:a="http://schemas.openxmlformats.org/drawingml/2006/main" xmlns:r="http://schemas.openxmlformats.org/officeDocument/2006/relationships" xmlns:p="http://schemas.openxmlformats.org/presentationml/2006/main">
-  <p:cSld>
-    <p:bg>
-      <p:bgPr>
-        <a:solidFill>
-          <a:schemeClr val="bg1"/>
-        </a:solidFill>
-        <a:effectLst/>
-      </p:bgPr>
-    </p:bg>
-    <p:spTree>
-      <p:nvGrpSpPr>
-        <p:cNvPr id="1" name=""/>
-        <p:cNvGrpSpPr/>
-        <p:nvPr/>
-      </p:nvGrpSpPr>
-      <p:grpSpPr>
-        <a:xfrm>
-          <a:off x="0" y="0"/>
-          <a:ext cx="0" cy="0"/>
-          <a:chOff x="0" y="0"/>
-          <a:chExt cx="0" cy="0"/>
-        </a:xfrm>
-      </p:grpSpPr>
-      <p:sp>
-        <p:nvSpPr>
-          <p:cNvPr id="3079" name="Rectangle 3078">
-            <a:extLst>
-              <a:ext uri="{FF2B5EF4-FFF2-40B4-BE49-F238E27FC236}">
-                <a16:creationId xmlns:a16="http://schemas.microsoft.com/office/drawing/2014/main" id="{E844E128-FF69-4E9F-8327-6B504B3C5AE1}"/>
-              </a:ext>
-              <a:ext uri="{C183D7F6-B498-43B3-948B-1728B52AA6E4}">
-                <adec:decorative xmlns:adec="http://schemas.microsoft.com/office/drawing/2017/decorative" val="1"/>
-              </a:ext>
-            </a:extLst>
-          </p:cNvPr>
-          <p:cNvSpPr>
-            <a:spLocks noGrp="1" noRot="1" noChangeAspect="1" noMove="1" noResize="1" noEditPoints="1" noAdjustHandles="1" noChangeArrowheads="1" noChangeShapeType="1" noTextEdit="1"/>
-          </p:cNvSpPr>
-          <p:nvPr>
-            <p:extLst>
-              <p:ext uri="{386F3935-93C4-4BCD-93E2-E3B085C9AB24}">
-                <p16:designElem xmlns:p16="http://schemas.microsoft.com/office/powerpoint/2015/main" val="1"/>
-              </p:ext>
-            </p:extLst>
-          </p:nvPr>
-        </p:nvSpPr>
-        <p:spPr bwMode="white">
-          <a:xfrm>
-            <a:off x="15" y="0"/>
-            <a:ext cx="12191985" cy="6858000"/>
-          </a:xfrm>
-          <a:prstGeom prst="rect">
-            <a:avLst/>
-          </a:prstGeom>
-          <a:solidFill>
-            <a:srgbClr val="262626"/>
-          </a:solidFill>
-          <a:ln>
-            <a:noFill/>
-          </a:ln>
-        </p:spPr>
-        <p:style>
-          <a:lnRef idx="2">
-            <a:schemeClr val="accent1">
-              <a:shade val="50000"/>
-            </a:schemeClr>
-          </a:lnRef>
-          <a:fillRef idx="1">
-            <a:schemeClr val="accent1"/>
-          </a:fillRef>
-          <a:effectRef idx="0">
-            <a:schemeClr val="accent1"/>
-          </a:effectRef>
-          <a:fontRef idx="minor">
-            <a:schemeClr val="lt1"/>
-          </a:fontRef>
-        </p:style>
-        <p:txBody>
-          <a:bodyPr/>
-          <a:lstStyle/>
-          <a:p>
-            <a:endParaRPr lang="en-US"/>
-          </a:p>
-        </p:txBody>
-      </p:sp>
-      <p:sp>
-        <p:nvSpPr>
-          <p:cNvPr id="2" name="Title 1">
-            <a:extLst>
-              <a:ext uri="{FF2B5EF4-FFF2-40B4-BE49-F238E27FC236}">
-                <a16:creationId xmlns:a16="http://schemas.microsoft.com/office/drawing/2014/main" id="{6A89B0BB-7183-D90A-518B-C90ABCB8F514}"/>
-              </a:ext>
-            </a:extLst>
-          </p:cNvPr>
-          <p:cNvSpPr>
-            <a:spLocks noGrp="1"/>
-          </p:cNvSpPr>
-          <p:nvPr>
-            <p:ph type="title"/>
-          </p:nvPr>
-        </p:nvSpPr>
-        <p:spPr>
-          <a:xfrm>
-            <a:off x="643467" y="516835"/>
-            <a:ext cx="3448259" cy="1666501"/>
-          </a:xfrm>
-        </p:spPr>
-        <p:txBody>
-          <a:bodyPr>
-            <a:normAutofit/>
-          </a:bodyPr>
-          <a:lstStyle/>
-          <a:p>
-            <a:r>
-              <a:rPr lang="nl-NL" sz="4000">
-                <a:solidFill>
-                  <a:srgbClr val="FFFFFF"/>
-                </a:solidFill>
-              </a:rPr>
-              <a:t>Inleiding</a:t>
-            </a:r>
-            <a:endParaRPr lang="en-US" sz="4000">
-              <a:solidFill>
-                <a:srgbClr val="FFFFFF"/>
-              </a:solidFill>
-            </a:endParaRPr>
-          </a:p>
-        </p:txBody>
-      </p:sp>
-      <p:cxnSp>
-        <p:nvCxnSpPr>
-          <p:cNvPr id="3081" name="Straight Connector 3080">
-            <a:extLst>
-              <a:ext uri="{FF2B5EF4-FFF2-40B4-BE49-F238E27FC236}">
-                <a16:creationId xmlns:a16="http://schemas.microsoft.com/office/drawing/2014/main" id="{055CEADF-09EA-423C-8C45-F94AF44D5AF0}"/>
-              </a:ext>
-              <a:ext uri="{C183D7F6-B498-43B3-948B-1728B52AA6E4}">
-                <adec:decorative xmlns:adec="http://schemas.microsoft.com/office/drawing/2017/decorative" val="1"/>
-              </a:ext>
-            </a:extLst>
-          </p:cNvPr>
-          <p:cNvCxnSpPr>
-            <a:cxnSpLocks noGrp="1" noRot="1" noChangeAspect="1" noMove="1" noResize="1" noEditPoints="1" noAdjustHandles="1" noChangeArrowheads="1" noChangeShapeType="1"/>
-          </p:cNvCxnSpPr>
-          <p:nvPr>
-            <p:extLst>
-              <p:ext uri="{386F3935-93C4-4BCD-93E2-E3B085C9AB24}">
-                <p16:designElem xmlns:p16="http://schemas.microsoft.com/office/powerpoint/2015/main" val="1"/>
-              </p:ext>
-            </p:extLst>
-          </p:nvPr>
-        </p:nvCxnSpPr>
-        <p:spPr>
-          <a:xfrm>
-            <a:off x="723686" y="2353592"/>
-            <a:ext cx="3291840" cy="0"/>
-          </a:xfrm>
-          <a:prstGeom prst="line">
-            <a:avLst/>
-          </a:prstGeom>
-          <a:ln w="19050">
-            <a:solidFill>
-              <a:schemeClr val="accent1"/>
-            </a:solidFill>
-          </a:ln>
-        </p:spPr>
-        <p:style>
-          <a:lnRef idx="1">
-            <a:schemeClr val="accent1"/>
-          </a:lnRef>
-          <a:fillRef idx="0">
-            <a:schemeClr val="accent1"/>
-          </a:fillRef>
-          <a:effectRef idx="0">
-            <a:schemeClr val="accent1"/>
-          </a:effectRef>
-          <a:fontRef idx="minor">
-            <a:schemeClr val="tx1"/>
-          </a:fontRef>
-        </p:style>
-      </p:cxnSp>
-      <p:sp>
-        <p:nvSpPr>
-          <p:cNvPr id="3" name="Content Placeholder 2">
-            <a:extLst>
-              <a:ext uri="{FF2B5EF4-FFF2-40B4-BE49-F238E27FC236}">
-                <a16:creationId xmlns:a16="http://schemas.microsoft.com/office/drawing/2014/main" id="{F1BA4B2F-1742-67D1-41C8-843E04A57969}"/>
-              </a:ext>
-            </a:extLst>
-          </p:cNvPr>
-          <p:cNvSpPr>
-            <a:spLocks noGrp="1"/>
-          </p:cNvSpPr>
-          <p:nvPr>
-            <p:ph idx="1"/>
-          </p:nvPr>
-        </p:nvSpPr>
-        <p:spPr>
-          <a:xfrm>
-            <a:off x="643467" y="2546224"/>
-            <a:ext cx="3448259" cy="3342747"/>
-          </a:xfrm>
-        </p:spPr>
-        <p:txBody>
-          <a:bodyPr>
-            <a:normAutofit/>
-          </a:bodyPr>
-          <a:lstStyle/>
-          <a:p>
-            <a:pPr marL="0" indent="0">
-              <a:buNone/>
-            </a:pPr>
-            <a:endParaRPr lang="en-US" sz="1800">
-              <a:solidFill>
-                <a:srgbClr val="FFFFFF"/>
-              </a:solidFill>
-            </a:endParaRPr>
-          </a:p>
-        </p:txBody>
-      </p:sp>
-      <p:pic>
-        <p:nvPicPr>
-          <p:cNvPr id="3074" name="Picture 2" descr="A black hexagon with white text&#10;&#10;Description automatically generated">
-            <a:extLst>
-              <a:ext uri="{FF2B5EF4-FFF2-40B4-BE49-F238E27FC236}">
-                <a16:creationId xmlns:a16="http://schemas.microsoft.com/office/drawing/2014/main" id="{10395393-018A-22A1-03E0-3616609BB30F}"/>
-              </a:ext>
-            </a:extLst>
-          </p:cNvPr>
-          <p:cNvPicPr>
-            <a:picLocks noChangeAspect="1" noChangeArrowheads="1"/>
-          </p:cNvPicPr>
-          <p:nvPr/>
-        </p:nvPicPr>
-        <p:blipFill>
-          <a:blip r:embed="rId2">
-            <a:extLst>
-              <a:ext uri="{28A0092B-C50C-407E-A947-70E740481C1C}">
-                <a14:useLocalDpi xmlns:a14="http://schemas.microsoft.com/office/drawing/2010/main" val="0"/>
-              </a:ext>
-            </a:extLst>
-          </a:blip>
-          <a:srcRect r="4605"/>
-          <a:stretch/>
-        </p:blipFill>
-        <p:spPr bwMode="auto">
-          <a:xfrm>
-            <a:off x="4654296" y="10"/>
-            <a:ext cx="7537703" cy="6857990"/>
-          </a:xfrm>
-          <a:prstGeom prst="rect">
-            <a:avLst/>
-          </a:prstGeom>
-          <a:noFill/>
-          <a:extLst>
-            <a:ext uri="{909E8E84-426E-40DD-AFC4-6F175D3DCCD1}">
-              <a14:hiddenFill xmlns:a14="http://schemas.microsoft.com/office/drawing/2010/main">
-                <a:solidFill>
-                  <a:srgbClr val="FFFFFF"/>
-                </a:solidFill>
-              </a14:hiddenFill>
-            </a:ext>
-          </a:extLst>
-        </p:spPr>
-      </p:pic>
-    </p:spTree>
-    <p:extLst>
-      <p:ext uri="{BB962C8B-B14F-4D97-AF65-F5344CB8AC3E}">
-        <p14:creationId xmlns:p14="http://schemas.microsoft.com/office/powerpoint/2010/main" val="2735296088"/>
-      </p:ext>
-    </p:extLst>
-  </p:cSld>
-  <p:clrMapOvr>
-    <a:overrideClrMapping bg1="dk1" tx1="lt1" bg2="dk2" tx2="lt2" accent1="accent1" accent2="accent2" accent3="accent3" accent4="accent4" accent5="accent5" accent6="accent6" hlink="hlink" folHlink="folHlink"/>
-  </p:clrMapOvr>
-</p:sld>
-</file>
-
-<file path=ppt/slides/slide3.xml><?xml version="1.0" encoding="utf-8"?>
-<p:sld xmlns:a="http://schemas.openxmlformats.org/drawingml/2006/main" xmlns:r="http://schemas.openxmlformats.org/officeDocument/2006/relationships" xmlns:p="http://schemas.openxmlformats.org/presentationml/2006/main">
-  <p:cSld>
-    <p:spTree>
-      <p:nvGrpSpPr>
-        <p:cNvPr id="1" name=""/>
-        <p:cNvGrpSpPr/>
-        <p:nvPr/>
-      </p:nvGrpSpPr>
-      <p:grpSpPr>
-        <a:xfrm>
-          <a:off x="0" y="0"/>
-          <a:ext cx="0" cy="0"/>
-          <a:chOff x="0" y="0"/>
-          <a:chExt cx="0" cy="0"/>
-        </a:xfrm>
-      </p:grpSpPr>
-      <p:sp>
-        <p:nvSpPr>
-          <p:cNvPr id="2" name="Title 1">
-            <a:extLst>
-              <a:ext uri="{FF2B5EF4-FFF2-40B4-BE49-F238E27FC236}">
-                <a16:creationId xmlns:a16="http://schemas.microsoft.com/office/drawing/2014/main" id="{0F95283B-79F4-8E7E-B6FF-27A44180F67B}"/>
-              </a:ext>
-            </a:extLst>
-          </p:cNvPr>
-          <p:cNvSpPr>
-            <a:spLocks noGrp="1"/>
-          </p:cNvSpPr>
-          <p:nvPr>
-            <p:ph type="title"/>
-          </p:nvPr>
-        </p:nvSpPr>
-        <p:spPr/>
-        <p:txBody>
-          <a:bodyPr/>
-          <a:lstStyle/>
-          <a:p>
-            <a:r>
-              <a:rPr lang="nl-NL" dirty="0"/>
-              <a:t>Inhoudsopgave</a:t>
-            </a:r>
-            <a:endParaRPr lang="en-US" dirty="0"/>
-          </a:p>
-        </p:txBody>
-      </p:sp>
-      <p:sp>
-        <p:nvSpPr>
-          <p:cNvPr id="3" name="Content Placeholder 2">
-            <a:extLst>
-              <a:ext uri="{FF2B5EF4-FFF2-40B4-BE49-F238E27FC236}">
-                <a16:creationId xmlns:a16="http://schemas.microsoft.com/office/drawing/2014/main" id="{98F95C2F-C129-7027-DFC4-DC6AAC251FA3}"/>
-              </a:ext>
-            </a:extLst>
-          </p:cNvPr>
-          <p:cNvSpPr>
-            <a:spLocks noGrp="1"/>
-          </p:cNvSpPr>
-          <p:nvPr>
-            <p:ph idx="1"/>
-          </p:nvPr>
-        </p:nvSpPr>
-        <p:spPr>
-          <a:xfrm>
-            <a:off x="1097280" y="1898650"/>
-            <a:ext cx="10058400" cy="4438649"/>
-          </a:xfrm>
-        </p:spPr>
-        <p:txBody>
-          <a:bodyPr>
-            <a:normAutofit fontScale="92500" lnSpcReduction="10000"/>
-          </a:bodyPr>
-          <a:lstStyle/>
-          <a:p>
-            <a:pPr marL="0" indent="0">
-              <a:buNone/>
-            </a:pPr>
-            <a:r>
-              <a:rPr lang="nl-NL" sz="1400" dirty="0"/>
-              <a:t>1: Offerte aanvragen </a:t>
-            </a:r>
-          </a:p>
-          <a:p>
-            <a:pPr marL="0" indent="0">
-              <a:buNone/>
-            </a:pPr>
-            <a:r>
-              <a:rPr lang="nl-NL" sz="1400" dirty="0"/>
-              <a:t>2: Contactformulier bij aanvragen offerte</a:t>
-            </a:r>
-          </a:p>
-          <a:p>
-            <a:pPr marL="0" indent="0">
-              <a:buNone/>
-            </a:pPr>
-            <a:r>
-              <a:rPr lang="nl-NL" sz="1400" dirty="0"/>
-              <a:t>3: Als medewerker kunnen inloggen</a:t>
-            </a:r>
-          </a:p>
-          <a:p>
-            <a:pPr marL="0" indent="0">
-              <a:buNone/>
-            </a:pPr>
-            <a:r>
-              <a:rPr lang="nl-NL" sz="1400" dirty="0"/>
-              <a:t>4: Medewerker behoort tot rol: Finance, Sales, Inkoop of Maintenance</a:t>
-            </a:r>
-          </a:p>
-          <a:p>
-            <a:pPr marL="0" indent="0">
-              <a:buNone/>
-            </a:pPr>
-            <a:r>
-              <a:rPr lang="nl-NL" sz="1400" dirty="0"/>
-              <a:t>5: Apart dashboard voor iedere rol</a:t>
-            </a:r>
-          </a:p>
-          <a:p>
-            <a:pPr marL="0" indent="0">
-              <a:buNone/>
-            </a:pPr>
-            <a:r>
-              <a:rPr lang="nl-NL" sz="1400" dirty="0"/>
-              <a:t>6: Als medewerker kom ik meteen op het juiste dashboard</a:t>
-            </a:r>
-          </a:p>
-          <a:p>
-            <a:pPr marL="0" indent="0">
-              <a:buNone/>
-            </a:pPr>
-            <a:r>
-              <a:rPr lang="nl-NL" sz="1400" dirty="0"/>
-              <a:t>7: Via systeem factuur opstellen voor aansluitkosten</a:t>
-            </a:r>
-          </a:p>
-          <a:p>
-            <a:pPr marL="0" indent="0">
-              <a:buNone/>
-            </a:pPr>
-            <a:r>
-              <a:rPr lang="nl-NL" sz="1400" dirty="0"/>
-              <a:t>8: Kunnen aanvinken of bedrijf door handmatige BRK-check is gekomen</a:t>
-            </a:r>
-          </a:p>
-          <a:p>
-            <a:pPr marL="0" indent="0">
-              <a:buNone/>
-            </a:pPr>
-            <a:r>
-              <a:rPr lang="nl-NL" sz="1400" dirty="0"/>
-              <a:t>9: Sales moet aantekeningen en afspraken kunnen vastleggen bij klant</a:t>
-            </a:r>
-          </a:p>
-          <a:p>
-            <a:pPr marL="0" indent="0">
-              <a:buNone/>
-            </a:pPr>
-            <a:r>
-              <a:rPr lang="nl-NL" sz="1400" dirty="0"/>
-              <a:t>10: Inkoop moet producten kunnen aanmaken, bewerken en verwijderen</a:t>
-            </a:r>
-          </a:p>
-          <a:p>
-            <a:pPr marL="0" indent="0">
-              <a:buNone/>
-            </a:pPr>
-            <a:r>
-              <a:rPr lang="nl-NL" sz="1400" dirty="0"/>
-              <a:t>11: Hoofdmedewerker van maintenance moet ingekomen storingsaanvragen kunnen bekijken</a:t>
-            </a:r>
-          </a:p>
-          <a:p>
-            <a:pPr marL="0" indent="0">
-              <a:buNone/>
-            </a:pPr>
-            <a:r>
-              <a:rPr lang="nl-NL" sz="1400" dirty="0"/>
-              <a:t>12: Als gebruiker (klant) wil ik producten kunnen zoeken op basis van merk of beschrijving</a:t>
-            </a:r>
-          </a:p>
-        </p:txBody>
-      </p:sp>
-    </p:spTree>
-    <p:extLst>
-      <p:ext uri="{BB962C8B-B14F-4D97-AF65-F5344CB8AC3E}">
-        <p14:creationId xmlns:p14="http://schemas.microsoft.com/office/powerpoint/2010/main" val="2726244462"/>
+        <p14:creationId xmlns:p14="http://schemas.microsoft.com/office/powerpoint/2010/main" val="818496352"/>
       </p:ext>
     </p:extLst>
   </p:cSld>
@@ -6486,7 +6086,7 @@
       </p:grpSpPr>
       <p:sp useBgFill="1">
         <p:nvSpPr>
-          <p:cNvPr id="17" name="Rectangle 16">
+          <p:cNvPr id="10" name="Rectangle 9">
             <a:extLst>
               <a:ext uri="{FF2B5EF4-FFF2-40B4-BE49-F238E27FC236}">
                 <a16:creationId xmlns:a16="http://schemas.microsoft.com/office/drawing/2014/main" id="{0AB6E427-3F73-4C06-A5D5-AE52C3883B50}"/>
@@ -6546,7 +6146,7 @@
       </p:sp>
       <p:sp>
         <p:nvSpPr>
-          <p:cNvPr id="18" name="Rectangle 17">
+          <p:cNvPr id="12" name="Rectangle 11">
             <a:extLst>
               <a:ext uri="{FF2B5EF4-FFF2-40B4-BE49-F238E27FC236}">
                 <a16:creationId xmlns:a16="http://schemas.microsoft.com/office/drawing/2014/main" id="{D8C9BDAA-0390-4B39-9B5C-BC95E5120DA4}"/>
@@ -6611,7 +6211,7 @@
           <p:cNvPr id="2" name="Title 1">
             <a:extLst>
               <a:ext uri="{FF2B5EF4-FFF2-40B4-BE49-F238E27FC236}">
-                <a16:creationId xmlns:a16="http://schemas.microsoft.com/office/drawing/2014/main" id="{FFA1E525-F3DD-6182-9A62-831EA72B2009}"/>
+                <a16:creationId xmlns:a16="http://schemas.microsoft.com/office/drawing/2014/main" id="{2ADC7D2F-F50B-9D6E-391C-EBD6801BA4E5}"/>
               </a:ext>
             </a:extLst>
           </p:cNvPr>
@@ -6635,7 +6235,18 @@
           <a:lstStyle/>
           <a:p>
             <a:r>
-              <a:rPr lang="nl-NL" sz="4000" b="1" kern="100">
+              <a:rPr lang="nl-NL" sz="3100" b="1" kern="100" dirty="0">
+                <a:solidFill>
+                  <a:srgbClr val="FFFFFF"/>
+                </a:solidFill>
+                <a:latin typeface="Aptos" panose="020B0004020202020204" pitchFamily="34" charset="0"/>
+                <a:ea typeface="Aptos" panose="020B0004020202020204" pitchFamily="34" charset="0"/>
+                <a:cs typeface="Times New Roman" panose="02020603050405020304" pitchFamily="18" charset="0"/>
+              </a:rPr>
+              <a:t>2</a:t>
+            </a:r>
+            <a:r>
+              <a:rPr lang="nl-NL" sz="3100" b="1" kern="100" dirty="0">
                 <a:solidFill>
                   <a:srgbClr val="FFFFFF"/>
                 </a:solidFill>
@@ -6644,10 +6255,10 @@
                 <a:ea typeface="Aptos" panose="020B0004020202020204" pitchFamily="34" charset="0"/>
                 <a:cs typeface="Times New Roman" panose="02020603050405020304" pitchFamily="18" charset="0"/>
               </a:rPr>
-              <a:t>1. Offerte aanvragen</a:t>
+              <a:t>. Als medewerker kunnen inloggen</a:t>
             </a:r>
             <a:br>
-              <a:rPr lang="en-US" sz="4000" kern="100">
+              <a:rPr lang="en-US" sz="3100" kern="100" dirty="0">
                 <a:solidFill>
                   <a:srgbClr val="FFFFFF"/>
                 </a:solidFill>
@@ -6657,7 +6268,7 @@
                 <a:cs typeface="Times New Roman" panose="02020603050405020304" pitchFamily="18" charset="0"/>
               </a:rPr>
             </a:br>
-            <a:endParaRPr lang="en-US" sz="4000">
+            <a:endParaRPr lang="en-US" sz="3100" dirty="0">
               <a:solidFill>
                 <a:srgbClr val="FFFFFF"/>
               </a:solidFill>
@@ -6667,7 +6278,7 @@
       </p:sp>
       <p:cxnSp>
         <p:nvCxnSpPr>
-          <p:cNvPr id="16" name="Straight Connector 15">
+          <p:cNvPr id="14" name="Straight Connector 13">
             <a:extLst>
               <a:ext uri="{FF2B5EF4-FFF2-40B4-BE49-F238E27FC236}">
                 <a16:creationId xmlns:a16="http://schemas.microsoft.com/office/drawing/2014/main" id="{E04A321A-A039-4720-87B4-66A4210E0D57}"/>
@@ -6722,7 +6333,7 @@
           <p:cNvPr id="3" name="Content Placeholder 2">
             <a:extLst>
               <a:ext uri="{FF2B5EF4-FFF2-40B4-BE49-F238E27FC236}">
-                <a16:creationId xmlns:a16="http://schemas.microsoft.com/office/drawing/2014/main" id="{25403ABF-C2D7-FAA7-BE55-4F1D2EF4D2A5}"/>
+                <a16:creationId xmlns:a16="http://schemas.microsoft.com/office/drawing/2014/main" id="{080AC1DC-E1BC-670A-D425-724FE0A45E62}"/>
               </a:ext>
             </a:extLst>
           </p:cNvPr>
@@ -6755,10 +6366,10 @@
       </p:sp>
       <p:pic>
         <p:nvPicPr>
-          <p:cNvPr id="7" name="Picture 6" descr="A screenshot of a computer&#10;&#10;Description automatically generated">
-            <a:extLst>
-              <a:ext uri="{FF2B5EF4-FFF2-40B4-BE49-F238E27FC236}">
-                <a16:creationId xmlns:a16="http://schemas.microsoft.com/office/drawing/2014/main" id="{6BA1F7CA-CD97-00BA-F529-F0AC95E06AF0}"/>
+          <p:cNvPr id="5" name="Picture 4">
+            <a:extLst>
+              <a:ext uri="{FF2B5EF4-FFF2-40B4-BE49-F238E27FC236}">
+                <a16:creationId xmlns:a16="http://schemas.microsoft.com/office/drawing/2014/main" id="{737DE9B0-C63C-F1F8-F83E-61677FE43ADC}"/>
               </a:ext>
             </a:extLst>
           </p:cNvPr>
@@ -6786,7 +6397,7 @@
     </p:spTree>
     <p:extLst>
       <p:ext uri="{BB962C8B-B14F-4D97-AF65-F5344CB8AC3E}">
-        <p14:creationId xmlns:p14="http://schemas.microsoft.com/office/powerpoint/2010/main" val="818496352"/>
+        <p14:creationId xmlns:p14="http://schemas.microsoft.com/office/powerpoint/2010/main" val="234813187"/>
       </p:ext>
     </p:extLst>
   </p:cSld>
@@ -6799,6 +6410,14 @@
 <file path=ppt/slides/slide5.xml><?xml version="1.0" encoding="utf-8"?>
 <p:sld xmlns:a="http://schemas.openxmlformats.org/drawingml/2006/main" xmlns:r="http://schemas.openxmlformats.org/officeDocument/2006/relationships" xmlns:p="http://schemas.openxmlformats.org/presentationml/2006/main">
   <p:cSld>
+    <p:bg>
+      <p:bgPr>
+        <a:solidFill>
+          <a:schemeClr val="bg1"/>
+        </a:solidFill>
+        <a:effectLst/>
+      </p:bgPr>
+    </p:bg>
     <p:spTree>
       <p:nvGrpSpPr>
         <p:cNvPr id="1" name=""/>
@@ -6813,12 +6432,134 @@
           <a:chExt cx="0" cy="0"/>
         </a:xfrm>
       </p:grpSpPr>
+      <p:sp useBgFill="1">
+        <p:nvSpPr>
+          <p:cNvPr id="10" name="Rectangle 9">
+            <a:extLst>
+              <a:ext uri="{FF2B5EF4-FFF2-40B4-BE49-F238E27FC236}">
+                <a16:creationId xmlns:a16="http://schemas.microsoft.com/office/drawing/2014/main" id="{0AB6E427-3F73-4C06-A5D5-AE52C3883B50}"/>
+              </a:ext>
+              <a:ext uri="{C183D7F6-B498-43B3-948B-1728B52AA6E4}">
+                <adec:decorative xmlns:adec="http://schemas.microsoft.com/office/drawing/2017/decorative" val="1"/>
+              </a:ext>
+            </a:extLst>
+          </p:cNvPr>
+          <p:cNvSpPr>
+            <a:spLocks noGrp="1" noRot="1" noChangeAspect="1" noMove="1" noResize="1" noEditPoints="1" noAdjustHandles="1" noChangeArrowheads="1" noChangeShapeType="1" noTextEdit="1"/>
+          </p:cNvSpPr>
+          <p:nvPr>
+            <p:extLst>
+              <p:ext uri="{386F3935-93C4-4BCD-93E2-E3B085C9AB24}">
+                <p16:designElem xmlns:p16="http://schemas.microsoft.com/office/powerpoint/2015/main" val="1"/>
+              </p:ext>
+            </p:extLst>
+          </p:nvPr>
+        </p:nvSpPr>
+        <p:spPr>
+          <a:xfrm>
+            <a:off x="5685" y="0"/>
+            <a:ext cx="12186315" cy="6858000"/>
+          </a:xfrm>
+          <a:prstGeom prst="rect">
+            <a:avLst/>
+          </a:prstGeom>
+          <a:ln>
+            <a:noFill/>
+          </a:ln>
+        </p:spPr>
+        <p:style>
+          <a:lnRef idx="2">
+            <a:schemeClr val="accent6">
+              <a:shade val="50000"/>
+            </a:schemeClr>
+          </a:lnRef>
+          <a:fillRef idx="1001">
+            <a:schemeClr val="lt1"/>
+          </a:fillRef>
+          <a:effectRef idx="0">
+            <a:schemeClr val="accent6"/>
+          </a:effectRef>
+          <a:fontRef idx="minor">
+            <a:schemeClr val="lt1"/>
+          </a:fontRef>
+        </p:style>
+        <p:txBody>
+          <a:bodyPr rtlCol="0" anchor="ctr"/>
+          <a:lstStyle/>
+          <a:p>
+            <a:pPr algn="ctr"/>
+            <a:endParaRPr lang="en-US"/>
+          </a:p>
+        </p:txBody>
+      </p:sp>
+      <p:sp>
+        <p:nvSpPr>
+          <p:cNvPr id="12" name="Rectangle 11">
+            <a:extLst>
+              <a:ext uri="{FF2B5EF4-FFF2-40B4-BE49-F238E27FC236}">
+                <a16:creationId xmlns:a16="http://schemas.microsoft.com/office/drawing/2014/main" id="{D8C9BDAA-0390-4B39-9B5C-BC95E5120DA4}"/>
+              </a:ext>
+              <a:ext uri="{C183D7F6-B498-43B3-948B-1728B52AA6E4}">
+                <adec:decorative xmlns:adec="http://schemas.microsoft.com/office/drawing/2017/decorative" val="1"/>
+              </a:ext>
+            </a:extLst>
+          </p:cNvPr>
+          <p:cNvSpPr>
+            <a:spLocks noGrp="1" noRot="1" noChangeAspect="1" noMove="1" noResize="1" noEditPoints="1" noAdjustHandles="1" noChangeArrowheads="1" noChangeShapeType="1" noTextEdit="1"/>
+          </p:cNvSpPr>
+          <p:nvPr>
+            <p:extLst>
+              <p:ext uri="{386F3935-93C4-4BCD-93E2-E3B085C9AB24}">
+                <p16:designElem xmlns:p16="http://schemas.microsoft.com/office/powerpoint/2015/main" val="1"/>
+              </p:ext>
+            </p:extLst>
+          </p:nvPr>
+        </p:nvSpPr>
+        <p:spPr>
+          <a:xfrm>
+            <a:off x="16" y="0"/>
+            <a:ext cx="4059919" cy="6858000"/>
+          </a:xfrm>
+          <a:prstGeom prst="rect">
+            <a:avLst/>
+          </a:prstGeom>
+          <a:solidFill>
+            <a:srgbClr val="262626"/>
+          </a:solidFill>
+          <a:ln>
+            <a:noFill/>
+          </a:ln>
+        </p:spPr>
+        <p:style>
+          <a:lnRef idx="2">
+            <a:schemeClr val="accent1">
+              <a:shade val="50000"/>
+            </a:schemeClr>
+          </a:lnRef>
+          <a:fillRef idx="1">
+            <a:schemeClr val="accent1"/>
+          </a:fillRef>
+          <a:effectRef idx="0">
+            <a:schemeClr val="accent1"/>
+          </a:effectRef>
+          <a:fontRef idx="minor">
+            <a:schemeClr val="lt1"/>
+          </a:fontRef>
+        </p:style>
+        <p:txBody>
+          <a:bodyPr/>
+          <a:lstStyle/>
+          <a:p>
+            <a:endParaRPr lang="en-US"/>
+          </a:p>
+        </p:txBody>
+      </p:sp>
       <p:sp>
         <p:nvSpPr>
           <p:cNvPr id="2" name="Title 1">
             <a:extLst>
               <a:ext uri="{FF2B5EF4-FFF2-40B4-BE49-F238E27FC236}">
-                <a16:creationId xmlns:a16="http://schemas.microsoft.com/office/drawing/2014/main" id="{C9BAD9D5-122A-6117-9431-60DE475C6864}"/>
+                <a16:creationId xmlns:a16="http://schemas.microsoft.com/office/drawing/2014/main" id="{797ED34A-E0E5-65A2-09C9-0E7F0E1B4B72}"/>
               </a:ext>
             </a:extLst>
           </p:cNvPr>
@@ -6829,38 +6570,118 @@
             <p:ph type="title"/>
           </p:nvPr>
         </p:nvSpPr>
-        <p:spPr/>
-        <p:txBody>
-          <a:bodyPr/>
-          <a:lstStyle/>
-          <a:p>
-            <a:r>
-              <a:rPr lang="nl-NL" sz="1800" b="1" kern="100" dirty="0">
+        <p:spPr>
+          <a:xfrm>
+            <a:off x="492370" y="516836"/>
+            <a:ext cx="3084844" cy="1961086"/>
+          </a:xfrm>
+        </p:spPr>
+        <p:txBody>
+          <a:bodyPr>
+            <a:normAutofit/>
+          </a:bodyPr>
+          <a:lstStyle/>
+          <a:p>
+            <a:r>
+              <a:rPr lang="nl-NL" sz="2500" b="1" kern="100" dirty="0">
+                <a:solidFill>
+                  <a:srgbClr val="FFFFFF"/>
+                </a:solidFill>
+                <a:latin typeface="Aptos" panose="020B0004020202020204" pitchFamily="34" charset="0"/>
+                <a:ea typeface="Aptos" panose="020B0004020202020204" pitchFamily="34" charset="0"/>
+                <a:cs typeface="Times New Roman" panose="02020603050405020304" pitchFamily="18" charset="0"/>
+              </a:rPr>
+              <a:t>3</a:t>
+            </a:r>
+            <a:r>
+              <a:rPr lang="nl-NL" sz="2500" b="1" kern="100" dirty="0">
+                <a:solidFill>
+                  <a:srgbClr val="FFFFFF"/>
+                </a:solidFill>
                 <a:effectLst/>
                 <a:latin typeface="Aptos" panose="020B0004020202020204" pitchFamily="34" charset="0"/>
                 <a:ea typeface="Aptos" panose="020B0004020202020204" pitchFamily="34" charset="0"/>
                 <a:cs typeface="Times New Roman" panose="02020603050405020304" pitchFamily="18" charset="0"/>
               </a:rPr>
-              <a:t>2. Contactformulier bij aanvragen offerte</a:t>
+              <a:t>. Medewerker behoort tot rol: Finance, Sales, Inkoop of Maintenance</a:t>
             </a:r>
             <a:br>
-              <a:rPr lang="en-US" sz="1800" kern="100" dirty="0">
+              <a:rPr lang="en-US" sz="2500" kern="100" dirty="0">
+                <a:solidFill>
+                  <a:srgbClr val="FFFFFF"/>
+                </a:solidFill>
                 <a:effectLst/>
                 <a:latin typeface="Aptos" panose="020B0004020202020204" pitchFamily="34" charset="0"/>
                 <a:ea typeface="Aptos" panose="020B0004020202020204" pitchFamily="34" charset="0"/>
                 <a:cs typeface="Times New Roman" panose="02020603050405020304" pitchFamily="18" charset="0"/>
               </a:rPr>
             </a:br>
-            <a:endParaRPr lang="en-US" dirty="0"/>
-          </a:p>
-        </p:txBody>
-      </p:sp>
+            <a:endParaRPr lang="en-US" sz="2500" dirty="0">
+              <a:solidFill>
+                <a:srgbClr val="FFFFFF"/>
+              </a:solidFill>
+            </a:endParaRPr>
+          </a:p>
+        </p:txBody>
+      </p:sp>
+      <p:cxnSp>
+        <p:nvCxnSpPr>
+          <p:cNvPr id="14" name="Straight Connector 13">
+            <a:extLst>
+              <a:ext uri="{FF2B5EF4-FFF2-40B4-BE49-F238E27FC236}">
+                <a16:creationId xmlns:a16="http://schemas.microsoft.com/office/drawing/2014/main" id="{E04A321A-A039-4720-87B4-66A4210E0D57}"/>
+              </a:ext>
+              <a:ext uri="{C183D7F6-B498-43B3-948B-1728B52AA6E4}">
+                <adec:decorative xmlns:adec="http://schemas.microsoft.com/office/drawing/2017/decorative" val="1"/>
+              </a:ext>
+            </a:extLst>
+          </p:cNvPr>
+          <p:cNvCxnSpPr>
+            <a:cxnSpLocks noGrp="1" noRot="1" noChangeAspect="1" noMove="1" noResize="1" noEditPoints="1" noAdjustHandles="1" noChangeArrowheads="1" noChangeShapeType="1"/>
+          </p:cNvCxnSpPr>
+          <p:nvPr>
+            <p:extLst>
+              <p:ext uri="{386F3935-93C4-4BCD-93E2-E3B085C9AB24}">
+                <p16:designElem xmlns:p16="http://schemas.microsoft.com/office/powerpoint/2015/main" val="1"/>
+              </p:ext>
+            </p:extLst>
+          </p:nvPr>
+        </p:nvCxnSpPr>
+        <p:spPr>
+          <a:xfrm>
+            <a:off x="571752" y="2638787"/>
+            <a:ext cx="2743200" cy="0"/>
+          </a:xfrm>
+          <a:prstGeom prst="line">
+            <a:avLst/>
+          </a:prstGeom>
+          <a:ln w="19050">
+            <a:solidFill>
+              <a:schemeClr val="accent1"/>
+            </a:solidFill>
+          </a:ln>
+        </p:spPr>
+        <p:style>
+          <a:lnRef idx="1">
+            <a:schemeClr val="accent1"/>
+          </a:lnRef>
+          <a:fillRef idx="0">
+            <a:schemeClr val="accent1"/>
+          </a:fillRef>
+          <a:effectRef idx="0">
+            <a:schemeClr val="accent1"/>
+          </a:effectRef>
+          <a:fontRef idx="minor">
+            <a:schemeClr val="tx1"/>
+          </a:fontRef>
+        </p:style>
+      </p:cxnSp>
       <p:sp>
         <p:nvSpPr>
           <p:cNvPr id="3" name="Content Placeholder 2">
             <a:extLst>
               <a:ext uri="{FF2B5EF4-FFF2-40B4-BE49-F238E27FC236}">
-                <a16:creationId xmlns:a16="http://schemas.microsoft.com/office/drawing/2014/main" id="{C182ABDA-481A-76DB-A135-DA24E1A5EBBD}"/>
+                <a16:creationId xmlns:a16="http://schemas.microsoft.com/office/drawing/2014/main" id="{D9CFBEB3-1D7D-5C95-45F6-9A4D49843319}"/>
               </a:ext>
             </a:extLst>
           </p:cNvPr>
@@ -6871,19 +6692,60 @@
             <p:ph idx="1"/>
           </p:nvPr>
         </p:nvSpPr>
-        <p:spPr/>
-        <p:txBody>
-          <a:bodyPr/>
-          <a:lstStyle/>
-          <a:p>
-            <a:endParaRPr lang="en-US"/>
-          </a:p>
-        </p:txBody>
-      </p:sp>
+        <p:spPr>
+          <a:xfrm>
+            <a:off x="571752" y="2799654"/>
+            <a:ext cx="3005462" cy="3189665"/>
+          </a:xfrm>
+        </p:spPr>
+        <p:txBody>
+          <a:bodyPr>
+            <a:normAutofit/>
+          </a:bodyPr>
+          <a:lstStyle/>
+          <a:p>
+            <a:endParaRPr lang="en-US" sz="1800">
+              <a:solidFill>
+                <a:srgbClr val="FFFFFF"/>
+              </a:solidFill>
+            </a:endParaRPr>
+          </a:p>
+        </p:txBody>
+      </p:sp>
+      <p:pic>
+        <p:nvPicPr>
+          <p:cNvPr id="5" name="Picture 4">
+            <a:extLst>
+              <a:ext uri="{FF2B5EF4-FFF2-40B4-BE49-F238E27FC236}">
+                <a16:creationId xmlns:a16="http://schemas.microsoft.com/office/drawing/2014/main" id="{82438BEA-DB8D-1DB0-BA6A-1428CDAEB392}"/>
+              </a:ext>
+            </a:extLst>
+          </p:cNvPr>
+          <p:cNvPicPr>
+            <a:picLocks noChangeAspect="1"/>
+          </p:cNvPicPr>
+          <p:nvPr/>
+        </p:nvPicPr>
+        <p:blipFill>
+          <a:blip r:embed="rId2"/>
+          <a:stretch>
+            <a:fillRect/>
+          </a:stretch>
+        </p:blipFill>
+        <p:spPr>
+          <a:xfrm>
+            <a:off x="4742017" y="1517040"/>
+            <a:ext cx="6798082" cy="3823920"/>
+          </a:xfrm>
+          <a:prstGeom prst="rect">
+            <a:avLst/>
+          </a:prstGeom>
+        </p:spPr>
+      </p:pic>
     </p:spTree>
     <p:extLst>
       <p:ext uri="{BB962C8B-B14F-4D97-AF65-F5344CB8AC3E}">
-        <p14:creationId xmlns:p14="http://schemas.microsoft.com/office/powerpoint/2010/main" val="1757103257"/>
+        <p14:creationId xmlns:p14="http://schemas.microsoft.com/office/powerpoint/2010/main" val="4232305658"/>
       </p:ext>
     </p:extLst>
   </p:cSld>
@@ -7045,7 +6907,7 @@
           <p:cNvPr id="2" name="Title 1">
             <a:extLst>
               <a:ext uri="{FF2B5EF4-FFF2-40B4-BE49-F238E27FC236}">
-                <a16:creationId xmlns:a16="http://schemas.microsoft.com/office/drawing/2014/main" id="{2ADC7D2F-F50B-9D6E-391C-EBD6801BA4E5}"/>
+                <a16:creationId xmlns:a16="http://schemas.microsoft.com/office/drawing/2014/main" id="{A60B769C-9A22-E085-B79F-C39009BCDA84}"/>
               </a:ext>
             </a:extLst>
           </p:cNvPr>
@@ -7069,7 +6931,18 @@
           <a:lstStyle/>
           <a:p>
             <a:r>
-              <a:rPr lang="nl-NL" sz="3100" b="1" kern="100">
+              <a:rPr lang="nl-NL" sz="3400" b="1" kern="100" dirty="0">
+                <a:solidFill>
+                  <a:srgbClr val="FFFFFF"/>
+                </a:solidFill>
+                <a:latin typeface="Aptos" panose="020B0004020202020204" pitchFamily="34" charset="0"/>
+                <a:ea typeface="Aptos" panose="020B0004020202020204" pitchFamily="34" charset="0"/>
+                <a:cs typeface="Times New Roman" panose="02020603050405020304" pitchFamily="18" charset="0"/>
+              </a:rPr>
+              <a:t>4</a:t>
+            </a:r>
+            <a:r>
+              <a:rPr lang="nl-NL" sz="3400" b="1" kern="100" dirty="0">
                 <a:solidFill>
                   <a:srgbClr val="FFFFFF"/>
                 </a:solidFill>
@@ -7078,10 +6951,10 @@
                 <a:ea typeface="Aptos" panose="020B0004020202020204" pitchFamily="34" charset="0"/>
                 <a:cs typeface="Times New Roman" panose="02020603050405020304" pitchFamily="18" charset="0"/>
               </a:rPr>
-              <a:t>3. Als medewerker kunnen inloggen</a:t>
+              <a:t>. Apart dashboard voor iedere rol</a:t>
             </a:r>
             <a:br>
-              <a:rPr lang="en-US" sz="3100" kern="100">
+              <a:rPr lang="en-US" sz="3400" kern="100" dirty="0">
                 <a:solidFill>
                   <a:srgbClr val="FFFFFF"/>
                 </a:solidFill>
@@ -7091,7 +6964,7 @@
                 <a:cs typeface="Times New Roman" panose="02020603050405020304" pitchFamily="18" charset="0"/>
               </a:rPr>
             </a:br>
-            <a:endParaRPr lang="en-US" sz="3100">
+            <a:endParaRPr lang="en-US" sz="3400" dirty="0">
               <a:solidFill>
                 <a:srgbClr val="FFFFFF"/>
               </a:solidFill>
@@ -7156,7 +7029,7 @@
           <p:cNvPr id="3" name="Content Placeholder 2">
             <a:extLst>
               <a:ext uri="{FF2B5EF4-FFF2-40B4-BE49-F238E27FC236}">
-                <a16:creationId xmlns:a16="http://schemas.microsoft.com/office/drawing/2014/main" id="{080AC1DC-E1BC-670A-D425-724FE0A45E62}"/>
+                <a16:creationId xmlns:a16="http://schemas.microsoft.com/office/drawing/2014/main" id="{4D007589-8405-D4BD-3A9F-EC4C2AE5FB4E}"/>
               </a:ext>
             </a:extLst>
           </p:cNvPr>
@@ -7189,10 +7062,10 @@
       </p:sp>
       <p:pic>
         <p:nvPicPr>
-          <p:cNvPr id="5" name="Picture 4">
-            <a:extLst>
-              <a:ext uri="{FF2B5EF4-FFF2-40B4-BE49-F238E27FC236}">
-                <a16:creationId xmlns:a16="http://schemas.microsoft.com/office/drawing/2014/main" id="{737DE9B0-C63C-F1F8-F83E-61677FE43ADC}"/>
+          <p:cNvPr id="5" name="Picture 4" descr="A screenshot of a computer&#10;&#10;Description automatically generated">
+            <a:extLst>
+              <a:ext uri="{FF2B5EF4-FFF2-40B4-BE49-F238E27FC236}">
+                <a16:creationId xmlns:a16="http://schemas.microsoft.com/office/drawing/2014/main" id="{93926A20-EBBA-C4D8-5514-11B11D480908}"/>
               </a:ext>
             </a:extLst>
           </p:cNvPr>
@@ -7220,7 +7093,7 @@
     </p:spTree>
     <p:extLst>
       <p:ext uri="{BB962C8B-B14F-4D97-AF65-F5344CB8AC3E}">
-        <p14:creationId xmlns:p14="http://schemas.microsoft.com/office/powerpoint/2010/main" val="234813187"/>
+        <p14:creationId xmlns:p14="http://schemas.microsoft.com/office/powerpoint/2010/main" val="1064915409"/>
       </p:ext>
     </p:extLst>
   </p:cSld>
@@ -7257,7 +7130,7 @@
       </p:grpSpPr>
       <p:sp useBgFill="1">
         <p:nvSpPr>
-          <p:cNvPr id="10" name="Rectangle 9">
+          <p:cNvPr id="9" name="Rectangle 8">
             <a:extLst>
               <a:ext uri="{FF2B5EF4-FFF2-40B4-BE49-F238E27FC236}">
                 <a16:creationId xmlns:a16="http://schemas.microsoft.com/office/drawing/2014/main" id="{0AB6E427-3F73-4C06-A5D5-AE52C3883B50}"/>
@@ -7317,7 +7190,7 @@
       </p:sp>
       <p:sp>
         <p:nvSpPr>
-          <p:cNvPr id="12" name="Rectangle 11">
+          <p:cNvPr id="11" name="Rectangle 10">
             <a:extLst>
               <a:ext uri="{FF2B5EF4-FFF2-40B4-BE49-F238E27FC236}">
                 <a16:creationId xmlns:a16="http://schemas.microsoft.com/office/drawing/2014/main" id="{D8C9BDAA-0390-4B39-9B5C-BC95E5120DA4}"/>
@@ -7382,7 +7255,7 @@
           <p:cNvPr id="2" name="Title 1">
             <a:extLst>
               <a:ext uri="{FF2B5EF4-FFF2-40B4-BE49-F238E27FC236}">
-                <a16:creationId xmlns:a16="http://schemas.microsoft.com/office/drawing/2014/main" id="{797ED34A-E0E5-65A2-09C9-0E7F0E1B4B72}"/>
+                <a16:creationId xmlns:a16="http://schemas.microsoft.com/office/drawing/2014/main" id="{1C16C57C-F408-5439-6210-9C97F235221E}"/>
               </a:ext>
             </a:extLst>
           </p:cNvPr>
@@ -7406,7 +7279,18 @@
           <a:lstStyle/>
           <a:p>
             <a:r>
-              <a:rPr lang="nl-NL" sz="2500" b="1" kern="100">
+              <a:rPr lang="nl-NL" sz="2800" b="1" kern="100" dirty="0">
+                <a:solidFill>
+                  <a:srgbClr val="FFFFFF"/>
+                </a:solidFill>
+                <a:latin typeface="Aptos" panose="020B0004020202020204" pitchFamily="34" charset="0"/>
+                <a:ea typeface="Aptos" panose="020B0004020202020204" pitchFamily="34" charset="0"/>
+                <a:cs typeface="Times New Roman" panose="02020603050405020304" pitchFamily="18" charset="0"/>
+              </a:rPr>
+              <a:t>5</a:t>
+            </a:r>
+            <a:r>
+              <a:rPr lang="nl-NL" sz="2800" b="1" kern="100" dirty="0">
                 <a:solidFill>
                   <a:srgbClr val="FFFFFF"/>
                 </a:solidFill>
@@ -7415,10 +7299,10 @@
                 <a:ea typeface="Aptos" panose="020B0004020202020204" pitchFamily="34" charset="0"/>
                 <a:cs typeface="Times New Roman" panose="02020603050405020304" pitchFamily="18" charset="0"/>
               </a:rPr>
-              <a:t>4. Medewerker behoort tot rol: Finance, Sales, Inkoop of Maintenance</a:t>
+              <a:t>. Als medewerker kom ik meteen op het juiste dashboard</a:t>
             </a:r>
             <a:br>
-              <a:rPr lang="en-US" sz="2500" kern="100">
+              <a:rPr lang="en-US" sz="2800" kern="100" dirty="0">
                 <a:solidFill>
                   <a:srgbClr val="FFFFFF"/>
                 </a:solidFill>
@@ -7428,7 +7312,7 @@
                 <a:cs typeface="Times New Roman" panose="02020603050405020304" pitchFamily="18" charset="0"/>
               </a:rPr>
             </a:br>
-            <a:endParaRPr lang="en-US" sz="2500">
+            <a:endParaRPr lang="en-US" sz="2800" dirty="0">
               <a:solidFill>
                 <a:srgbClr val="FFFFFF"/>
               </a:solidFill>
@@ -7438,7 +7322,7 @@
       </p:sp>
       <p:cxnSp>
         <p:nvCxnSpPr>
-          <p:cNvPr id="14" name="Straight Connector 13">
+          <p:cNvPr id="13" name="Straight Connector 12">
             <a:extLst>
               <a:ext uri="{FF2B5EF4-FFF2-40B4-BE49-F238E27FC236}">
                 <a16:creationId xmlns:a16="http://schemas.microsoft.com/office/drawing/2014/main" id="{E04A321A-A039-4720-87B4-66A4210E0D57}"/>
@@ -7493,7 +7377,7 @@
           <p:cNvPr id="3" name="Content Placeholder 2">
             <a:extLst>
               <a:ext uri="{FF2B5EF4-FFF2-40B4-BE49-F238E27FC236}">
-                <a16:creationId xmlns:a16="http://schemas.microsoft.com/office/drawing/2014/main" id="{D9CFBEB3-1D7D-5C95-45F6-9A4D49843319}"/>
+                <a16:creationId xmlns:a16="http://schemas.microsoft.com/office/drawing/2014/main" id="{6EEE3B73-B2E3-6F7E-734A-B1493739E3BF}"/>
               </a:ext>
             </a:extLst>
           </p:cNvPr>
@@ -7526,10 +7410,10 @@
       </p:sp>
       <p:pic>
         <p:nvPicPr>
-          <p:cNvPr id="5" name="Picture 4">
-            <a:extLst>
-              <a:ext uri="{FF2B5EF4-FFF2-40B4-BE49-F238E27FC236}">
-                <a16:creationId xmlns:a16="http://schemas.microsoft.com/office/drawing/2014/main" id="{82438BEA-DB8D-1DB0-BA6A-1428CDAEB392}"/>
+          <p:cNvPr id="4" name="Picture 3" descr="A screenshot of a computer&#10;&#10;Description automatically generated">
+            <a:extLst>
+              <a:ext uri="{FF2B5EF4-FFF2-40B4-BE49-F238E27FC236}">
+                <a16:creationId xmlns:a16="http://schemas.microsoft.com/office/drawing/2014/main" id="{B7BCA513-6FFB-BEA1-3FC5-FC3F8109513C}"/>
               </a:ext>
             </a:extLst>
           </p:cNvPr>
@@ -7557,7 +7441,7 @@
     </p:spTree>
     <p:extLst>
       <p:ext uri="{BB962C8B-B14F-4D97-AF65-F5344CB8AC3E}">
-        <p14:creationId xmlns:p14="http://schemas.microsoft.com/office/powerpoint/2010/main" val="4232305658"/>
+        <p14:creationId xmlns:p14="http://schemas.microsoft.com/office/powerpoint/2010/main" val="2035452965"/>
       </p:ext>
     </p:extLst>
   </p:cSld>
@@ -7719,7 +7603,7 @@
           <p:cNvPr id="2" name="Title 1">
             <a:extLst>
               <a:ext uri="{FF2B5EF4-FFF2-40B4-BE49-F238E27FC236}">
-                <a16:creationId xmlns:a16="http://schemas.microsoft.com/office/drawing/2014/main" id="{A60B769C-9A22-E085-B79F-C39009BCDA84}"/>
+                <a16:creationId xmlns:a16="http://schemas.microsoft.com/office/drawing/2014/main" id="{DFFDFBF5-02C3-5450-7DBD-DEEBECE81A69}"/>
               </a:ext>
             </a:extLst>
           </p:cNvPr>
@@ -7743,7 +7627,18 @@
           <a:lstStyle/>
           <a:p>
             <a:r>
-              <a:rPr lang="nl-NL" sz="3400" b="1" kern="100">
+              <a:rPr lang="nl-NL" sz="2500" b="1" kern="100" dirty="0">
+                <a:solidFill>
+                  <a:srgbClr val="FFFFFF"/>
+                </a:solidFill>
+                <a:latin typeface="Aptos" panose="020B0004020202020204" pitchFamily="34" charset="0"/>
+                <a:ea typeface="Aptos" panose="020B0004020202020204" pitchFamily="34" charset="0"/>
+                <a:cs typeface="Times New Roman" panose="02020603050405020304" pitchFamily="18" charset="0"/>
+              </a:rPr>
+              <a:t>6</a:t>
+            </a:r>
+            <a:r>
+              <a:rPr lang="nl-NL" sz="2500" b="1" kern="100" dirty="0">
                 <a:solidFill>
                   <a:srgbClr val="FFFFFF"/>
                 </a:solidFill>
@@ -7752,10 +7647,10 @@
                 <a:ea typeface="Aptos" panose="020B0004020202020204" pitchFamily="34" charset="0"/>
                 <a:cs typeface="Times New Roman" panose="02020603050405020304" pitchFamily="18" charset="0"/>
               </a:rPr>
-              <a:t>5. Apart dashboard voor iedere rol</a:t>
+              <a:t>. Kunnen aanvinken of bedrijf door handmatige BKR-check is gekomen</a:t>
             </a:r>
             <a:br>
-              <a:rPr lang="en-US" sz="3400" kern="100">
+              <a:rPr lang="en-US" sz="2500" kern="100" dirty="0">
                 <a:solidFill>
                   <a:srgbClr val="FFFFFF"/>
                 </a:solidFill>
@@ -7765,7 +7660,7 @@
                 <a:cs typeface="Times New Roman" panose="02020603050405020304" pitchFamily="18" charset="0"/>
               </a:rPr>
             </a:br>
-            <a:endParaRPr lang="en-US" sz="3400">
+            <a:endParaRPr lang="en-US" sz="2500" dirty="0">
               <a:solidFill>
                 <a:srgbClr val="FFFFFF"/>
               </a:solidFill>
@@ -7830,7 +7725,7 @@
           <p:cNvPr id="3" name="Content Placeholder 2">
             <a:extLst>
               <a:ext uri="{FF2B5EF4-FFF2-40B4-BE49-F238E27FC236}">
-                <a16:creationId xmlns:a16="http://schemas.microsoft.com/office/drawing/2014/main" id="{4D007589-8405-D4BD-3A9F-EC4C2AE5FB4E}"/>
+                <a16:creationId xmlns:a16="http://schemas.microsoft.com/office/drawing/2014/main" id="{48085F9A-F632-FDBC-9B15-2557AFA8290B}"/>
               </a:ext>
             </a:extLst>
           </p:cNvPr>
@@ -7863,10 +7758,10 @@
       </p:sp>
       <p:pic>
         <p:nvPicPr>
-          <p:cNvPr id="5" name="Picture 4" descr="A screenshot of a computer&#10;&#10;Description automatically generated">
-            <a:extLst>
-              <a:ext uri="{FF2B5EF4-FFF2-40B4-BE49-F238E27FC236}">
-                <a16:creationId xmlns:a16="http://schemas.microsoft.com/office/drawing/2014/main" id="{93926A20-EBBA-C4D8-5514-11B11D480908}"/>
+          <p:cNvPr id="5" name="Picture 4">
+            <a:extLst>
+              <a:ext uri="{FF2B5EF4-FFF2-40B4-BE49-F238E27FC236}">
+                <a16:creationId xmlns:a16="http://schemas.microsoft.com/office/drawing/2014/main" id="{3F03B1A6-AA7F-D6CE-BDDF-F5D02D98D46D}"/>
               </a:ext>
             </a:extLst>
           </p:cNvPr>
@@ -7894,7 +7789,7 @@
     </p:spTree>
     <p:extLst>
       <p:ext uri="{BB962C8B-B14F-4D97-AF65-F5344CB8AC3E}">
-        <p14:creationId xmlns:p14="http://schemas.microsoft.com/office/powerpoint/2010/main" val="1064915409"/>
+        <p14:creationId xmlns:p14="http://schemas.microsoft.com/office/powerpoint/2010/main" val="3820510323"/>
       </p:ext>
     </p:extLst>
   </p:cSld>
@@ -7931,7 +7826,7 @@
       </p:grpSpPr>
       <p:sp useBgFill="1">
         <p:nvSpPr>
-          <p:cNvPr id="9" name="Rectangle 8">
+          <p:cNvPr id="10" name="Rectangle 9">
             <a:extLst>
               <a:ext uri="{FF2B5EF4-FFF2-40B4-BE49-F238E27FC236}">
                 <a16:creationId xmlns:a16="http://schemas.microsoft.com/office/drawing/2014/main" id="{0AB6E427-3F73-4C06-A5D5-AE52C3883B50}"/>
@@ -7991,7 +7886,7 @@
       </p:sp>
       <p:sp>
         <p:nvSpPr>
-          <p:cNvPr id="11" name="Rectangle 10">
+          <p:cNvPr id="12" name="Rectangle 11">
             <a:extLst>
               <a:ext uri="{FF2B5EF4-FFF2-40B4-BE49-F238E27FC236}">
                 <a16:creationId xmlns:a16="http://schemas.microsoft.com/office/drawing/2014/main" id="{D8C9BDAA-0390-4B39-9B5C-BC95E5120DA4}"/>
@@ -8056,7 +7951,7 @@
           <p:cNvPr id="2" name="Title 1">
             <a:extLst>
               <a:ext uri="{FF2B5EF4-FFF2-40B4-BE49-F238E27FC236}">
-                <a16:creationId xmlns:a16="http://schemas.microsoft.com/office/drawing/2014/main" id="{1C16C57C-F408-5439-6210-9C97F235221E}"/>
+                <a16:creationId xmlns:a16="http://schemas.microsoft.com/office/drawing/2014/main" id="{D124DDAA-6A74-7BEB-431A-1497A7880AFC}"/>
               </a:ext>
             </a:extLst>
           </p:cNvPr>
@@ -8080,7 +7975,18 @@
           <a:lstStyle/>
           <a:p>
             <a:r>
-              <a:rPr lang="nl-NL" sz="2800" b="1" kern="100">
+              <a:rPr lang="nl-NL" sz="2500" b="1" kern="100" dirty="0">
+                <a:solidFill>
+                  <a:srgbClr val="FFFFFF"/>
+                </a:solidFill>
+                <a:latin typeface="Aptos" panose="020B0004020202020204" pitchFamily="34" charset="0"/>
+                <a:ea typeface="Aptos" panose="020B0004020202020204" pitchFamily="34" charset="0"/>
+                <a:cs typeface="Times New Roman" panose="02020603050405020304" pitchFamily="18" charset="0"/>
+              </a:rPr>
+              <a:t>7</a:t>
+            </a:r>
+            <a:r>
+              <a:rPr lang="nl-NL" sz="2500" b="1" kern="100" dirty="0">
                 <a:solidFill>
                   <a:srgbClr val="FFFFFF"/>
                 </a:solidFill>
@@ -8089,10 +7995,10 @@
                 <a:ea typeface="Aptos" panose="020B0004020202020204" pitchFamily="34" charset="0"/>
                 <a:cs typeface="Times New Roman" panose="02020603050405020304" pitchFamily="18" charset="0"/>
               </a:rPr>
-              <a:t>6. Als medewerker kom ik meteen op het juiste dashboard</a:t>
+              <a:t>. Sales moet aantekeningen en afspraken kunnen vastleggen bij klant</a:t>
             </a:r>
             <a:br>
-              <a:rPr lang="en-US" sz="2800" kern="100">
+              <a:rPr lang="en-US" sz="2500" kern="100" dirty="0">
                 <a:solidFill>
                   <a:srgbClr val="FFFFFF"/>
                 </a:solidFill>
@@ -8102,7 +8008,7 @@
                 <a:cs typeface="Times New Roman" panose="02020603050405020304" pitchFamily="18" charset="0"/>
               </a:rPr>
             </a:br>
-            <a:endParaRPr lang="en-US" sz="2800">
+            <a:endParaRPr lang="en-US" sz="2500" dirty="0">
               <a:solidFill>
                 <a:srgbClr val="FFFFFF"/>
               </a:solidFill>
@@ -8112,7 +8018,7 @@
       </p:sp>
       <p:cxnSp>
         <p:nvCxnSpPr>
-          <p:cNvPr id="13" name="Straight Connector 12">
+          <p:cNvPr id="14" name="Straight Connector 13">
             <a:extLst>
               <a:ext uri="{FF2B5EF4-FFF2-40B4-BE49-F238E27FC236}">
                 <a16:creationId xmlns:a16="http://schemas.microsoft.com/office/drawing/2014/main" id="{E04A321A-A039-4720-87B4-66A4210E0D57}"/>
@@ -8167,7 +8073,7 @@
           <p:cNvPr id="3" name="Content Placeholder 2">
             <a:extLst>
               <a:ext uri="{FF2B5EF4-FFF2-40B4-BE49-F238E27FC236}">
-                <a16:creationId xmlns:a16="http://schemas.microsoft.com/office/drawing/2014/main" id="{6EEE3B73-B2E3-6F7E-734A-B1493739E3BF}"/>
+                <a16:creationId xmlns:a16="http://schemas.microsoft.com/office/drawing/2014/main" id="{1D5C4AE3-8E90-F442-C46F-343B2EBA334B}"/>
               </a:ext>
             </a:extLst>
           </p:cNvPr>
@@ -8200,10 +8106,10 @@
       </p:sp>
       <p:pic>
         <p:nvPicPr>
-          <p:cNvPr id="4" name="Picture 3" descr="A screenshot of a computer&#10;&#10;Description automatically generated">
-            <a:extLst>
-              <a:ext uri="{FF2B5EF4-FFF2-40B4-BE49-F238E27FC236}">
-                <a16:creationId xmlns:a16="http://schemas.microsoft.com/office/drawing/2014/main" id="{B7BCA513-6FFB-BEA1-3FC5-FC3F8109513C}"/>
+          <p:cNvPr id="5" name="Picture 4">
+            <a:extLst>
+              <a:ext uri="{FF2B5EF4-FFF2-40B4-BE49-F238E27FC236}">
+                <a16:creationId xmlns:a16="http://schemas.microsoft.com/office/drawing/2014/main" id="{77523966-C793-EF73-C925-F809BB560E47}"/>
               </a:ext>
             </a:extLst>
           </p:cNvPr>
@@ -8231,7 +8137,7 @@
     </p:spTree>
     <p:extLst>
       <p:ext uri="{BB962C8B-B14F-4D97-AF65-F5344CB8AC3E}">
-        <p14:creationId xmlns:p14="http://schemas.microsoft.com/office/powerpoint/2010/main" val="2035452965"/>
+        <p14:creationId xmlns:p14="http://schemas.microsoft.com/office/powerpoint/2010/main" val="4071055092"/>
       </p:ext>
     </p:extLst>
   </p:cSld>

--- a/Barroc Intens.pptx
+++ b/Barroc Intens.pptx
@@ -7,15 +7,15 @@
   <p:sldIdLst>
     <p:sldId id="256" r:id="rId2"/>
     <p:sldId id="270" r:id="rId3"/>
-    <p:sldId id="257" r:id="rId4"/>
-    <p:sldId id="259" r:id="rId5"/>
-    <p:sldId id="260" r:id="rId6"/>
-    <p:sldId id="261" r:id="rId7"/>
-    <p:sldId id="262" r:id="rId8"/>
-    <p:sldId id="264" r:id="rId9"/>
+    <p:sldId id="259" r:id="rId4"/>
+    <p:sldId id="260" r:id="rId5"/>
+    <p:sldId id="261" r:id="rId6"/>
+    <p:sldId id="262" r:id="rId7"/>
+    <p:sldId id="266" r:id="rId8"/>
+    <p:sldId id="257" r:id="rId9"/>
     <p:sldId id="265" r:id="rId10"/>
-    <p:sldId id="266" r:id="rId11"/>
-    <p:sldId id="267" r:id="rId12"/>
+    <p:sldId id="267" r:id="rId11"/>
+    <p:sldId id="264" r:id="rId12"/>
     <p:sldId id="273" r:id="rId13"/>
     <p:sldId id="272" r:id="rId14"/>
   </p:sldIdLst>
@@ -4213,7 +4213,7 @@
           <p:cNvPr id="2" name="Title 1">
             <a:extLst>
               <a:ext uri="{FF2B5EF4-FFF2-40B4-BE49-F238E27FC236}">
-                <a16:creationId xmlns:a16="http://schemas.microsoft.com/office/drawing/2014/main" id="{BD5CD92C-C51B-208F-9F97-9E21E14B5157}"/>
+                <a16:creationId xmlns:a16="http://schemas.microsoft.com/office/drawing/2014/main" id="{8EADB3E4-E14D-4C7C-0A95-B6A667CAF8FD}"/>
               </a:ext>
             </a:extLst>
           </p:cNvPr>
@@ -4237,7 +4237,18 @@
           <a:lstStyle/>
           <a:p>
             <a:r>
-              <a:rPr lang="nl-NL" sz="2500" b="1" kern="100" dirty="0">
+              <a:rPr lang="nl-NL" sz="2200" b="1" kern="100" dirty="0">
+                <a:solidFill>
+                  <a:srgbClr val="FFFFFF"/>
+                </a:solidFill>
+                <a:latin typeface="Aptos" panose="020B0004020202020204" pitchFamily="34" charset="0"/>
+                <a:ea typeface="Aptos" panose="020B0004020202020204" pitchFamily="34" charset="0"/>
+                <a:cs typeface="Times New Roman" panose="02020603050405020304" pitchFamily="18" charset="0"/>
+              </a:rPr>
+              <a:t>8</a:t>
+            </a:r>
+            <a:r>
+              <a:rPr lang="nl-NL" sz="2200" b="1" kern="100" dirty="0">
                 <a:solidFill>
                   <a:srgbClr val="FFFFFF"/>
                 </a:solidFill>
@@ -4246,10 +4257,10 @@
                 <a:ea typeface="Aptos" panose="020B0004020202020204" pitchFamily="34" charset="0"/>
                 <a:cs typeface="Times New Roman" panose="02020603050405020304" pitchFamily="18" charset="0"/>
               </a:rPr>
-              <a:t>8. Inkoop moet producten kunnen aanmaken, bewerken en verwijderen</a:t>
+              <a:t>. Hoofdmedewerker van Maintenance moet ingekomen storingsaanvragen kunnen bekijken</a:t>
             </a:r>
             <a:br>
-              <a:rPr lang="en-US" sz="2500" kern="100" dirty="0">
+              <a:rPr lang="en-US" sz="2200" kern="100" dirty="0">
                 <a:solidFill>
                   <a:srgbClr val="FFFFFF"/>
                 </a:solidFill>
@@ -4259,7 +4270,7 @@
                 <a:cs typeface="Times New Roman" panose="02020603050405020304" pitchFamily="18" charset="0"/>
               </a:rPr>
             </a:br>
-            <a:endParaRPr lang="en-US" sz="2500" dirty="0">
+            <a:endParaRPr lang="en-US" sz="2200" dirty="0">
               <a:solidFill>
                 <a:srgbClr val="FFFFFF"/>
               </a:solidFill>
@@ -4324,7 +4335,7 @@
           <p:cNvPr id="3" name="Content Placeholder 2">
             <a:extLst>
               <a:ext uri="{FF2B5EF4-FFF2-40B4-BE49-F238E27FC236}">
-                <a16:creationId xmlns:a16="http://schemas.microsoft.com/office/drawing/2014/main" id="{32C5507B-1BB1-8AE9-3EB5-C770548E1B24}"/>
+                <a16:creationId xmlns:a16="http://schemas.microsoft.com/office/drawing/2014/main" id="{1EE91954-2641-C5D5-26B5-5CD73D9BBC02}"/>
               </a:ext>
             </a:extLst>
           </p:cNvPr>
@@ -4360,7 +4371,7 @@
           <p:cNvPr id="5" name="Picture 4">
             <a:extLst>
               <a:ext uri="{FF2B5EF4-FFF2-40B4-BE49-F238E27FC236}">
-                <a16:creationId xmlns:a16="http://schemas.microsoft.com/office/drawing/2014/main" id="{71E89196-0AEB-D0DA-3049-CE323C9C322D}"/>
+                <a16:creationId xmlns:a16="http://schemas.microsoft.com/office/drawing/2014/main" id="{59A3A8EC-55F1-81A0-ABC2-110BC25D08C8}"/>
               </a:ext>
             </a:extLst>
           </p:cNvPr>
@@ -4388,7 +4399,7 @@
     </p:spTree>
     <p:extLst>
       <p:ext uri="{BB962C8B-B14F-4D97-AF65-F5344CB8AC3E}">
-        <p14:creationId xmlns:p14="http://schemas.microsoft.com/office/powerpoint/2010/main" val="2571641973"/>
+        <p14:creationId xmlns:p14="http://schemas.microsoft.com/office/powerpoint/2010/main" val="403355547"/>
       </p:ext>
     </p:extLst>
   </p:cSld>
@@ -4550,7 +4561,7 @@
           <p:cNvPr id="2" name="Title 1">
             <a:extLst>
               <a:ext uri="{FF2B5EF4-FFF2-40B4-BE49-F238E27FC236}">
-                <a16:creationId xmlns:a16="http://schemas.microsoft.com/office/drawing/2014/main" id="{8EADB3E4-E14D-4C7C-0A95-B6A667CAF8FD}"/>
+                <a16:creationId xmlns:a16="http://schemas.microsoft.com/office/drawing/2014/main" id="{DFFDFBF5-02C3-5450-7DBD-DEEBECE81A69}"/>
               </a:ext>
             </a:extLst>
           </p:cNvPr>
@@ -4574,7 +4585,7 @@
           <a:lstStyle/>
           <a:p>
             <a:r>
-              <a:rPr lang="nl-NL" sz="2200" b="1" kern="100" dirty="0">
+              <a:rPr lang="nl-NL" sz="2500" b="1" kern="100" dirty="0">
                 <a:solidFill>
                   <a:srgbClr val="FFFFFF"/>
                 </a:solidFill>
@@ -4583,10 +4594,10 @@
                 <a:ea typeface="Aptos" panose="020B0004020202020204" pitchFamily="34" charset="0"/>
                 <a:cs typeface="Times New Roman" panose="02020603050405020304" pitchFamily="18" charset="0"/>
               </a:rPr>
-              <a:t>9. Hoofdmedewerker van Maintenance moet ingekomen storingsaanvragen kunnen bekijken</a:t>
+              <a:t>9. Kunnen aanvinken of bedrijf door handmatige BKR-check is gekomen</a:t>
             </a:r>
             <a:br>
-              <a:rPr lang="en-US" sz="2200" kern="100" dirty="0">
+              <a:rPr lang="en-US" sz="2500" kern="100" dirty="0">
                 <a:solidFill>
                   <a:srgbClr val="FFFFFF"/>
                 </a:solidFill>
@@ -4596,7 +4607,7 @@
                 <a:cs typeface="Times New Roman" panose="02020603050405020304" pitchFamily="18" charset="0"/>
               </a:rPr>
             </a:br>
-            <a:endParaRPr lang="en-US" sz="2200" dirty="0">
+            <a:endParaRPr lang="en-US" sz="2500" dirty="0">
               <a:solidFill>
                 <a:srgbClr val="FFFFFF"/>
               </a:solidFill>
@@ -4661,7 +4672,7 @@
           <p:cNvPr id="3" name="Content Placeholder 2">
             <a:extLst>
               <a:ext uri="{FF2B5EF4-FFF2-40B4-BE49-F238E27FC236}">
-                <a16:creationId xmlns:a16="http://schemas.microsoft.com/office/drawing/2014/main" id="{1EE91954-2641-C5D5-26B5-5CD73D9BBC02}"/>
+                <a16:creationId xmlns:a16="http://schemas.microsoft.com/office/drawing/2014/main" id="{48085F9A-F632-FDBC-9B15-2557AFA8290B}"/>
               </a:ext>
             </a:extLst>
           </p:cNvPr>
@@ -4697,7 +4708,7 @@
           <p:cNvPr id="5" name="Picture 4">
             <a:extLst>
               <a:ext uri="{FF2B5EF4-FFF2-40B4-BE49-F238E27FC236}">
-                <a16:creationId xmlns:a16="http://schemas.microsoft.com/office/drawing/2014/main" id="{59A3A8EC-55F1-81A0-ABC2-110BC25D08C8}"/>
+                <a16:creationId xmlns:a16="http://schemas.microsoft.com/office/drawing/2014/main" id="{3F03B1A6-AA7F-D6CE-BDDF-F5D02D98D46D}"/>
               </a:ext>
             </a:extLst>
           </p:cNvPr>
@@ -4725,7 +4736,7 @@
     </p:spTree>
     <p:extLst>
       <p:ext uri="{BB962C8B-B14F-4D97-AF65-F5344CB8AC3E}">
-        <p14:creationId xmlns:p14="http://schemas.microsoft.com/office/powerpoint/2010/main" val="403355547"/>
+        <p14:creationId xmlns:p14="http://schemas.microsoft.com/office/powerpoint/2010/main" val="3820510323"/>
       </p:ext>
     </p:extLst>
   </p:cSld>
@@ -5623,7 +5634,7 @@
             </a:pPr>
             <a:r>
               <a:rPr lang="nl-NL" sz="1400" dirty="0"/>
-              <a:t>1: Offerte aanvragen </a:t>
+              <a:t>1: Als medewerker kunnen inloggen</a:t>
             </a:r>
           </a:p>
           <a:p>
@@ -5632,7 +5643,7 @@
             </a:pPr>
             <a:r>
               <a:rPr lang="nl-NL" sz="1400" dirty="0"/>
-              <a:t>2: Als medewerker kunnen inloggen</a:t>
+              <a:t>2: Medewerker behoort tot rol: Finance, Sales, Inkoop of Maintenance</a:t>
             </a:r>
           </a:p>
           <a:p>
@@ -5641,7 +5652,7 @@
             </a:pPr>
             <a:r>
               <a:rPr lang="nl-NL" sz="1400" dirty="0"/>
-              <a:t>3: Medewerker behoort tot rol: Finance, Sales, Inkoop of Maintenance</a:t>
+              <a:t>3: Apart dashboard voor iedere rol</a:t>
             </a:r>
           </a:p>
           <a:p>
@@ -5650,7 +5661,7 @@
             </a:pPr>
             <a:r>
               <a:rPr lang="nl-NL" sz="1400" dirty="0"/>
-              <a:t>4: Apart dashboard voor iedere rol</a:t>
+              <a:t>4: Als medewerker kom ik meteen op het juiste dashboard</a:t>
             </a:r>
           </a:p>
           <a:p>
@@ -5659,7 +5670,7 @@
             </a:pPr>
             <a:r>
               <a:rPr lang="nl-NL" sz="1400" dirty="0"/>
-              <a:t>5: Als medewerker kom ik meteen op het juiste dashboard</a:t>
+              <a:t>5: Inkoop moet producten kunnen aanmaken, bewerken en verwijderen</a:t>
             </a:r>
           </a:p>
           <a:p>
@@ -5668,7 +5679,7 @@
             </a:pPr>
             <a:r>
               <a:rPr lang="nl-NL" sz="1400" dirty="0"/>
-              <a:t>6: Kunnen aanvinken of bedrijf door handmatige BRK-check is gekomen</a:t>
+              <a:t>6: Offerte aanvragen </a:t>
             </a:r>
           </a:p>
           <a:p>
@@ -5686,7 +5697,7 @@
             </a:pPr>
             <a:r>
               <a:rPr lang="nl-NL" sz="1400" dirty="0"/>
-              <a:t>8: Inkoop moet producten kunnen aanmaken, bewerken en verwijderen</a:t>
+              <a:t>8: Hoofdmedewerker van maintenance moet ingekomen storingsaanvragen kunnen bekijken</a:t>
             </a:r>
           </a:p>
           <a:p>
@@ -5695,7 +5706,7 @@
             </a:pPr>
             <a:r>
               <a:rPr lang="nl-NL" sz="1400" dirty="0"/>
-              <a:t>9: Hoofdmedewerker van maintenance moet ingekomen storingsaanvragen kunnen bekijken</a:t>
+              <a:t>9: Kunnen aanvinken of bedrijf door handmatige BRK-check is gekomen</a:t>
             </a:r>
           </a:p>
           <a:p>
@@ -5749,7 +5760,7 @@
       </p:grpSpPr>
       <p:sp useBgFill="1">
         <p:nvSpPr>
-          <p:cNvPr id="17" name="Rectangle 16">
+          <p:cNvPr id="10" name="Rectangle 9">
             <a:extLst>
               <a:ext uri="{FF2B5EF4-FFF2-40B4-BE49-F238E27FC236}">
                 <a16:creationId xmlns:a16="http://schemas.microsoft.com/office/drawing/2014/main" id="{0AB6E427-3F73-4C06-A5D5-AE52C3883B50}"/>
@@ -5809,7 +5820,7 @@
       </p:sp>
       <p:sp>
         <p:nvSpPr>
-          <p:cNvPr id="18" name="Rectangle 17">
+          <p:cNvPr id="12" name="Rectangle 11">
             <a:extLst>
               <a:ext uri="{FF2B5EF4-FFF2-40B4-BE49-F238E27FC236}">
                 <a16:creationId xmlns:a16="http://schemas.microsoft.com/office/drawing/2014/main" id="{D8C9BDAA-0390-4B39-9B5C-BC95E5120DA4}"/>
@@ -5874,7 +5885,7 @@
           <p:cNvPr id="2" name="Title 1">
             <a:extLst>
               <a:ext uri="{FF2B5EF4-FFF2-40B4-BE49-F238E27FC236}">
-                <a16:creationId xmlns:a16="http://schemas.microsoft.com/office/drawing/2014/main" id="{FFA1E525-F3DD-6182-9A62-831EA72B2009}"/>
+                <a16:creationId xmlns:a16="http://schemas.microsoft.com/office/drawing/2014/main" id="{2ADC7D2F-F50B-9D6E-391C-EBD6801BA4E5}"/>
               </a:ext>
             </a:extLst>
           </p:cNvPr>
@@ -5898,7 +5909,7 @@
           <a:lstStyle/>
           <a:p>
             <a:r>
-              <a:rPr lang="nl-NL" sz="4000" b="1" kern="100">
+              <a:rPr lang="nl-NL" sz="3100" b="1" kern="100" dirty="0">
                 <a:solidFill>
                   <a:srgbClr val="FFFFFF"/>
                 </a:solidFill>
@@ -5907,10 +5918,10 @@
                 <a:ea typeface="Aptos" panose="020B0004020202020204" pitchFamily="34" charset="0"/>
                 <a:cs typeface="Times New Roman" panose="02020603050405020304" pitchFamily="18" charset="0"/>
               </a:rPr>
-              <a:t>1. Offerte aanvragen</a:t>
+              <a:t>1. Als medewerker kunnen inloggen</a:t>
             </a:r>
             <a:br>
-              <a:rPr lang="en-US" sz="4000" kern="100">
+              <a:rPr lang="en-US" sz="3100" kern="100" dirty="0">
                 <a:solidFill>
                   <a:srgbClr val="FFFFFF"/>
                 </a:solidFill>
@@ -5920,7 +5931,7 @@
                 <a:cs typeface="Times New Roman" panose="02020603050405020304" pitchFamily="18" charset="0"/>
               </a:rPr>
             </a:br>
-            <a:endParaRPr lang="en-US" sz="4000">
+            <a:endParaRPr lang="en-US" sz="3100" dirty="0">
               <a:solidFill>
                 <a:srgbClr val="FFFFFF"/>
               </a:solidFill>
@@ -5930,7 +5941,7 @@
       </p:sp>
       <p:cxnSp>
         <p:nvCxnSpPr>
-          <p:cNvPr id="16" name="Straight Connector 15">
+          <p:cNvPr id="14" name="Straight Connector 13">
             <a:extLst>
               <a:ext uri="{FF2B5EF4-FFF2-40B4-BE49-F238E27FC236}">
                 <a16:creationId xmlns:a16="http://schemas.microsoft.com/office/drawing/2014/main" id="{E04A321A-A039-4720-87B4-66A4210E0D57}"/>
@@ -5985,7 +5996,7 @@
           <p:cNvPr id="3" name="Content Placeholder 2">
             <a:extLst>
               <a:ext uri="{FF2B5EF4-FFF2-40B4-BE49-F238E27FC236}">
-                <a16:creationId xmlns:a16="http://schemas.microsoft.com/office/drawing/2014/main" id="{25403ABF-C2D7-FAA7-BE55-4F1D2EF4D2A5}"/>
+                <a16:creationId xmlns:a16="http://schemas.microsoft.com/office/drawing/2014/main" id="{080AC1DC-E1BC-670A-D425-724FE0A45E62}"/>
               </a:ext>
             </a:extLst>
           </p:cNvPr>
@@ -6018,10 +6029,10 @@
       </p:sp>
       <p:pic>
         <p:nvPicPr>
-          <p:cNvPr id="7" name="Picture 6" descr="A screenshot of a computer&#10;&#10;Description automatically generated">
-            <a:extLst>
-              <a:ext uri="{FF2B5EF4-FFF2-40B4-BE49-F238E27FC236}">
-                <a16:creationId xmlns:a16="http://schemas.microsoft.com/office/drawing/2014/main" id="{6BA1F7CA-CD97-00BA-F529-F0AC95E06AF0}"/>
+          <p:cNvPr id="5" name="Picture 4">
+            <a:extLst>
+              <a:ext uri="{FF2B5EF4-FFF2-40B4-BE49-F238E27FC236}">
+                <a16:creationId xmlns:a16="http://schemas.microsoft.com/office/drawing/2014/main" id="{737DE9B0-C63C-F1F8-F83E-61677FE43ADC}"/>
               </a:ext>
             </a:extLst>
           </p:cNvPr>
@@ -6049,7 +6060,7 @@
     </p:spTree>
     <p:extLst>
       <p:ext uri="{BB962C8B-B14F-4D97-AF65-F5344CB8AC3E}">
-        <p14:creationId xmlns:p14="http://schemas.microsoft.com/office/powerpoint/2010/main" val="818496352"/>
+        <p14:creationId xmlns:p14="http://schemas.microsoft.com/office/powerpoint/2010/main" val="234813187"/>
       </p:ext>
     </p:extLst>
   </p:cSld>
@@ -6211,7 +6222,7 @@
           <p:cNvPr id="2" name="Title 1">
             <a:extLst>
               <a:ext uri="{FF2B5EF4-FFF2-40B4-BE49-F238E27FC236}">
-                <a16:creationId xmlns:a16="http://schemas.microsoft.com/office/drawing/2014/main" id="{2ADC7D2F-F50B-9D6E-391C-EBD6801BA4E5}"/>
+                <a16:creationId xmlns:a16="http://schemas.microsoft.com/office/drawing/2014/main" id="{797ED34A-E0E5-65A2-09C9-0E7F0E1B4B72}"/>
               </a:ext>
             </a:extLst>
           </p:cNvPr>
@@ -6235,18 +6246,7 @@
           <a:lstStyle/>
           <a:p>
             <a:r>
-              <a:rPr lang="nl-NL" sz="3100" b="1" kern="100" dirty="0">
-                <a:solidFill>
-                  <a:srgbClr val="FFFFFF"/>
-                </a:solidFill>
-                <a:latin typeface="Aptos" panose="020B0004020202020204" pitchFamily="34" charset="0"/>
-                <a:ea typeface="Aptos" panose="020B0004020202020204" pitchFamily="34" charset="0"/>
-                <a:cs typeface="Times New Roman" panose="02020603050405020304" pitchFamily="18" charset="0"/>
-              </a:rPr>
-              <a:t>2</a:t>
-            </a:r>
-            <a:r>
-              <a:rPr lang="nl-NL" sz="3100" b="1" kern="100" dirty="0">
+              <a:rPr lang="nl-NL" sz="2500" b="1" kern="100" dirty="0">
                 <a:solidFill>
                   <a:srgbClr val="FFFFFF"/>
                 </a:solidFill>
@@ -6255,10 +6255,10 @@
                 <a:ea typeface="Aptos" panose="020B0004020202020204" pitchFamily="34" charset="0"/>
                 <a:cs typeface="Times New Roman" panose="02020603050405020304" pitchFamily="18" charset="0"/>
               </a:rPr>
-              <a:t>. Als medewerker kunnen inloggen</a:t>
+              <a:t>2. Medewerker behoort tot rol: Finance, Sales, Inkoop of Maintenance</a:t>
             </a:r>
             <a:br>
-              <a:rPr lang="en-US" sz="3100" kern="100" dirty="0">
+              <a:rPr lang="en-US" sz="2500" kern="100" dirty="0">
                 <a:solidFill>
                   <a:srgbClr val="FFFFFF"/>
                 </a:solidFill>
@@ -6268,7 +6268,7 @@
                 <a:cs typeface="Times New Roman" panose="02020603050405020304" pitchFamily="18" charset="0"/>
               </a:rPr>
             </a:br>
-            <a:endParaRPr lang="en-US" sz="3100" dirty="0">
+            <a:endParaRPr lang="en-US" sz="2500" dirty="0">
               <a:solidFill>
                 <a:srgbClr val="FFFFFF"/>
               </a:solidFill>
@@ -6333,7 +6333,7 @@
           <p:cNvPr id="3" name="Content Placeholder 2">
             <a:extLst>
               <a:ext uri="{FF2B5EF4-FFF2-40B4-BE49-F238E27FC236}">
-                <a16:creationId xmlns:a16="http://schemas.microsoft.com/office/drawing/2014/main" id="{080AC1DC-E1BC-670A-D425-724FE0A45E62}"/>
+                <a16:creationId xmlns:a16="http://schemas.microsoft.com/office/drawing/2014/main" id="{D9CFBEB3-1D7D-5C95-45F6-9A4D49843319}"/>
               </a:ext>
             </a:extLst>
           </p:cNvPr>
@@ -6369,7 +6369,7 @@
           <p:cNvPr id="5" name="Picture 4">
             <a:extLst>
               <a:ext uri="{FF2B5EF4-FFF2-40B4-BE49-F238E27FC236}">
-                <a16:creationId xmlns:a16="http://schemas.microsoft.com/office/drawing/2014/main" id="{737DE9B0-C63C-F1F8-F83E-61677FE43ADC}"/>
+                <a16:creationId xmlns:a16="http://schemas.microsoft.com/office/drawing/2014/main" id="{82438BEA-DB8D-1DB0-BA6A-1428CDAEB392}"/>
               </a:ext>
             </a:extLst>
           </p:cNvPr>
@@ -6397,7 +6397,7 @@
     </p:spTree>
     <p:extLst>
       <p:ext uri="{BB962C8B-B14F-4D97-AF65-F5344CB8AC3E}">
-        <p14:creationId xmlns:p14="http://schemas.microsoft.com/office/powerpoint/2010/main" val="234813187"/>
+        <p14:creationId xmlns:p14="http://schemas.microsoft.com/office/powerpoint/2010/main" val="4232305658"/>
       </p:ext>
     </p:extLst>
   </p:cSld>
@@ -6559,7 +6559,7 @@
           <p:cNvPr id="2" name="Title 1">
             <a:extLst>
               <a:ext uri="{FF2B5EF4-FFF2-40B4-BE49-F238E27FC236}">
-                <a16:creationId xmlns:a16="http://schemas.microsoft.com/office/drawing/2014/main" id="{797ED34A-E0E5-65A2-09C9-0E7F0E1B4B72}"/>
+                <a16:creationId xmlns:a16="http://schemas.microsoft.com/office/drawing/2014/main" id="{A60B769C-9A22-E085-B79F-C39009BCDA84}"/>
               </a:ext>
             </a:extLst>
           </p:cNvPr>
@@ -6583,18 +6583,7 @@
           <a:lstStyle/>
           <a:p>
             <a:r>
-              <a:rPr lang="nl-NL" sz="2500" b="1" kern="100" dirty="0">
-                <a:solidFill>
-                  <a:srgbClr val="FFFFFF"/>
-                </a:solidFill>
-                <a:latin typeface="Aptos" panose="020B0004020202020204" pitchFamily="34" charset="0"/>
-                <a:ea typeface="Aptos" panose="020B0004020202020204" pitchFamily="34" charset="0"/>
-                <a:cs typeface="Times New Roman" panose="02020603050405020304" pitchFamily="18" charset="0"/>
-              </a:rPr>
-              <a:t>3</a:t>
-            </a:r>
-            <a:r>
-              <a:rPr lang="nl-NL" sz="2500" b="1" kern="100" dirty="0">
+              <a:rPr lang="nl-NL" sz="3400" b="1" kern="100" dirty="0">
                 <a:solidFill>
                   <a:srgbClr val="FFFFFF"/>
                 </a:solidFill>
@@ -6603,10 +6592,10 @@
                 <a:ea typeface="Aptos" panose="020B0004020202020204" pitchFamily="34" charset="0"/>
                 <a:cs typeface="Times New Roman" panose="02020603050405020304" pitchFamily="18" charset="0"/>
               </a:rPr>
-              <a:t>. Medewerker behoort tot rol: Finance, Sales, Inkoop of Maintenance</a:t>
+              <a:t>3. Apart dashboard voor iedere rol</a:t>
             </a:r>
             <a:br>
-              <a:rPr lang="en-US" sz="2500" kern="100" dirty="0">
+              <a:rPr lang="en-US" sz="3400" kern="100" dirty="0">
                 <a:solidFill>
                   <a:srgbClr val="FFFFFF"/>
                 </a:solidFill>
@@ -6616,7 +6605,7 @@
                 <a:cs typeface="Times New Roman" panose="02020603050405020304" pitchFamily="18" charset="0"/>
               </a:rPr>
             </a:br>
-            <a:endParaRPr lang="en-US" sz="2500" dirty="0">
+            <a:endParaRPr lang="en-US" sz="3400" dirty="0">
               <a:solidFill>
                 <a:srgbClr val="FFFFFF"/>
               </a:solidFill>
@@ -6681,7 +6670,7 @@
           <p:cNvPr id="3" name="Content Placeholder 2">
             <a:extLst>
               <a:ext uri="{FF2B5EF4-FFF2-40B4-BE49-F238E27FC236}">
-                <a16:creationId xmlns:a16="http://schemas.microsoft.com/office/drawing/2014/main" id="{D9CFBEB3-1D7D-5C95-45F6-9A4D49843319}"/>
+                <a16:creationId xmlns:a16="http://schemas.microsoft.com/office/drawing/2014/main" id="{4D007589-8405-D4BD-3A9F-EC4C2AE5FB4E}"/>
               </a:ext>
             </a:extLst>
           </p:cNvPr>
@@ -6714,10 +6703,10 @@
       </p:sp>
       <p:pic>
         <p:nvPicPr>
-          <p:cNvPr id="5" name="Picture 4">
-            <a:extLst>
-              <a:ext uri="{FF2B5EF4-FFF2-40B4-BE49-F238E27FC236}">
-                <a16:creationId xmlns:a16="http://schemas.microsoft.com/office/drawing/2014/main" id="{82438BEA-DB8D-1DB0-BA6A-1428CDAEB392}"/>
+          <p:cNvPr id="5" name="Picture 4" descr="A screenshot of a computer&#10;&#10;Description automatically generated">
+            <a:extLst>
+              <a:ext uri="{FF2B5EF4-FFF2-40B4-BE49-F238E27FC236}">
+                <a16:creationId xmlns:a16="http://schemas.microsoft.com/office/drawing/2014/main" id="{93926A20-EBBA-C4D8-5514-11B11D480908}"/>
               </a:ext>
             </a:extLst>
           </p:cNvPr>
@@ -6745,7 +6734,7 @@
     </p:spTree>
     <p:extLst>
       <p:ext uri="{BB962C8B-B14F-4D97-AF65-F5344CB8AC3E}">
-        <p14:creationId xmlns:p14="http://schemas.microsoft.com/office/powerpoint/2010/main" val="4232305658"/>
+        <p14:creationId xmlns:p14="http://schemas.microsoft.com/office/powerpoint/2010/main" val="1064915409"/>
       </p:ext>
     </p:extLst>
   </p:cSld>
@@ -6782,7 +6771,7 @@
       </p:grpSpPr>
       <p:sp useBgFill="1">
         <p:nvSpPr>
-          <p:cNvPr id="10" name="Rectangle 9">
+          <p:cNvPr id="9" name="Rectangle 8">
             <a:extLst>
               <a:ext uri="{FF2B5EF4-FFF2-40B4-BE49-F238E27FC236}">
                 <a16:creationId xmlns:a16="http://schemas.microsoft.com/office/drawing/2014/main" id="{0AB6E427-3F73-4C06-A5D5-AE52C3883B50}"/>
@@ -6842,7 +6831,7 @@
       </p:sp>
       <p:sp>
         <p:nvSpPr>
-          <p:cNvPr id="12" name="Rectangle 11">
+          <p:cNvPr id="11" name="Rectangle 10">
             <a:extLst>
               <a:ext uri="{FF2B5EF4-FFF2-40B4-BE49-F238E27FC236}">
                 <a16:creationId xmlns:a16="http://schemas.microsoft.com/office/drawing/2014/main" id="{D8C9BDAA-0390-4B39-9B5C-BC95E5120DA4}"/>
@@ -6907,7 +6896,7 @@
           <p:cNvPr id="2" name="Title 1">
             <a:extLst>
               <a:ext uri="{FF2B5EF4-FFF2-40B4-BE49-F238E27FC236}">
-                <a16:creationId xmlns:a16="http://schemas.microsoft.com/office/drawing/2014/main" id="{A60B769C-9A22-E085-B79F-C39009BCDA84}"/>
+                <a16:creationId xmlns:a16="http://schemas.microsoft.com/office/drawing/2014/main" id="{1C16C57C-F408-5439-6210-9C97F235221E}"/>
               </a:ext>
             </a:extLst>
           </p:cNvPr>
@@ -6931,18 +6920,7 @@
           <a:lstStyle/>
           <a:p>
             <a:r>
-              <a:rPr lang="nl-NL" sz="3400" b="1" kern="100" dirty="0">
-                <a:solidFill>
-                  <a:srgbClr val="FFFFFF"/>
-                </a:solidFill>
-                <a:latin typeface="Aptos" panose="020B0004020202020204" pitchFamily="34" charset="0"/>
-                <a:ea typeface="Aptos" panose="020B0004020202020204" pitchFamily="34" charset="0"/>
-                <a:cs typeface="Times New Roman" panose="02020603050405020304" pitchFamily="18" charset="0"/>
-              </a:rPr>
-              <a:t>4</a:t>
-            </a:r>
-            <a:r>
-              <a:rPr lang="nl-NL" sz="3400" b="1" kern="100" dirty="0">
+              <a:rPr lang="nl-NL" sz="2800" b="1" kern="100" dirty="0">
                 <a:solidFill>
                   <a:srgbClr val="FFFFFF"/>
                 </a:solidFill>
@@ -6951,10 +6929,10 @@
                 <a:ea typeface="Aptos" panose="020B0004020202020204" pitchFamily="34" charset="0"/>
                 <a:cs typeface="Times New Roman" panose="02020603050405020304" pitchFamily="18" charset="0"/>
               </a:rPr>
-              <a:t>. Apart dashboard voor iedere rol</a:t>
+              <a:t>4. Als medewerker kom ik meteen op het juiste dashboard</a:t>
             </a:r>
             <a:br>
-              <a:rPr lang="en-US" sz="3400" kern="100" dirty="0">
+              <a:rPr lang="en-US" sz="2800" kern="100" dirty="0">
                 <a:solidFill>
                   <a:srgbClr val="FFFFFF"/>
                 </a:solidFill>
@@ -6964,7 +6942,7 @@
                 <a:cs typeface="Times New Roman" panose="02020603050405020304" pitchFamily="18" charset="0"/>
               </a:rPr>
             </a:br>
-            <a:endParaRPr lang="en-US" sz="3400" dirty="0">
+            <a:endParaRPr lang="en-US" sz="2800" dirty="0">
               <a:solidFill>
                 <a:srgbClr val="FFFFFF"/>
               </a:solidFill>
@@ -6974,7 +6952,7 @@
       </p:sp>
       <p:cxnSp>
         <p:nvCxnSpPr>
-          <p:cNvPr id="14" name="Straight Connector 13">
+          <p:cNvPr id="13" name="Straight Connector 12">
             <a:extLst>
               <a:ext uri="{FF2B5EF4-FFF2-40B4-BE49-F238E27FC236}">
                 <a16:creationId xmlns:a16="http://schemas.microsoft.com/office/drawing/2014/main" id="{E04A321A-A039-4720-87B4-66A4210E0D57}"/>
@@ -7029,7 +7007,7 @@
           <p:cNvPr id="3" name="Content Placeholder 2">
             <a:extLst>
               <a:ext uri="{FF2B5EF4-FFF2-40B4-BE49-F238E27FC236}">
-                <a16:creationId xmlns:a16="http://schemas.microsoft.com/office/drawing/2014/main" id="{4D007589-8405-D4BD-3A9F-EC4C2AE5FB4E}"/>
+                <a16:creationId xmlns:a16="http://schemas.microsoft.com/office/drawing/2014/main" id="{6EEE3B73-B2E3-6F7E-734A-B1493739E3BF}"/>
               </a:ext>
             </a:extLst>
           </p:cNvPr>
@@ -7062,10 +7040,10 @@
       </p:sp>
       <p:pic>
         <p:nvPicPr>
-          <p:cNvPr id="5" name="Picture 4" descr="A screenshot of a computer&#10;&#10;Description automatically generated">
-            <a:extLst>
-              <a:ext uri="{FF2B5EF4-FFF2-40B4-BE49-F238E27FC236}">
-                <a16:creationId xmlns:a16="http://schemas.microsoft.com/office/drawing/2014/main" id="{93926A20-EBBA-C4D8-5514-11B11D480908}"/>
+          <p:cNvPr id="4" name="Picture 3" descr="A screenshot of a computer&#10;&#10;Description automatically generated">
+            <a:extLst>
+              <a:ext uri="{FF2B5EF4-FFF2-40B4-BE49-F238E27FC236}">
+                <a16:creationId xmlns:a16="http://schemas.microsoft.com/office/drawing/2014/main" id="{B7BCA513-6FFB-BEA1-3FC5-FC3F8109513C}"/>
               </a:ext>
             </a:extLst>
           </p:cNvPr>
@@ -7093,7 +7071,7 @@
     </p:spTree>
     <p:extLst>
       <p:ext uri="{BB962C8B-B14F-4D97-AF65-F5344CB8AC3E}">
-        <p14:creationId xmlns:p14="http://schemas.microsoft.com/office/powerpoint/2010/main" val="1064915409"/>
+        <p14:creationId xmlns:p14="http://schemas.microsoft.com/office/powerpoint/2010/main" val="2035452965"/>
       </p:ext>
     </p:extLst>
   </p:cSld>
@@ -7130,7 +7108,7 @@
       </p:grpSpPr>
       <p:sp useBgFill="1">
         <p:nvSpPr>
-          <p:cNvPr id="9" name="Rectangle 8">
+          <p:cNvPr id="10" name="Rectangle 9">
             <a:extLst>
               <a:ext uri="{FF2B5EF4-FFF2-40B4-BE49-F238E27FC236}">
                 <a16:creationId xmlns:a16="http://schemas.microsoft.com/office/drawing/2014/main" id="{0AB6E427-3F73-4C06-A5D5-AE52C3883B50}"/>
@@ -7190,7 +7168,7 @@
       </p:sp>
       <p:sp>
         <p:nvSpPr>
-          <p:cNvPr id="11" name="Rectangle 10">
+          <p:cNvPr id="12" name="Rectangle 11">
             <a:extLst>
               <a:ext uri="{FF2B5EF4-FFF2-40B4-BE49-F238E27FC236}">
                 <a16:creationId xmlns:a16="http://schemas.microsoft.com/office/drawing/2014/main" id="{D8C9BDAA-0390-4B39-9B5C-BC95E5120DA4}"/>
@@ -7255,7 +7233,7 @@
           <p:cNvPr id="2" name="Title 1">
             <a:extLst>
               <a:ext uri="{FF2B5EF4-FFF2-40B4-BE49-F238E27FC236}">
-                <a16:creationId xmlns:a16="http://schemas.microsoft.com/office/drawing/2014/main" id="{1C16C57C-F408-5439-6210-9C97F235221E}"/>
+                <a16:creationId xmlns:a16="http://schemas.microsoft.com/office/drawing/2014/main" id="{BD5CD92C-C51B-208F-9F97-9E21E14B5157}"/>
               </a:ext>
             </a:extLst>
           </p:cNvPr>
@@ -7279,7 +7257,7 @@
           <a:lstStyle/>
           <a:p>
             <a:r>
-              <a:rPr lang="nl-NL" sz="2800" b="1" kern="100" dirty="0">
+              <a:rPr lang="nl-NL" sz="2500" b="1" kern="100" dirty="0">
                 <a:solidFill>
                   <a:srgbClr val="FFFFFF"/>
                 </a:solidFill>
@@ -7290,7 +7268,7 @@
               <a:t>5</a:t>
             </a:r>
             <a:r>
-              <a:rPr lang="nl-NL" sz="2800" b="1" kern="100" dirty="0">
+              <a:rPr lang="nl-NL" sz="2500" b="1" kern="100" dirty="0">
                 <a:solidFill>
                   <a:srgbClr val="FFFFFF"/>
                 </a:solidFill>
@@ -7299,10 +7277,10 @@
                 <a:ea typeface="Aptos" panose="020B0004020202020204" pitchFamily="34" charset="0"/>
                 <a:cs typeface="Times New Roman" panose="02020603050405020304" pitchFamily="18" charset="0"/>
               </a:rPr>
-              <a:t>. Als medewerker kom ik meteen op het juiste dashboard</a:t>
+              <a:t>. Inkoop moet producten kunnen aanmaken, bewerken en verwijderen</a:t>
             </a:r>
             <a:br>
-              <a:rPr lang="en-US" sz="2800" kern="100" dirty="0">
+              <a:rPr lang="en-US" sz="2500" kern="100" dirty="0">
                 <a:solidFill>
                   <a:srgbClr val="FFFFFF"/>
                 </a:solidFill>
@@ -7312,7 +7290,7 @@
                 <a:cs typeface="Times New Roman" panose="02020603050405020304" pitchFamily="18" charset="0"/>
               </a:rPr>
             </a:br>
-            <a:endParaRPr lang="en-US" sz="2800" dirty="0">
+            <a:endParaRPr lang="en-US" sz="2500" dirty="0">
               <a:solidFill>
                 <a:srgbClr val="FFFFFF"/>
               </a:solidFill>
@@ -7322,7 +7300,7 @@
       </p:sp>
       <p:cxnSp>
         <p:nvCxnSpPr>
-          <p:cNvPr id="13" name="Straight Connector 12">
+          <p:cNvPr id="14" name="Straight Connector 13">
             <a:extLst>
               <a:ext uri="{FF2B5EF4-FFF2-40B4-BE49-F238E27FC236}">
                 <a16:creationId xmlns:a16="http://schemas.microsoft.com/office/drawing/2014/main" id="{E04A321A-A039-4720-87B4-66A4210E0D57}"/>
@@ -7377,7 +7355,7 @@
           <p:cNvPr id="3" name="Content Placeholder 2">
             <a:extLst>
               <a:ext uri="{FF2B5EF4-FFF2-40B4-BE49-F238E27FC236}">
-                <a16:creationId xmlns:a16="http://schemas.microsoft.com/office/drawing/2014/main" id="{6EEE3B73-B2E3-6F7E-734A-B1493739E3BF}"/>
+                <a16:creationId xmlns:a16="http://schemas.microsoft.com/office/drawing/2014/main" id="{32C5507B-1BB1-8AE9-3EB5-C770548E1B24}"/>
               </a:ext>
             </a:extLst>
           </p:cNvPr>
@@ -7410,10 +7388,10 @@
       </p:sp>
       <p:pic>
         <p:nvPicPr>
-          <p:cNvPr id="4" name="Picture 3" descr="A screenshot of a computer&#10;&#10;Description automatically generated">
-            <a:extLst>
-              <a:ext uri="{FF2B5EF4-FFF2-40B4-BE49-F238E27FC236}">
-                <a16:creationId xmlns:a16="http://schemas.microsoft.com/office/drawing/2014/main" id="{B7BCA513-6FFB-BEA1-3FC5-FC3F8109513C}"/>
+          <p:cNvPr id="5" name="Picture 4">
+            <a:extLst>
+              <a:ext uri="{FF2B5EF4-FFF2-40B4-BE49-F238E27FC236}">
+                <a16:creationId xmlns:a16="http://schemas.microsoft.com/office/drawing/2014/main" id="{71E89196-0AEB-D0DA-3049-CE323C9C322D}"/>
               </a:ext>
             </a:extLst>
           </p:cNvPr>
@@ -7441,7 +7419,7 @@
     </p:spTree>
     <p:extLst>
       <p:ext uri="{BB962C8B-B14F-4D97-AF65-F5344CB8AC3E}">
-        <p14:creationId xmlns:p14="http://schemas.microsoft.com/office/powerpoint/2010/main" val="2035452965"/>
+        <p14:creationId xmlns:p14="http://schemas.microsoft.com/office/powerpoint/2010/main" val="2571641973"/>
       </p:ext>
     </p:extLst>
   </p:cSld>
@@ -7478,7 +7456,7 @@
       </p:grpSpPr>
       <p:sp useBgFill="1">
         <p:nvSpPr>
-          <p:cNvPr id="10" name="Rectangle 9">
+          <p:cNvPr id="17" name="Rectangle 16">
             <a:extLst>
               <a:ext uri="{FF2B5EF4-FFF2-40B4-BE49-F238E27FC236}">
                 <a16:creationId xmlns:a16="http://schemas.microsoft.com/office/drawing/2014/main" id="{0AB6E427-3F73-4C06-A5D5-AE52C3883B50}"/>
@@ -7538,7 +7516,7 @@
       </p:sp>
       <p:sp>
         <p:nvSpPr>
-          <p:cNvPr id="12" name="Rectangle 11">
+          <p:cNvPr id="18" name="Rectangle 17">
             <a:extLst>
               <a:ext uri="{FF2B5EF4-FFF2-40B4-BE49-F238E27FC236}">
                 <a16:creationId xmlns:a16="http://schemas.microsoft.com/office/drawing/2014/main" id="{D8C9BDAA-0390-4B39-9B5C-BC95E5120DA4}"/>
@@ -7603,7 +7581,7 @@
           <p:cNvPr id="2" name="Title 1">
             <a:extLst>
               <a:ext uri="{FF2B5EF4-FFF2-40B4-BE49-F238E27FC236}">
-                <a16:creationId xmlns:a16="http://schemas.microsoft.com/office/drawing/2014/main" id="{DFFDFBF5-02C3-5450-7DBD-DEEBECE81A69}"/>
+                <a16:creationId xmlns:a16="http://schemas.microsoft.com/office/drawing/2014/main" id="{FFA1E525-F3DD-6182-9A62-831EA72B2009}"/>
               </a:ext>
             </a:extLst>
           </p:cNvPr>
@@ -7627,18 +7605,7 @@
           <a:lstStyle/>
           <a:p>
             <a:r>
-              <a:rPr lang="nl-NL" sz="2500" b="1" kern="100" dirty="0">
-                <a:solidFill>
-                  <a:srgbClr val="FFFFFF"/>
-                </a:solidFill>
-                <a:latin typeface="Aptos" panose="020B0004020202020204" pitchFamily="34" charset="0"/>
-                <a:ea typeface="Aptos" panose="020B0004020202020204" pitchFamily="34" charset="0"/>
-                <a:cs typeface="Times New Roman" panose="02020603050405020304" pitchFamily="18" charset="0"/>
-              </a:rPr>
-              <a:t>6</a:t>
-            </a:r>
-            <a:r>
-              <a:rPr lang="nl-NL" sz="2500" b="1" kern="100" dirty="0">
+              <a:rPr lang="nl-NL" sz="4000" b="1" kern="100" dirty="0">
                 <a:solidFill>
                   <a:srgbClr val="FFFFFF"/>
                 </a:solidFill>
@@ -7647,10 +7614,10 @@
                 <a:ea typeface="Aptos" panose="020B0004020202020204" pitchFamily="34" charset="0"/>
                 <a:cs typeface="Times New Roman" panose="02020603050405020304" pitchFamily="18" charset="0"/>
               </a:rPr>
-              <a:t>. Kunnen aanvinken of bedrijf door handmatige BKR-check is gekomen</a:t>
+              <a:t>6. Offerte aanvragen</a:t>
             </a:r>
             <a:br>
-              <a:rPr lang="en-US" sz="2500" kern="100" dirty="0">
+              <a:rPr lang="en-US" sz="4000" kern="100" dirty="0">
                 <a:solidFill>
                   <a:srgbClr val="FFFFFF"/>
                 </a:solidFill>
@@ -7660,7 +7627,7 @@
                 <a:cs typeface="Times New Roman" panose="02020603050405020304" pitchFamily="18" charset="0"/>
               </a:rPr>
             </a:br>
-            <a:endParaRPr lang="en-US" sz="2500" dirty="0">
+            <a:endParaRPr lang="en-US" sz="4000" dirty="0">
               <a:solidFill>
                 <a:srgbClr val="FFFFFF"/>
               </a:solidFill>
@@ -7670,7 +7637,7 @@
       </p:sp>
       <p:cxnSp>
         <p:nvCxnSpPr>
-          <p:cNvPr id="14" name="Straight Connector 13">
+          <p:cNvPr id="16" name="Straight Connector 15">
             <a:extLst>
               <a:ext uri="{FF2B5EF4-FFF2-40B4-BE49-F238E27FC236}">
                 <a16:creationId xmlns:a16="http://schemas.microsoft.com/office/drawing/2014/main" id="{E04A321A-A039-4720-87B4-66A4210E0D57}"/>
@@ -7725,7 +7692,7 @@
           <p:cNvPr id="3" name="Content Placeholder 2">
             <a:extLst>
               <a:ext uri="{FF2B5EF4-FFF2-40B4-BE49-F238E27FC236}">
-                <a16:creationId xmlns:a16="http://schemas.microsoft.com/office/drawing/2014/main" id="{48085F9A-F632-FDBC-9B15-2557AFA8290B}"/>
+                <a16:creationId xmlns:a16="http://schemas.microsoft.com/office/drawing/2014/main" id="{25403ABF-C2D7-FAA7-BE55-4F1D2EF4D2A5}"/>
               </a:ext>
             </a:extLst>
           </p:cNvPr>
@@ -7758,10 +7725,10 @@
       </p:sp>
       <p:pic>
         <p:nvPicPr>
-          <p:cNvPr id="5" name="Picture 4">
-            <a:extLst>
-              <a:ext uri="{FF2B5EF4-FFF2-40B4-BE49-F238E27FC236}">
-                <a16:creationId xmlns:a16="http://schemas.microsoft.com/office/drawing/2014/main" id="{3F03B1A6-AA7F-D6CE-BDDF-F5D02D98D46D}"/>
+          <p:cNvPr id="7" name="Picture 6" descr="A screenshot of a computer&#10;&#10;Description automatically generated">
+            <a:extLst>
+              <a:ext uri="{FF2B5EF4-FFF2-40B4-BE49-F238E27FC236}">
+                <a16:creationId xmlns:a16="http://schemas.microsoft.com/office/drawing/2014/main" id="{6BA1F7CA-CD97-00BA-F529-F0AC95E06AF0}"/>
               </a:ext>
             </a:extLst>
           </p:cNvPr>
@@ -7789,7 +7756,7 @@
     </p:spTree>
     <p:extLst>
       <p:ext uri="{BB962C8B-B14F-4D97-AF65-F5344CB8AC3E}">
-        <p14:creationId xmlns:p14="http://schemas.microsoft.com/office/powerpoint/2010/main" val="3820510323"/>
+        <p14:creationId xmlns:p14="http://schemas.microsoft.com/office/powerpoint/2010/main" val="818496352"/>
       </p:ext>
     </p:extLst>
   </p:cSld>
